--- a/MyResearches/BCLearning+ProtoNet/Thoughts/bclearning+protonet_thoughts01.pptx
+++ b/MyResearches/BCLearning+ProtoNet/Thoughts/bclearning+protonet_thoughts01.pptx
@@ -6,22 +6,23 @@
   </p:sldMasterIdLst>
   <p:sldIdLst>
     <p:sldId id="256" r:id="rId2"/>
-    <p:sldId id="258" r:id="rId3"/>
-    <p:sldId id="257" r:id="rId4"/>
-    <p:sldId id="259" r:id="rId5"/>
-    <p:sldId id="260" r:id="rId6"/>
-    <p:sldId id="261" r:id="rId7"/>
-    <p:sldId id="262" r:id="rId8"/>
-    <p:sldId id="263" r:id="rId9"/>
-    <p:sldId id="264" r:id="rId10"/>
-    <p:sldId id="269" r:id="rId11"/>
-    <p:sldId id="270" r:id="rId12"/>
-    <p:sldId id="271" r:id="rId13"/>
-    <p:sldId id="272" r:id="rId14"/>
-    <p:sldId id="273" r:id="rId15"/>
-    <p:sldId id="274" r:id="rId16"/>
-    <p:sldId id="275" r:id="rId17"/>
-    <p:sldId id="276" r:id="rId18"/>
+    <p:sldId id="277" r:id="rId3"/>
+    <p:sldId id="258" r:id="rId4"/>
+    <p:sldId id="257" r:id="rId5"/>
+    <p:sldId id="259" r:id="rId6"/>
+    <p:sldId id="260" r:id="rId7"/>
+    <p:sldId id="261" r:id="rId8"/>
+    <p:sldId id="262" r:id="rId9"/>
+    <p:sldId id="263" r:id="rId10"/>
+    <p:sldId id="264" r:id="rId11"/>
+    <p:sldId id="269" r:id="rId12"/>
+    <p:sldId id="270" r:id="rId13"/>
+    <p:sldId id="271" r:id="rId14"/>
+    <p:sldId id="272" r:id="rId15"/>
+    <p:sldId id="273" r:id="rId16"/>
+    <p:sldId id="274" r:id="rId17"/>
+    <p:sldId id="275" r:id="rId18"/>
+    <p:sldId id="276" r:id="rId19"/>
   </p:sldIdLst>
   <p:sldSz cx="12192000" cy="6858000"/>
   <p:notesSz cx="6858000" cy="9144000"/>
@@ -120,6 +121,11 @@
       </a:defRPr>
     </a:lvl9pPr>
   </p:defaultTextStyle>
+  <p:extLst>
+    <p:ext uri="{EFAFB233-063F-42B5-8137-9DF3F51BA10A}">
+      <p15:sldGuideLst xmlns:p15="http://schemas.microsoft.com/office/powerpoint/2012/main"/>
+    </p:ext>
+  </p:extLst>
 </p:presentation>
 </file>
 
@@ -283,7 +289,7 @@
           <a:p>
             <a:fld id="{3D726FFC-0A29-3144-80C1-C69138E64A73}" type="datetimeFigureOut">
               <a:rPr kumimoji="1" lang="zh-TW" altLang="en-US" smtClean="0"/>
-              <a:t>2024/4/4</a:t>
+              <a:t>2024/4/6</a:t>
             </a:fld>
             <a:endParaRPr kumimoji="1" lang="zh-TW" altLang="en-US"/>
           </a:p>
@@ -461,7 +467,7 @@
           <a:p>
             <a:fld id="{3D726FFC-0A29-3144-80C1-C69138E64A73}" type="datetimeFigureOut">
               <a:rPr kumimoji="1" lang="zh-TW" altLang="en-US" smtClean="0"/>
-              <a:t>2024/4/4</a:t>
+              <a:t>2024/4/6</a:t>
             </a:fld>
             <a:endParaRPr kumimoji="1" lang="zh-TW" altLang="en-US"/>
           </a:p>
@@ -677,7 +683,7 @@
           <a:p>
             <a:fld id="{3D726FFC-0A29-3144-80C1-C69138E64A73}" type="datetimeFigureOut">
               <a:rPr kumimoji="1" lang="zh-TW" altLang="en-US" smtClean="0"/>
-              <a:t>2024/4/4</a:t>
+              <a:t>2024/4/6</a:t>
             </a:fld>
             <a:endParaRPr kumimoji="1" lang="zh-TW" altLang="en-US"/>
           </a:p>
@@ -883,7 +889,7 @@
           <a:p>
             <a:fld id="{3D726FFC-0A29-3144-80C1-C69138E64A73}" type="datetimeFigureOut">
               <a:rPr kumimoji="1" lang="zh-TW" altLang="en-US" smtClean="0"/>
-              <a:t>2024/4/4</a:t>
+              <a:t>2024/4/6</a:t>
             </a:fld>
             <a:endParaRPr kumimoji="1" lang="zh-TW" altLang="en-US"/>
           </a:p>
@@ -1166,7 +1172,7 @@
           <a:p>
             <a:fld id="{3D726FFC-0A29-3144-80C1-C69138E64A73}" type="datetimeFigureOut">
               <a:rPr kumimoji="1" lang="zh-TW" altLang="en-US" smtClean="0"/>
-              <a:t>2024/4/4</a:t>
+              <a:t>2024/4/6</a:t>
             </a:fld>
             <a:endParaRPr kumimoji="1" lang="zh-TW" altLang="en-US"/>
           </a:p>
@@ -1439,7 +1445,7 @@
           <a:p>
             <a:fld id="{3D726FFC-0A29-3144-80C1-C69138E64A73}" type="datetimeFigureOut">
               <a:rPr kumimoji="1" lang="zh-TW" altLang="en-US" smtClean="0"/>
-              <a:t>2024/4/4</a:t>
+              <a:t>2024/4/6</a:t>
             </a:fld>
             <a:endParaRPr kumimoji="1" lang="zh-TW" altLang="en-US"/>
           </a:p>
@@ -1859,7 +1865,7 @@
           <a:p>
             <a:fld id="{3D726FFC-0A29-3144-80C1-C69138E64A73}" type="datetimeFigureOut">
               <a:rPr kumimoji="1" lang="zh-TW" altLang="en-US" smtClean="0"/>
-              <a:t>2024/4/4</a:t>
+              <a:t>2024/4/6</a:t>
             </a:fld>
             <a:endParaRPr kumimoji="1" lang="zh-TW" altLang="en-US"/>
           </a:p>
@@ -2008,7 +2014,7 @@
           <a:p>
             <a:fld id="{3D726FFC-0A29-3144-80C1-C69138E64A73}" type="datetimeFigureOut">
               <a:rPr kumimoji="1" lang="zh-TW" altLang="en-US" smtClean="0"/>
-              <a:t>2024/4/4</a:t>
+              <a:t>2024/4/6</a:t>
             </a:fld>
             <a:endParaRPr kumimoji="1" lang="zh-TW" altLang="en-US"/>
           </a:p>
@@ -2129,7 +2135,7 @@
           <a:p>
             <a:fld id="{3D726FFC-0A29-3144-80C1-C69138E64A73}" type="datetimeFigureOut">
               <a:rPr kumimoji="1" lang="zh-TW" altLang="en-US" smtClean="0"/>
-              <a:t>2024/4/4</a:t>
+              <a:t>2024/4/6</a:t>
             </a:fld>
             <a:endParaRPr kumimoji="1" lang="zh-TW" altLang="en-US"/>
           </a:p>
@@ -2448,7 +2454,7 @@
           <a:p>
             <a:fld id="{3D726FFC-0A29-3144-80C1-C69138E64A73}" type="datetimeFigureOut">
               <a:rPr kumimoji="1" lang="zh-TW" altLang="en-US" smtClean="0"/>
-              <a:t>2024/4/4</a:t>
+              <a:t>2024/4/6</a:t>
             </a:fld>
             <a:endParaRPr kumimoji="1" lang="zh-TW" altLang="en-US"/>
           </a:p>
@@ -2744,7 +2750,7 @@
           <a:p>
             <a:fld id="{3D726FFC-0A29-3144-80C1-C69138E64A73}" type="datetimeFigureOut">
               <a:rPr kumimoji="1" lang="zh-TW" altLang="en-US" smtClean="0"/>
-              <a:t>2024/4/4</a:t>
+              <a:t>2024/4/6</a:t>
             </a:fld>
             <a:endParaRPr kumimoji="1" lang="zh-TW" altLang="en-US"/>
           </a:p>
@@ -2993,7 +2999,7 @@
           <a:p>
             <a:fld id="{3D726FFC-0A29-3144-80C1-C69138E64A73}" type="datetimeFigureOut">
               <a:rPr kumimoji="1" lang="zh-TW" altLang="en-US" smtClean="0"/>
-              <a:t>2024/4/4</a:t>
+              <a:t>2024/4/6</a:t>
             </a:fld>
             <a:endParaRPr kumimoji="1" lang="zh-TW" altLang="en-US"/>
           </a:p>
@@ -3464,7 +3470,7 @@
           <p:cNvPr id="2" name="標題 1">
             <a:extLst>
               <a:ext uri="{FF2B5EF4-FFF2-40B4-BE49-F238E27FC236}">
-                <a16:creationId xmlns:a16="http://schemas.microsoft.com/office/drawing/2014/main" id="{182B5A17-5DAE-8331-1912-FFB295FF65BF}"/>
+                <a16:creationId xmlns:a16="http://schemas.microsoft.com/office/drawing/2014/main" id="{958E27BA-CB4C-DA26-19FA-F4BBC0C4A431}"/>
               </a:ext>
             </a:extLst>
           </p:cNvPr>
@@ -3482,45 +3488,41 @@
           <a:p>
             <a:r>
               <a:rPr kumimoji="1" lang="en-US" altLang="zh-TW" dirty="0"/>
-              <a:t>Draft Thoughts-step 5</a:t>
+              <a:t>Draft Thoughts-step 4</a:t>
             </a:r>
             <a:endParaRPr kumimoji="1" lang="zh-TW" altLang="en-US" dirty="0"/>
           </a:p>
         </p:txBody>
       </p:sp>
-      <p:pic>
-        <p:nvPicPr>
-          <p:cNvPr id="6" name="內容版面配置區 5">
-            <a:extLst>
-              <a:ext uri="{FF2B5EF4-FFF2-40B4-BE49-F238E27FC236}">
-                <a16:creationId xmlns:a16="http://schemas.microsoft.com/office/drawing/2014/main" id="{318E7372-EC92-6DE4-3206-53947F1EEE84}"/>
-              </a:ext>
-            </a:extLst>
-          </p:cNvPr>
-          <p:cNvPicPr>
-            <a:picLocks noGrp="1" noChangeAspect="1"/>
-          </p:cNvPicPr>
+      <p:sp>
+        <p:nvSpPr>
+          <p:cNvPr id="3" name="內容版面配置區 2">
+            <a:extLst>
+              <a:ext uri="{FF2B5EF4-FFF2-40B4-BE49-F238E27FC236}">
+                <a16:creationId xmlns:a16="http://schemas.microsoft.com/office/drawing/2014/main" id="{90664981-4128-F757-D0FF-4D0315B6D804}"/>
+              </a:ext>
+            </a:extLst>
+          </p:cNvPr>
+          <p:cNvSpPr>
+            <a:spLocks noGrp="1"/>
+          </p:cNvSpPr>
           <p:nvPr>
             <p:ph idx="1"/>
           </p:nvPr>
-        </p:nvPicPr>
-        <p:blipFill>
-          <a:blip r:embed="rId2"/>
-          <a:stretch>
-            <a:fillRect/>
-          </a:stretch>
-        </p:blipFill>
-        <p:spPr>
-          <a:xfrm>
-            <a:off x="4747202" y="387307"/>
-            <a:ext cx="3919003" cy="6310136"/>
-          </a:xfrm>
-        </p:spPr>
-      </p:pic>
+        </p:nvSpPr>
+        <p:spPr/>
+        <p:txBody>
+          <a:bodyPr/>
+          <a:lstStyle/>
+          <a:p>
+            <a:endParaRPr kumimoji="1" lang="zh-TW" altLang="en-US"/>
+          </a:p>
+        </p:txBody>
+      </p:sp>
     </p:spTree>
     <p:extLst>
       <p:ext uri="{BB962C8B-B14F-4D97-AF65-F5344CB8AC3E}">
-        <p14:creationId xmlns:p14="http://schemas.microsoft.com/office/powerpoint/2010/main" val="3596163884"/>
+        <p14:creationId xmlns:p14="http://schemas.microsoft.com/office/powerpoint/2010/main" val="173480336"/>
       </p:ext>
     </p:extLst>
   </p:cSld>
@@ -3552,7 +3554,7 @@
           <p:cNvPr id="2" name="標題 1">
             <a:extLst>
               <a:ext uri="{FF2B5EF4-FFF2-40B4-BE49-F238E27FC236}">
-                <a16:creationId xmlns:a16="http://schemas.microsoft.com/office/drawing/2014/main" id="{958E27BA-CB4C-DA26-19FA-F4BBC0C4A431}"/>
+                <a16:creationId xmlns:a16="http://schemas.microsoft.com/office/drawing/2014/main" id="{182B5A17-5DAE-8331-1912-FFB295FF65BF}"/>
               </a:ext>
             </a:extLst>
           </p:cNvPr>
@@ -3576,35 +3578,39 @@
           </a:p>
         </p:txBody>
       </p:sp>
-      <p:sp>
-        <p:nvSpPr>
-          <p:cNvPr id="3" name="內容版面配置區 2">
-            <a:extLst>
-              <a:ext uri="{FF2B5EF4-FFF2-40B4-BE49-F238E27FC236}">
-                <a16:creationId xmlns:a16="http://schemas.microsoft.com/office/drawing/2014/main" id="{90664981-4128-F757-D0FF-4D0315B6D804}"/>
-              </a:ext>
-            </a:extLst>
-          </p:cNvPr>
-          <p:cNvSpPr>
-            <a:spLocks noGrp="1"/>
-          </p:cNvSpPr>
+      <p:pic>
+        <p:nvPicPr>
+          <p:cNvPr id="6" name="內容版面配置區 5">
+            <a:extLst>
+              <a:ext uri="{FF2B5EF4-FFF2-40B4-BE49-F238E27FC236}">
+                <a16:creationId xmlns:a16="http://schemas.microsoft.com/office/drawing/2014/main" id="{318E7372-EC92-6DE4-3206-53947F1EEE84}"/>
+              </a:ext>
+            </a:extLst>
+          </p:cNvPr>
+          <p:cNvPicPr>
+            <a:picLocks noGrp="1" noChangeAspect="1"/>
+          </p:cNvPicPr>
           <p:nvPr>
             <p:ph idx="1"/>
           </p:nvPr>
-        </p:nvSpPr>
-        <p:spPr/>
-        <p:txBody>
-          <a:bodyPr/>
-          <a:lstStyle/>
-          <a:p>
-            <a:endParaRPr kumimoji="1" lang="zh-TW" altLang="en-US"/>
-          </a:p>
-        </p:txBody>
-      </p:sp>
+        </p:nvPicPr>
+        <p:blipFill>
+          <a:blip r:embed="rId2"/>
+          <a:stretch>
+            <a:fillRect/>
+          </a:stretch>
+        </p:blipFill>
+        <p:spPr>
+          <a:xfrm>
+            <a:off x="4747202" y="387307"/>
+            <a:ext cx="3919003" cy="6310136"/>
+          </a:xfrm>
+        </p:spPr>
+      </p:pic>
     </p:spTree>
     <p:extLst>
       <p:ext uri="{BB962C8B-B14F-4D97-AF65-F5344CB8AC3E}">
-        <p14:creationId xmlns:p14="http://schemas.microsoft.com/office/powerpoint/2010/main" val="2201227569"/>
+        <p14:creationId xmlns:p14="http://schemas.microsoft.com/office/powerpoint/2010/main" val="3596163884"/>
       </p:ext>
     </p:extLst>
   </p:cSld>
@@ -3636,7 +3642,7 @@
           <p:cNvPr id="2" name="標題 1">
             <a:extLst>
               <a:ext uri="{FF2B5EF4-FFF2-40B4-BE49-F238E27FC236}">
-                <a16:creationId xmlns:a16="http://schemas.microsoft.com/office/drawing/2014/main" id="{182B5A17-5DAE-8331-1912-FFB295FF65BF}"/>
+                <a16:creationId xmlns:a16="http://schemas.microsoft.com/office/drawing/2014/main" id="{958E27BA-CB4C-DA26-19FA-F4BBC0C4A431}"/>
               </a:ext>
             </a:extLst>
           </p:cNvPr>
@@ -3654,45 +3660,95 @@
           <a:p>
             <a:r>
               <a:rPr kumimoji="1" lang="en-US" altLang="zh-TW" dirty="0"/>
-              <a:t>Draft Thoughts-step 6</a:t>
+              <a:t>BC-Learning + </a:t>
+            </a:r>
+            <a:r>
+              <a:rPr kumimoji="1" lang="en-US" altLang="zh-TW" dirty="0" err="1"/>
+              <a:t>ProtoNet</a:t>
+            </a:r>
+            <a:r>
+              <a:rPr kumimoji="1" lang="en-US" altLang="zh-TW" dirty="0"/>
+              <a:t> Thoughts</a:t>
             </a:r>
             <a:endParaRPr kumimoji="1" lang="zh-TW" altLang="en-US" dirty="0"/>
           </a:p>
         </p:txBody>
       </p:sp>
-      <p:pic>
-        <p:nvPicPr>
-          <p:cNvPr id="6" name="內容版面配置區 5">
-            <a:extLst>
-              <a:ext uri="{FF2B5EF4-FFF2-40B4-BE49-F238E27FC236}">
-                <a16:creationId xmlns:a16="http://schemas.microsoft.com/office/drawing/2014/main" id="{CE01C456-A649-B174-7890-4589F9C5F563}"/>
-              </a:ext>
-            </a:extLst>
-          </p:cNvPr>
-          <p:cNvPicPr>
-            <a:picLocks noGrp="1" noChangeAspect="1"/>
-          </p:cNvPicPr>
+      <p:sp>
+        <p:nvSpPr>
+          <p:cNvPr id="3" name="內容版面配置區 2">
+            <a:extLst>
+              <a:ext uri="{FF2B5EF4-FFF2-40B4-BE49-F238E27FC236}">
+                <a16:creationId xmlns:a16="http://schemas.microsoft.com/office/drawing/2014/main" id="{90664981-4128-F757-D0FF-4D0315B6D804}"/>
+              </a:ext>
+            </a:extLst>
+          </p:cNvPr>
+          <p:cNvSpPr>
+            <a:spLocks noGrp="1"/>
+          </p:cNvSpPr>
           <p:nvPr>
             <p:ph idx="1"/>
           </p:nvPr>
-        </p:nvPicPr>
-        <p:blipFill>
-          <a:blip r:embed="rId2"/>
-          <a:stretch>
-            <a:fillRect/>
-          </a:stretch>
-        </p:blipFill>
+        </p:nvSpPr>
         <p:spPr>
           <a:xfrm>
-            <a:off x="4855403" y="271978"/>
-            <a:ext cx="4033224" cy="6184437"/>
-          </a:xfrm>
-        </p:spPr>
-      </p:pic>
+            <a:off x="185979" y="1029730"/>
+            <a:ext cx="11677973" cy="5326619"/>
+          </a:xfrm>
+        </p:spPr>
+        <p:txBody>
+          <a:bodyPr>
+            <a:normAutofit/>
+          </a:bodyPr>
+          <a:lstStyle/>
+          <a:p>
+            <a:pPr>
+              <a:lnSpc>
+                <a:spcPct val="150000"/>
+              </a:lnSpc>
+            </a:pPr>
+            <a:r>
+              <a:rPr kumimoji="1" lang="zh-TW" altLang="en-US" sz="1800" dirty="0"/>
+              <a:t>假設給予</a:t>
+            </a:r>
+            <a:r>
+              <a:rPr kumimoji="1" lang="en-US" altLang="zh-TW" sz="1800" dirty="0">
+                <a:latin typeface="GungSeo" pitchFamily="2" charset="-127"/>
+                <a:ea typeface="GungSeo" pitchFamily="2" charset="-127"/>
+              </a:rPr>
+              <a:t>K</a:t>
+            </a:r>
+            <a:r>
+              <a:rPr kumimoji="1" lang="zh-TW" altLang="en-US" sz="1800" dirty="0"/>
+              <a:t>個類別</a:t>
+            </a:r>
+            <a:r>
+              <a:rPr kumimoji="1" lang="en-US" altLang="zh-TW" sz="1800" dirty="0"/>
+              <a:t>(Class)</a:t>
+            </a:r>
+            <a:r>
+              <a:rPr kumimoji="1" lang="zh-TW" altLang="en-US" sz="1800" dirty="0"/>
+              <a:t>，在此我們採用</a:t>
+            </a:r>
+            <a:r>
+              <a:rPr kumimoji="1" lang="en-US" altLang="zh-TW" sz="1800" dirty="0" err="1"/>
+              <a:t>ProtoNet</a:t>
+            </a:r>
+            <a:r>
+              <a:rPr kumimoji="1" lang="zh-TW" altLang="en-US" sz="1800" dirty="0"/>
+              <a:t>原論文中的符號定義；則，</a:t>
+            </a:r>
+            <a:br>
+              <a:rPr kumimoji="1" lang="en-US" altLang="zh-TW" sz="1800" dirty="0"/>
+            </a:br>
+            <a:endParaRPr kumimoji="1" lang="en-US" altLang="zh-TW" sz="1800" dirty="0"/>
+          </a:p>
+        </p:txBody>
+      </p:sp>
     </p:spTree>
     <p:extLst>
       <p:ext uri="{BB962C8B-B14F-4D97-AF65-F5344CB8AC3E}">
-        <p14:creationId xmlns:p14="http://schemas.microsoft.com/office/powerpoint/2010/main" val="535018006"/>
+        <p14:creationId xmlns:p14="http://schemas.microsoft.com/office/powerpoint/2010/main" val="2201227569"/>
       </p:ext>
     </p:extLst>
   </p:cSld>
@@ -3724,7 +3780,7 @@
           <p:cNvPr id="2" name="標題 1">
             <a:extLst>
               <a:ext uri="{FF2B5EF4-FFF2-40B4-BE49-F238E27FC236}">
-                <a16:creationId xmlns:a16="http://schemas.microsoft.com/office/drawing/2014/main" id="{958E27BA-CB4C-DA26-19FA-F4BBC0C4A431}"/>
+                <a16:creationId xmlns:a16="http://schemas.microsoft.com/office/drawing/2014/main" id="{182B5A17-5DAE-8331-1912-FFB295FF65BF}"/>
               </a:ext>
             </a:extLst>
           </p:cNvPr>
@@ -3748,35 +3804,39 @@
           </a:p>
         </p:txBody>
       </p:sp>
-      <p:sp>
-        <p:nvSpPr>
-          <p:cNvPr id="3" name="內容版面配置區 2">
-            <a:extLst>
-              <a:ext uri="{FF2B5EF4-FFF2-40B4-BE49-F238E27FC236}">
-                <a16:creationId xmlns:a16="http://schemas.microsoft.com/office/drawing/2014/main" id="{90664981-4128-F757-D0FF-4D0315B6D804}"/>
-              </a:ext>
-            </a:extLst>
-          </p:cNvPr>
-          <p:cNvSpPr>
-            <a:spLocks noGrp="1"/>
-          </p:cNvSpPr>
+      <p:pic>
+        <p:nvPicPr>
+          <p:cNvPr id="6" name="內容版面配置區 5">
+            <a:extLst>
+              <a:ext uri="{FF2B5EF4-FFF2-40B4-BE49-F238E27FC236}">
+                <a16:creationId xmlns:a16="http://schemas.microsoft.com/office/drawing/2014/main" id="{CE01C456-A649-B174-7890-4589F9C5F563}"/>
+              </a:ext>
+            </a:extLst>
+          </p:cNvPr>
+          <p:cNvPicPr>
+            <a:picLocks noGrp="1" noChangeAspect="1"/>
+          </p:cNvPicPr>
           <p:nvPr>
             <p:ph idx="1"/>
           </p:nvPr>
-        </p:nvSpPr>
-        <p:spPr/>
-        <p:txBody>
-          <a:bodyPr/>
-          <a:lstStyle/>
-          <a:p>
-            <a:endParaRPr kumimoji="1" lang="zh-TW" altLang="en-US"/>
-          </a:p>
-        </p:txBody>
-      </p:sp>
+        </p:nvPicPr>
+        <p:blipFill>
+          <a:blip r:embed="rId2"/>
+          <a:stretch>
+            <a:fillRect/>
+          </a:stretch>
+        </p:blipFill>
+        <p:spPr>
+          <a:xfrm>
+            <a:off x="4855403" y="271978"/>
+            <a:ext cx="4033224" cy="6184437"/>
+          </a:xfrm>
+        </p:spPr>
+      </p:pic>
     </p:spTree>
     <p:extLst>
       <p:ext uri="{BB962C8B-B14F-4D97-AF65-F5344CB8AC3E}">
-        <p14:creationId xmlns:p14="http://schemas.microsoft.com/office/powerpoint/2010/main" val="2797738391"/>
+        <p14:creationId xmlns:p14="http://schemas.microsoft.com/office/powerpoint/2010/main" val="535018006"/>
       </p:ext>
     </p:extLst>
   </p:cSld>
@@ -3808,7 +3868,7 @@
           <p:cNvPr id="2" name="標題 1">
             <a:extLst>
               <a:ext uri="{FF2B5EF4-FFF2-40B4-BE49-F238E27FC236}">
-                <a16:creationId xmlns:a16="http://schemas.microsoft.com/office/drawing/2014/main" id="{182B5A17-5DAE-8331-1912-FFB295FF65BF}"/>
+                <a16:creationId xmlns:a16="http://schemas.microsoft.com/office/drawing/2014/main" id="{958E27BA-CB4C-DA26-19FA-F4BBC0C4A431}"/>
               </a:ext>
             </a:extLst>
           </p:cNvPr>
@@ -3826,45 +3886,41 @@
           <a:p>
             <a:r>
               <a:rPr kumimoji="1" lang="en-US" altLang="zh-TW" dirty="0"/>
-              <a:t>Draft Thoughts-step 7</a:t>
+              <a:t>Draft Thoughts-step 6</a:t>
             </a:r>
             <a:endParaRPr kumimoji="1" lang="zh-TW" altLang="en-US" dirty="0"/>
           </a:p>
         </p:txBody>
       </p:sp>
-      <p:pic>
-        <p:nvPicPr>
-          <p:cNvPr id="6" name="內容版面配置區 5">
-            <a:extLst>
-              <a:ext uri="{FF2B5EF4-FFF2-40B4-BE49-F238E27FC236}">
-                <a16:creationId xmlns:a16="http://schemas.microsoft.com/office/drawing/2014/main" id="{9725032B-7956-6D47-771B-D5C22E25CF3A}"/>
-              </a:ext>
-            </a:extLst>
-          </p:cNvPr>
-          <p:cNvPicPr>
-            <a:picLocks noGrp="1" noChangeAspect="1"/>
-          </p:cNvPicPr>
+      <p:sp>
+        <p:nvSpPr>
+          <p:cNvPr id="3" name="內容版面配置區 2">
+            <a:extLst>
+              <a:ext uri="{FF2B5EF4-FFF2-40B4-BE49-F238E27FC236}">
+                <a16:creationId xmlns:a16="http://schemas.microsoft.com/office/drawing/2014/main" id="{90664981-4128-F757-D0FF-4D0315B6D804}"/>
+              </a:ext>
+            </a:extLst>
+          </p:cNvPr>
+          <p:cNvSpPr>
+            <a:spLocks noGrp="1"/>
+          </p:cNvSpPr>
           <p:nvPr>
             <p:ph idx="1"/>
           </p:nvPr>
-        </p:nvPicPr>
-        <p:blipFill>
-          <a:blip r:embed="rId2"/>
-          <a:stretch>
-            <a:fillRect/>
-          </a:stretch>
-        </p:blipFill>
-        <p:spPr>
-          <a:xfrm>
-            <a:off x="4778896" y="354356"/>
-            <a:ext cx="3969687" cy="6167877"/>
-          </a:xfrm>
-        </p:spPr>
-      </p:pic>
+        </p:nvSpPr>
+        <p:spPr/>
+        <p:txBody>
+          <a:bodyPr/>
+          <a:lstStyle/>
+          <a:p>
+            <a:endParaRPr kumimoji="1" lang="zh-TW" altLang="en-US"/>
+          </a:p>
+        </p:txBody>
+      </p:sp>
     </p:spTree>
     <p:extLst>
       <p:ext uri="{BB962C8B-B14F-4D97-AF65-F5344CB8AC3E}">
-        <p14:creationId xmlns:p14="http://schemas.microsoft.com/office/powerpoint/2010/main" val="1768988346"/>
+        <p14:creationId xmlns:p14="http://schemas.microsoft.com/office/powerpoint/2010/main" val="2797738391"/>
       </p:ext>
     </p:extLst>
   </p:cSld>
@@ -3896,7 +3952,7 @@
           <p:cNvPr id="2" name="標題 1">
             <a:extLst>
               <a:ext uri="{FF2B5EF4-FFF2-40B4-BE49-F238E27FC236}">
-                <a16:creationId xmlns:a16="http://schemas.microsoft.com/office/drawing/2014/main" id="{958E27BA-CB4C-DA26-19FA-F4BBC0C4A431}"/>
+                <a16:creationId xmlns:a16="http://schemas.microsoft.com/office/drawing/2014/main" id="{182B5A17-5DAE-8331-1912-FFB295FF65BF}"/>
               </a:ext>
             </a:extLst>
           </p:cNvPr>
@@ -3914,45 +3970,45 @@
           <a:p>
             <a:r>
               <a:rPr kumimoji="1" lang="en-US" altLang="zh-TW" dirty="0"/>
-              <a:t>Draft </a:t>
-            </a:r>
-            <a:r>
-              <a:rPr kumimoji="1" lang="en-US" altLang="zh-TW"/>
-              <a:t>Thoughts-step 7</a:t>
+              <a:t>Draft Thoughts-step 7</a:t>
             </a:r>
             <a:endParaRPr kumimoji="1" lang="zh-TW" altLang="en-US" dirty="0"/>
           </a:p>
         </p:txBody>
       </p:sp>
-      <p:sp>
-        <p:nvSpPr>
-          <p:cNvPr id="3" name="內容版面配置區 2">
-            <a:extLst>
-              <a:ext uri="{FF2B5EF4-FFF2-40B4-BE49-F238E27FC236}">
-                <a16:creationId xmlns:a16="http://schemas.microsoft.com/office/drawing/2014/main" id="{90664981-4128-F757-D0FF-4D0315B6D804}"/>
-              </a:ext>
-            </a:extLst>
-          </p:cNvPr>
-          <p:cNvSpPr>
-            <a:spLocks noGrp="1"/>
-          </p:cNvSpPr>
+      <p:pic>
+        <p:nvPicPr>
+          <p:cNvPr id="6" name="內容版面配置區 5">
+            <a:extLst>
+              <a:ext uri="{FF2B5EF4-FFF2-40B4-BE49-F238E27FC236}">
+                <a16:creationId xmlns:a16="http://schemas.microsoft.com/office/drawing/2014/main" id="{9725032B-7956-6D47-771B-D5C22E25CF3A}"/>
+              </a:ext>
+            </a:extLst>
+          </p:cNvPr>
+          <p:cNvPicPr>
+            <a:picLocks noGrp="1" noChangeAspect="1"/>
+          </p:cNvPicPr>
           <p:nvPr>
             <p:ph idx="1"/>
           </p:nvPr>
-        </p:nvSpPr>
-        <p:spPr/>
-        <p:txBody>
-          <a:bodyPr/>
-          <a:lstStyle/>
-          <a:p>
-            <a:endParaRPr kumimoji="1" lang="zh-TW" altLang="en-US" dirty="0"/>
-          </a:p>
-        </p:txBody>
-      </p:sp>
+        </p:nvPicPr>
+        <p:blipFill>
+          <a:blip r:embed="rId2"/>
+          <a:stretch>
+            <a:fillRect/>
+          </a:stretch>
+        </p:blipFill>
+        <p:spPr>
+          <a:xfrm>
+            <a:off x="4778896" y="354356"/>
+            <a:ext cx="3969687" cy="6167877"/>
+          </a:xfrm>
+        </p:spPr>
+      </p:pic>
     </p:spTree>
     <p:extLst>
       <p:ext uri="{BB962C8B-B14F-4D97-AF65-F5344CB8AC3E}">
-        <p14:creationId xmlns:p14="http://schemas.microsoft.com/office/powerpoint/2010/main" val="3603819945"/>
+        <p14:creationId xmlns:p14="http://schemas.microsoft.com/office/powerpoint/2010/main" val="1768988346"/>
       </p:ext>
     </p:extLst>
   </p:cSld>
@@ -3984,6 +4040,94 @@
           <p:cNvPr id="2" name="標題 1">
             <a:extLst>
               <a:ext uri="{FF2B5EF4-FFF2-40B4-BE49-F238E27FC236}">
+                <a16:creationId xmlns:a16="http://schemas.microsoft.com/office/drawing/2014/main" id="{958E27BA-CB4C-DA26-19FA-F4BBC0C4A431}"/>
+              </a:ext>
+            </a:extLst>
+          </p:cNvPr>
+          <p:cNvSpPr>
+            <a:spLocks noGrp="1"/>
+          </p:cNvSpPr>
+          <p:nvPr>
+            <p:ph type="title"/>
+          </p:nvPr>
+        </p:nvSpPr>
+        <p:spPr/>
+        <p:txBody>
+          <a:bodyPr/>
+          <a:lstStyle/>
+          <a:p>
+            <a:r>
+              <a:rPr kumimoji="1" lang="en-US" altLang="zh-TW" dirty="0"/>
+              <a:t>Draft </a:t>
+            </a:r>
+            <a:r>
+              <a:rPr kumimoji="1" lang="en-US" altLang="zh-TW"/>
+              <a:t>Thoughts-step 7</a:t>
+            </a:r>
+            <a:endParaRPr kumimoji="1" lang="zh-TW" altLang="en-US" dirty="0"/>
+          </a:p>
+        </p:txBody>
+      </p:sp>
+      <p:sp>
+        <p:nvSpPr>
+          <p:cNvPr id="3" name="內容版面配置區 2">
+            <a:extLst>
+              <a:ext uri="{FF2B5EF4-FFF2-40B4-BE49-F238E27FC236}">
+                <a16:creationId xmlns:a16="http://schemas.microsoft.com/office/drawing/2014/main" id="{90664981-4128-F757-D0FF-4D0315B6D804}"/>
+              </a:ext>
+            </a:extLst>
+          </p:cNvPr>
+          <p:cNvSpPr>
+            <a:spLocks noGrp="1"/>
+          </p:cNvSpPr>
+          <p:nvPr>
+            <p:ph idx="1"/>
+          </p:nvPr>
+        </p:nvSpPr>
+        <p:spPr/>
+        <p:txBody>
+          <a:bodyPr/>
+          <a:lstStyle/>
+          <a:p>
+            <a:endParaRPr kumimoji="1" lang="zh-TW" altLang="en-US" dirty="0"/>
+          </a:p>
+        </p:txBody>
+      </p:sp>
+    </p:spTree>
+    <p:extLst>
+      <p:ext uri="{BB962C8B-B14F-4D97-AF65-F5344CB8AC3E}">
+        <p14:creationId xmlns:p14="http://schemas.microsoft.com/office/powerpoint/2010/main" val="3603819945"/>
+      </p:ext>
+    </p:extLst>
+  </p:cSld>
+  <p:clrMapOvr>
+    <a:masterClrMapping/>
+  </p:clrMapOvr>
+</p:sld>
+</file>
+
+<file path=ppt/slides/slide17.xml><?xml version="1.0" encoding="utf-8"?>
+<p:sld xmlns:a="http://schemas.openxmlformats.org/drawingml/2006/main" xmlns:r="http://schemas.openxmlformats.org/officeDocument/2006/relationships" xmlns:p="http://schemas.openxmlformats.org/presentationml/2006/main">
+  <p:cSld>
+    <p:spTree>
+      <p:nvGrpSpPr>
+        <p:cNvPr id="1" name=""/>
+        <p:cNvGrpSpPr/>
+        <p:nvPr/>
+      </p:nvGrpSpPr>
+      <p:grpSpPr>
+        <a:xfrm>
+          <a:off x="0" y="0"/>
+          <a:ext cx="0" cy="0"/>
+          <a:chOff x="0" y="0"/>
+          <a:chExt cx="0" cy="0"/>
+        </a:xfrm>
+      </p:grpSpPr>
+      <p:sp>
+        <p:nvSpPr>
+          <p:cNvPr id="2" name="標題 1">
+            <a:extLst>
+              <a:ext uri="{FF2B5EF4-FFF2-40B4-BE49-F238E27FC236}">
                 <a16:creationId xmlns:a16="http://schemas.microsoft.com/office/drawing/2014/main" id="{182B5A17-5DAE-8331-1912-FFB295FF65BF}"/>
               </a:ext>
             </a:extLst>
@@ -4050,7 +4194,7 @@
 </p:sld>
 </file>
 
-<file path=ppt/slides/slide17.xml><?xml version="1.0" encoding="utf-8"?>
+<file path=ppt/slides/slide18.xml><?xml version="1.0" encoding="utf-8"?>
 <p:sld xmlns:a="http://schemas.openxmlformats.org/drawingml/2006/main" xmlns:r="http://schemas.openxmlformats.org/officeDocument/2006/relationships" xmlns:p="http://schemas.openxmlformats.org/presentationml/2006/main">
   <p:cSld>
     <p:spTree>
@@ -4152,7 +4296,7 @@
           <p:cNvPr id="2" name="標題 1">
             <a:extLst>
               <a:ext uri="{FF2B5EF4-FFF2-40B4-BE49-F238E27FC236}">
-                <a16:creationId xmlns:a16="http://schemas.microsoft.com/office/drawing/2014/main" id="{182B5A17-5DAE-8331-1912-FFB295FF65BF}"/>
+                <a16:creationId xmlns:a16="http://schemas.microsoft.com/office/drawing/2014/main" id="{E1636E7A-1007-B54E-9218-BFCE144DD1B4}"/>
               </a:ext>
             </a:extLst>
           </p:cNvPr>
@@ -4170,45 +4314,1554 @@
           <a:p>
             <a:r>
               <a:rPr kumimoji="1" lang="en-US" altLang="zh-TW" dirty="0"/>
-              <a:t>Draft Thoughts-step 1</a:t>
+              <a:t>Fisher’s Criteria</a:t>
             </a:r>
             <a:endParaRPr kumimoji="1" lang="zh-TW" altLang="en-US" dirty="0"/>
           </a:p>
         </p:txBody>
       </p:sp>
-      <p:pic>
-        <p:nvPicPr>
-          <p:cNvPr id="5" name="內容版面配置區 4">
-            <a:extLst>
-              <a:ext uri="{FF2B5EF4-FFF2-40B4-BE49-F238E27FC236}">
-                <a16:creationId xmlns:a16="http://schemas.microsoft.com/office/drawing/2014/main" id="{28076F60-B017-AA17-CCA4-A178BA6DF61C}"/>
-              </a:ext>
-            </a:extLst>
-          </p:cNvPr>
-          <p:cNvPicPr>
-            <a:picLocks noGrp="1" noChangeAspect="1"/>
-          </p:cNvPicPr>
-          <p:nvPr>
-            <p:ph idx="1"/>
-          </p:nvPr>
-        </p:nvPicPr>
-        <p:blipFill>
-          <a:blip r:embed="rId2"/>
-          <a:stretch>
-            <a:fillRect/>
-          </a:stretch>
-        </p:blipFill>
+      <mc:AlternateContent xmlns:mc="http://schemas.openxmlformats.org/markup-compatibility/2006">
+        <mc:Choice xmlns:a14="http://schemas.microsoft.com/office/drawing/2010/main" Requires="a14">
+          <p:sp>
+            <p:nvSpPr>
+              <p:cNvPr id="5" name="文字方塊 4">
+                <a:extLst>
+                  <a:ext uri="{FF2B5EF4-FFF2-40B4-BE49-F238E27FC236}">
+                    <a16:creationId xmlns:a16="http://schemas.microsoft.com/office/drawing/2014/main" id="{E6E4E4C0-EB40-C63F-B29D-BFEF4EC3B2B6}"/>
+                  </a:ext>
+                </a:extLst>
+              </p:cNvPr>
+              <p:cNvSpPr txBox="1"/>
+              <p:nvPr/>
+            </p:nvSpPr>
+            <p:spPr>
+              <a:xfrm>
+                <a:off x="362464" y="1317816"/>
+                <a:ext cx="3921212" cy="618311"/>
+              </a:xfrm>
+              <a:prstGeom prst="rect">
+                <a:avLst/>
+              </a:prstGeom>
+              <a:noFill/>
+            </p:spPr>
+            <p:txBody>
+              <a:bodyPr wrap="square">
+                <a:spAutoFit/>
+              </a:bodyPr>
+              <a:lstStyle/>
+              <a:p>
+                <a:pPr/>
+                <a14:m>
+                  <m:oMathPara xmlns:m="http://schemas.openxmlformats.org/officeDocument/2006/math">
+                    <m:oMathParaPr>
+                      <m:jc m:val="centerGroup"/>
+                    </m:oMathParaPr>
+                    <m:oMath xmlns:m="http://schemas.openxmlformats.org/officeDocument/2006/math">
+                      <m:r>
+                        <a:rPr lang="zh-TW" altLang="en-US" i="1" smtClean="0">
+                          <a:latin typeface="Cambria Math" panose="02040503050406030204" pitchFamily="18" charset="0"/>
+                        </a:rPr>
+                        <m:t>𝑅𝑎𝑡𝑖𝑜</m:t>
+                      </m:r>
+                      <m:r>
+                        <a:rPr lang="zh-TW" altLang="en-US" i="0">
+                          <a:latin typeface="Cambria Math" panose="02040503050406030204" pitchFamily="18" charset="0"/>
+                        </a:rPr>
+                        <m:t>=</m:t>
+                      </m:r>
+                      <m:f>
+                        <m:fPr>
+                          <m:ctrlPr>
+                            <a:rPr lang="zh-TW" altLang="en-US" i="1">
+                              <a:solidFill>
+                                <a:srgbClr val="836967"/>
+                              </a:solidFill>
+                              <a:latin typeface="Cambria Math" panose="02040503050406030204" pitchFamily="18" charset="0"/>
+                            </a:rPr>
+                          </m:ctrlPr>
+                        </m:fPr>
+                        <m:num>
+                          <m:r>
+                            <a:rPr lang="zh-TW" altLang="en-US" i="1">
+                              <a:latin typeface="Cambria Math" panose="02040503050406030204" pitchFamily="18" charset="0"/>
+                            </a:rPr>
+                            <m:t>𝐵𝑒𝑡𝑤𝑒𝑒𝑛</m:t>
+                          </m:r>
+                          <m:r>
+                            <a:rPr lang="zh-TW" altLang="en-US" i="0">
+                              <a:latin typeface="Cambria Math" panose="02040503050406030204" pitchFamily="18" charset="0"/>
+                            </a:rPr>
+                            <m:t>−</m:t>
+                          </m:r>
+                          <m:r>
+                            <a:rPr lang="zh-TW" altLang="en-US" i="1">
+                              <a:latin typeface="Cambria Math" panose="02040503050406030204" pitchFamily="18" charset="0"/>
+                            </a:rPr>
+                            <m:t>𝐶𝑙𝑎𝑠𝑠</m:t>
+                          </m:r>
+                          <m:r>
+                            <a:rPr lang="zh-TW" altLang="en-US" i="0">
+                              <a:latin typeface="Cambria Math" panose="02040503050406030204" pitchFamily="18" charset="0"/>
+                            </a:rPr>
+                            <m:t> </m:t>
+                          </m:r>
+                          <m:r>
+                            <a:rPr lang="zh-TW" altLang="en-US" i="1">
+                              <a:latin typeface="Cambria Math" panose="02040503050406030204" pitchFamily="18" charset="0"/>
+                            </a:rPr>
+                            <m:t>𝑉𝑎𝑟𝑖𝑎𝑛𝑐𝑒</m:t>
+                          </m:r>
+                        </m:num>
+                        <m:den>
+                          <m:r>
+                            <a:rPr lang="zh-TW" altLang="en-US" i="1">
+                              <a:latin typeface="Cambria Math" panose="02040503050406030204" pitchFamily="18" charset="0"/>
+                            </a:rPr>
+                            <m:t>𝐼𝑛</m:t>
+                          </m:r>
+                          <m:r>
+                            <a:rPr lang="zh-TW" altLang="en-US" i="0">
+                              <a:latin typeface="Cambria Math" panose="02040503050406030204" pitchFamily="18" charset="0"/>
+                            </a:rPr>
+                            <m:t>−</m:t>
+                          </m:r>
+                          <m:r>
+                            <a:rPr lang="zh-TW" altLang="en-US" i="1">
+                              <a:latin typeface="Cambria Math" panose="02040503050406030204" pitchFamily="18" charset="0"/>
+                            </a:rPr>
+                            <m:t>𝐶𝑙𝑎𝑠𝑠</m:t>
+                          </m:r>
+                          <m:r>
+                            <a:rPr lang="zh-TW" altLang="en-US" i="0">
+                              <a:latin typeface="Cambria Math" panose="02040503050406030204" pitchFamily="18" charset="0"/>
+                            </a:rPr>
+                            <m:t> </m:t>
+                          </m:r>
+                          <m:r>
+                            <a:rPr lang="zh-TW" altLang="en-US" i="1">
+                              <a:latin typeface="Cambria Math" panose="02040503050406030204" pitchFamily="18" charset="0"/>
+                            </a:rPr>
+                            <m:t>𝑉𝑎𝑟𝑖𝑎𝑛𝑐𝑒</m:t>
+                          </m:r>
+                        </m:den>
+                      </m:f>
+                    </m:oMath>
+                  </m:oMathPara>
+                </a14:m>
+                <a:endParaRPr lang="zh-TW" altLang="en-US" dirty="0"/>
+              </a:p>
+            </p:txBody>
+          </p:sp>
+        </mc:Choice>
+        <mc:Fallback>
+          <p:sp>
+            <p:nvSpPr>
+              <p:cNvPr id="5" name="文字方塊 4">
+                <a:extLst>
+                  <a:ext uri="{FF2B5EF4-FFF2-40B4-BE49-F238E27FC236}">
+                    <a16:creationId xmlns:a16="http://schemas.microsoft.com/office/drawing/2014/main" id="{E6E4E4C0-EB40-C63F-B29D-BFEF4EC3B2B6}"/>
+                  </a:ext>
+                </a:extLst>
+              </p:cNvPr>
+              <p:cNvSpPr txBox="1">
+                <a:spLocks noRot="1" noChangeAspect="1" noMove="1" noResize="1" noEditPoints="1" noAdjustHandles="1" noChangeArrowheads="1" noChangeShapeType="1" noTextEdit="1"/>
+              </p:cNvSpPr>
+              <p:nvPr/>
+            </p:nvSpPr>
+            <p:spPr>
+              <a:xfrm>
+                <a:off x="362464" y="1317816"/>
+                <a:ext cx="3921212" cy="618311"/>
+              </a:xfrm>
+              <a:prstGeom prst="rect">
+                <a:avLst/>
+              </a:prstGeom>
+              <a:blipFill>
+                <a:blip r:embed="rId2"/>
+                <a:stretch>
+                  <a:fillRect b="-18000"/>
+                </a:stretch>
+              </a:blipFill>
+            </p:spPr>
+            <p:txBody>
+              <a:bodyPr/>
+              <a:lstStyle/>
+              <a:p>
+                <a:r>
+                  <a:rPr lang="zh-TW" altLang="en-US">
+                    <a:noFill/>
+                  </a:rPr>
+                  <a:t> </a:t>
+                </a:r>
+              </a:p>
+            </p:txBody>
+          </p:sp>
+        </mc:Fallback>
+      </mc:AlternateContent>
+      <p:sp>
+        <p:nvSpPr>
+          <p:cNvPr id="6" name="橢圓 5">
+            <a:extLst>
+              <a:ext uri="{FF2B5EF4-FFF2-40B4-BE49-F238E27FC236}">
+                <a16:creationId xmlns:a16="http://schemas.microsoft.com/office/drawing/2014/main" id="{44BBA2DE-F746-8865-65C4-1467E247AB1A}"/>
+              </a:ext>
+            </a:extLst>
+          </p:cNvPr>
+          <p:cNvSpPr/>
+          <p:nvPr/>
+        </p:nvSpPr>
         <p:spPr>
           <a:xfrm>
-            <a:off x="4679093" y="222550"/>
-            <a:ext cx="4176583" cy="6629457"/>
-          </a:xfrm>
-        </p:spPr>
-      </p:pic>
+            <a:off x="5255739" y="800217"/>
+            <a:ext cx="2594920" cy="2190118"/>
+          </a:xfrm>
+          <a:prstGeom prst="ellipse">
+            <a:avLst/>
+          </a:prstGeom>
+          <a:noFill/>
+          <a:ln w="12700">
+            <a:solidFill>
+              <a:schemeClr val="tx1"/>
+            </a:solidFill>
+            <a:prstDash val="solid"/>
+          </a:ln>
+        </p:spPr>
+        <p:style>
+          <a:lnRef idx="2">
+            <a:schemeClr val="accent1">
+              <a:shade val="50000"/>
+            </a:schemeClr>
+          </a:lnRef>
+          <a:fillRef idx="1">
+            <a:schemeClr val="accent1"/>
+          </a:fillRef>
+          <a:effectRef idx="0">
+            <a:schemeClr val="accent1"/>
+          </a:effectRef>
+          <a:fontRef idx="minor">
+            <a:schemeClr val="lt1"/>
+          </a:fontRef>
+        </p:style>
+        <p:txBody>
+          <a:bodyPr rtlCol="0" anchor="ctr"/>
+          <a:lstStyle/>
+          <a:p>
+            <a:pPr algn="ctr"/>
+            <a:endParaRPr kumimoji="1" lang="zh-TW" altLang="en-US"/>
+          </a:p>
+        </p:txBody>
+      </p:sp>
+      <p:sp>
+        <p:nvSpPr>
+          <p:cNvPr id="7" name="橢圓 6">
+            <a:extLst>
+              <a:ext uri="{FF2B5EF4-FFF2-40B4-BE49-F238E27FC236}">
+                <a16:creationId xmlns:a16="http://schemas.microsoft.com/office/drawing/2014/main" id="{FCC34AAE-EB1D-C5EA-471C-F96429F38DE1}"/>
+              </a:ext>
+            </a:extLst>
+          </p:cNvPr>
+          <p:cNvSpPr/>
+          <p:nvPr/>
+        </p:nvSpPr>
+        <p:spPr>
+          <a:xfrm>
+            <a:off x="6096000" y="1029730"/>
+            <a:ext cx="337751" cy="288086"/>
+          </a:xfrm>
+          <a:prstGeom prst="ellipse">
+            <a:avLst/>
+          </a:prstGeom>
+          <a:solidFill>
+            <a:srgbClr val="FF0000"/>
+          </a:solidFill>
+        </p:spPr>
+        <p:style>
+          <a:lnRef idx="2">
+            <a:schemeClr val="accent1">
+              <a:shade val="50000"/>
+            </a:schemeClr>
+          </a:lnRef>
+          <a:fillRef idx="1">
+            <a:schemeClr val="accent1"/>
+          </a:fillRef>
+          <a:effectRef idx="0">
+            <a:schemeClr val="accent1"/>
+          </a:effectRef>
+          <a:fontRef idx="minor">
+            <a:schemeClr val="lt1"/>
+          </a:fontRef>
+        </p:style>
+        <p:txBody>
+          <a:bodyPr rtlCol="0" anchor="ctr"/>
+          <a:lstStyle/>
+          <a:p>
+            <a:pPr algn="ctr"/>
+            <a:endParaRPr kumimoji="1" lang="zh-TW" altLang="en-US"/>
+          </a:p>
+        </p:txBody>
+      </p:sp>
+      <p:sp>
+        <p:nvSpPr>
+          <p:cNvPr id="8" name="橢圓 7">
+            <a:extLst>
+              <a:ext uri="{FF2B5EF4-FFF2-40B4-BE49-F238E27FC236}">
+                <a16:creationId xmlns:a16="http://schemas.microsoft.com/office/drawing/2014/main" id="{1DDEADB7-710B-790F-7BF6-58D2B05A2185}"/>
+              </a:ext>
+            </a:extLst>
+          </p:cNvPr>
+          <p:cNvSpPr/>
+          <p:nvPr/>
+        </p:nvSpPr>
+        <p:spPr>
+          <a:xfrm>
+            <a:off x="6024966" y="1928124"/>
+            <a:ext cx="337751" cy="288086"/>
+          </a:xfrm>
+          <a:prstGeom prst="ellipse">
+            <a:avLst/>
+          </a:prstGeom>
+          <a:solidFill>
+            <a:srgbClr val="FFC000"/>
+          </a:solidFill>
+        </p:spPr>
+        <p:style>
+          <a:lnRef idx="2">
+            <a:schemeClr val="accent1">
+              <a:shade val="50000"/>
+            </a:schemeClr>
+          </a:lnRef>
+          <a:fillRef idx="1">
+            <a:schemeClr val="accent1"/>
+          </a:fillRef>
+          <a:effectRef idx="0">
+            <a:schemeClr val="accent1"/>
+          </a:effectRef>
+          <a:fontRef idx="minor">
+            <a:schemeClr val="lt1"/>
+          </a:fontRef>
+        </p:style>
+        <p:txBody>
+          <a:bodyPr rtlCol="0" anchor="ctr"/>
+          <a:lstStyle/>
+          <a:p>
+            <a:pPr algn="ctr"/>
+            <a:endParaRPr kumimoji="1" lang="zh-TW" altLang="en-US"/>
+          </a:p>
+        </p:txBody>
+      </p:sp>
+      <p:sp>
+        <p:nvSpPr>
+          <p:cNvPr id="9" name="橢圓 8">
+            <a:extLst>
+              <a:ext uri="{FF2B5EF4-FFF2-40B4-BE49-F238E27FC236}">
+                <a16:creationId xmlns:a16="http://schemas.microsoft.com/office/drawing/2014/main" id="{A33A3267-9DFA-A8CA-13F4-C2DAA5166413}"/>
+              </a:ext>
+            </a:extLst>
+          </p:cNvPr>
+          <p:cNvSpPr/>
+          <p:nvPr/>
+        </p:nvSpPr>
+        <p:spPr>
+          <a:xfrm>
+            <a:off x="6886866" y="2262798"/>
+            <a:ext cx="337751" cy="288086"/>
+          </a:xfrm>
+          <a:prstGeom prst="ellipse">
+            <a:avLst/>
+          </a:prstGeom>
+          <a:solidFill>
+            <a:srgbClr val="00B050"/>
+          </a:solidFill>
+        </p:spPr>
+        <p:style>
+          <a:lnRef idx="2">
+            <a:schemeClr val="accent1">
+              <a:shade val="50000"/>
+            </a:schemeClr>
+          </a:lnRef>
+          <a:fillRef idx="1">
+            <a:schemeClr val="accent1"/>
+          </a:fillRef>
+          <a:effectRef idx="0">
+            <a:schemeClr val="accent1"/>
+          </a:effectRef>
+          <a:fontRef idx="minor">
+            <a:schemeClr val="lt1"/>
+          </a:fontRef>
+        </p:style>
+        <p:txBody>
+          <a:bodyPr rtlCol="0" anchor="ctr"/>
+          <a:lstStyle/>
+          <a:p>
+            <a:pPr algn="ctr"/>
+            <a:endParaRPr kumimoji="1" lang="zh-TW" altLang="en-US"/>
+          </a:p>
+        </p:txBody>
+      </p:sp>
+      <p:sp>
+        <p:nvSpPr>
+          <p:cNvPr id="10" name="橢圓 9">
+            <a:extLst>
+              <a:ext uri="{FF2B5EF4-FFF2-40B4-BE49-F238E27FC236}">
+                <a16:creationId xmlns:a16="http://schemas.microsoft.com/office/drawing/2014/main" id="{3D71F7CA-2C6B-7A66-A28B-7620C44AEB92}"/>
+              </a:ext>
+            </a:extLst>
+          </p:cNvPr>
+          <p:cNvSpPr/>
+          <p:nvPr/>
+        </p:nvSpPr>
+        <p:spPr>
+          <a:xfrm>
+            <a:off x="7006280" y="1502548"/>
+            <a:ext cx="337751" cy="288086"/>
+          </a:xfrm>
+          <a:prstGeom prst="ellipse">
+            <a:avLst/>
+          </a:prstGeom>
+          <a:solidFill>
+            <a:schemeClr val="accent1"/>
+          </a:solidFill>
+        </p:spPr>
+        <p:style>
+          <a:lnRef idx="2">
+            <a:schemeClr val="accent1">
+              <a:shade val="50000"/>
+            </a:schemeClr>
+          </a:lnRef>
+          <a:fillRef idx="1">
+            <a:schemeClr val="accent1"/>
+          </a:fillRef>
+          <a:effectRef idx="0">
+            <a:schemeClr val="accent1"/>
+          </a:effectRef>
+          <a:fontRef idx="minor">
+            <a:schemeClr val="lt1"/>
+          </a:fontRef>
+        </p:style>
+        <p:txBody>
+          <a:bodyPr rtlCol="0" anchor="ctr"/>
+          <a:lstStyle/>
+          <a:p>
+            <a:pPr algn="ctr"/>
+            <a:endParaRPr kumimoji="1" lang="zh-TW" altLang="en-US" dirty="0">
+              <a:solidFill>
+                <a:srgbClr val="FF0000"/>
+              </a:solidFill>
+              <a:highlight>
+                <a:srgbClr val="FFFF00"/>
+              </a:highlight>
+            </a:endParaRPr>
+          </a:p>
+        </p:txBody>
+      </p:sp>
+      <p:cxnSp>
+        <p:nvCxnSpPr>
+          <p:cNvPr id="12" name="直線接點 11">
+            <a:extLst>
+              <a:ext uri="{FF2B5EF4-FFF2-40B4-BE49-F238E27FC236}">
+                <a16:creationId xmlns:a16="http://schemas.microsoft.com/office/drawing/2014/main" id="{5669D527-E651-157E-4992-56CE2B8774BB}"/>
+              </a:ext>
+            </a:extLst>
+          </p:cNvPr>
+          <p:cNvCxnSpPr>
+            <a:stCxn id="7" idx="5"/>
+            <a:endCxn id="10" idx="1"/>
+          </p:cNvCxnSpPr>
+          <p:nvPr/>
+        </p:nvCxnSpPr>
+        <p:spPr>
+          <a:xfrm>
+            <a:off x="6384289" y="1275627"/>
+            <a:ext cx="671453" cy="269110"/>
+          </a:xfrm>
+          <a:prstGeom prst="line">
+            <a:avLst/>
+          </a:prstGeom>
+          <a:ln w="12700">
+            <a:solidFill>
+              <a:schemeClr val="tx1"/>
+            </a:solidFill>
+          </a:ln>
+        </p:spPr>
+        <p:style>
+          <a:lnRef idx="1">
+            <a:schemeClr val="dk1"/>
+          </a:lnRef>
+          <a:fillRef idx="0">
+            <a:schemeClr val="dk1"/>
+          </a:fillRef>
+          <a:effectRef idx="0">
+            <a:schemeClr val="dk1"/>
+          </a:effectRef>
+          <a:fontRef idx="minor">
+            <a:schemeClr val="tx1"/>
+          </a:fontRef>
+        </p:style>
+      </p:cxnSp>
+      <p:cxnSp>
+        <p:nvCxnSpPr>
+          <p:cNvPr id="14" name="直線接點 13">
+            <a:extLst>
+              <a:ext uri="{FF2B5EF4-FFF2-40B4-BE49-F238E27FC236}">
+                <a16:creationId xmlns:a16="http://schemas.microsoft.com/office/drawing/2014/main" id="{69FD0C1C-45E0-B96B-96C8-AAE3801EDE0D}"/>
+              </a:ext>
+            </a:extLst>
+          </p:cNvPr>
+          <p:cNvCxnSpPr>
+            <a:cxnSpLocks/>
+            <a:stCxn id="7" idx="4"/>
+            <a:endCxn id="8" idx="0"/>
+          </p:cNvCxnSpPr>
+          <p:nvPr/>
+        </p:nvCxnSpPr>
+        <p:spPr>
+          <a:xfrm flipH="1">
+            <a:off x="6193842" y="1317816"/>
+            <a:ext cx="71034" cy="610308"/>
+          </a:xfrm>
+          <a:prstGeom prst="line">
+            <a:avLst/>
+          </a:prstGeom>
+          <a:ln w="12700"/>
+        </p:spPr>
+        <p:style>
+          <a:lnRef idx="1">
+            <a:schemeClr val="accent1"/>
+          </a:lnRef>
+          <a:fillRef idx="0">
+            <a:schemeClr val="accent1"/>
+          </a:fillRef>
+          <a:effectRef idx="0">
+            <a:schemeClr val="accent1"/>
+          </a:effectRef>
+          <a:fontRef idx="minor">
+            <a:schemeClr val="tx1"/>
+          </a:fontRef>
+        </p:style>
+      </p:cxnSp>
+      <p:cxnSp>
+        <p:nvCxnSpPr>
+          <p:cNvPr id="18" name="直線接點 17">
+            <a:extLst>
+              <a:ext uri="{FF2B5EF4-FFF2-40B4-BE49-F238E27FC236}">
+                <a16:creationId xmlns:a16="http://schemas.microsoft.com/office/drawing/2014/main" id="{E5C804DB-8F59-B5A9-3CB0-A1558A347D63}"/>
+              </a:ext>
+            </a:extLst>
+          </p:cNvPr>
+          <p:cNvCxnSpPr>
+            <a:stCxn id="7" idx="5"/>
+            <a:endCxn id="9" idx="1"/>
+          </p:cNvCxnSpPr>
+          <p:nvPr/>
+        </p:nvCxnSpPr>
+        <p:spPr>
+          <a:xfrm>
+            <a:off x="6384289" y="1275627"/>
+            <a:ext cx="552039" cy="1029360"/>
+          </a:xfrm>
+          <a:prstGeom prst="line">
+            <a:avLst/>
+          </a:prstGeom>
+          <a:ln w="12700">
+            <a:solidFill>
+              <a:srgbClr val="FFC000"/>
+            </a:solidFill>
+          </a:ln>
+        </p:spPr>
+        <p:style>
+          <a:lnRef idx="1">
+            <a:schemeClr val="accent2"/>
+          </a:lnRef>
+          <a:fillRef idx="0">
+            <a:schemeClr val="accent2"/>
+          </a:fillRef>
+          <a:effectRef idx="0">
+            <a:schemeClr val="accent2"/>
+          </a:effectRef>
+          <a:fontRef idx="minor">
+            <a:schemeClr val="tx1"/>
+          </a:fontRef>
+        </p:style>
+      </p:cxnSp>
+      <p:sp>
+        <p:nvSpPr>
+          <p:cNvPr id="19" name="三角形 18">
+            <a:extLst>
+              <a:ext uri="{FF2B5EF4-FFF2-40B4-BE49-F238E27FC236}">
+                <a16:creationId xmlns:a16="http://schemas.microsoft.com/office/drawing/2014/main" id="{8C6DCBEB-2456-87F9-DDF0-58EECA797BC9}"/>
+              </a:ext>
+            </a:extLst>
+          </p:cNvPr>
+          <p:cNvSpPr/>
+          <p:nvPr/>
+        </p:nvSpPr>
+        <p:spPr>
+          <a:xfrm>
+            <a:off x="3295135" y="3226352"/>
+            <a:ext cx="3517557" cy="2356021"/>
+          </a:xfrm>
+          <a:prstGeom prst="triangle">
+            <a:avLst/>
+          </a:prstGeom>
+          <a:noFill/>
+          <a:ln>
+            <a:solidFill>
+              <a:schemeClr val="accent2">
+                <a:lumMod val="60000"/>
+                <a:lumOff val="40000"/>
+              </a:schemeClr>
+            </a:solidFill>
+          </a:ln>
+        </p:spPr>
+        <p:style>
+          <a:lnRef idx="2">
+            <a:schemeClr val="accent1">
+              <a:shade val="50000"/>
+            </a:schemeClr>
+          </a:lnRef>
+          <a:fillRef idx="1">
+            <a:schemeClr val="accent1"/>
+          </a:fillRef>
+          <a:effectRef idx="0">
+            <a:schemeClr val="accent1"/>
+          </a:effectRef>
+          <a:fontRef idx="minor">
+            <a:schemeClr val="lt1"/>
+          </a:fontRef>
+        </p:style>
+        <p:txBody>
+          <a:bodyPr rtlCol="0" anchor="ctr"/>
+          <a:lstStyle/>
+          <a:p>
+            <a:pPr algn="ctr"/>
+            <a:endParaRPr kumimoji="1" lang="zh-TW" altLang="en-US"/>
+          </a:p>
+        </p:txBody>
+      </p:sp>
+      <p:sp>
+        <p:nvSpPr>
+          <p:cNvPr id="20" name="三角形 19">
+            <a:extLst>
+              <a:ext uri="{FF2B5EF4-FFF2-40B4-BE49-F238E27FC236}">
+                <a16:creationId xmlns:a16="http://schemas.microsoft.com/office/drawing/2014/main" id="{3857EA07-F5CC-155C-663D-BE2B7B8B5918}"/>
+              </a:ext>
+            </a:extLst>
+          </p:cNvPr>
+          <p:cNvSpPr/>
+          <p:nvPr/>
+        </p:nvSpPr>
+        <p:spPr>
+          <a:xfrm rot="3956060">
+            <a:off x="4707924" y="4020065"/>
+            <a:ext cx="345989" cy="255373"/>
+          </a:xfrm>
+          <a:prstGeom prst="triangle">
+            <a:avLst/>
+          </a:prstGeom>
+          <a:solidFill>
+            <a:srgbClr val="92D050"/>
+          </a:solidFill>
+          <a:ln>
+            <a:solidFill>
+              <a:schemeClr val="accent2">
+                <a:lumMod val="60000"/>
+                <a:lumOff val="40000"/>
+              </a:schemeClr>
+            </a:solidFill>
+          </a:ln>
+        </p:spPr>
+        <p:style>
+          <a:lnRef idx="2">
+            <a:schemeClr val="accent1">
+              <a:shade val="50000"/>
+            </a:schemeClr>
+          </a:lnRef>
+          <a:fillRef idx="1">
+            <a:schemeClr val="accent1"/>
+          </a:fillRef>
+          <a:effectRef idx="0">
+            <a:schemeClr val="accent1"/>
+          </a:effectRef>
+          <a:fontRef idx="minor">
+            <a:schemeClr val="lt1"/>
+          </a:fontRef>
+        </p:style>
+        <p:txBody>
+          <a:bodyPr rtlCol="0" anchor="ctr"/>
+          <a:lstStyle/>
+          <a:p>
+            <a:pPr algn="ctr"/>
+            <a:endParaRPr kumimoji="1" lang="zh-TW" altLang="en-US"/>
+          </a:p>
+        </p:txBody>
+      </p:sp>
+      <p:sp>
+        <p:nvSpPr>
+          <p:cNvPr id="21" name="三角形 20">
+            <a:extLst>
+              <a:ext uri="{FF2B5EF4-FFF2-40B4-BE49-F238E27FC236}">
+                <a16:creationId xmlns:a16="http://schemas.microsoft.com/office/drawing/2014/main" id="{5E63E935-337E-C5EC-C5AA-94C0F353F5D5}"/>
+              </a:ext>
+            </a:extLst>
+          </p:cNvPr>
+          <p:cNvSpPr/>
+          <p:nvPr/>
+        </p:nvSpPr>
+        <p:spPr>
+          <a:xfrm rot="19646911">
+            <a:off x="4283676" y="4847968"/>
+            <a:ext cx="345989" cy="255373"/>
+          </a:xfrm>
+          <a:prstGeom prst="triangle">
+            <a:avLst/>
+          </a:prstGeom>
+          <a:solidFill>
+            <a:srgbClr val="0070C0"/>
+          </a:solidFill>
+          <a:ln>
+            <a:solidFill>
+              <a:schemeClr val="accent2">
+                <a:lumMod val="60000"/>
+                <a:lumOff val="40000"/>
+              </a:schemeClr>
+            </a:solidFill>
+          </a:ln>
+        </p:spPr>
+        <p:style>
+          <a:lnRef idx="2">
+            <a:schemeClr val="accent1">
+              <a:shade val="50000"/>
+            </a:schemeClr>
+          </a:lnRef>
+          <a:fillRef idx="1">
+            <a:schemeClr val="accent1"/>
+          </a:fillRef>
+          <a:effectRef idx="0">
+            <a:schemeClr val="accent1"/>
+          </a:effectRef>
+          <a:fontRef idx="minor">
+            <a:schemeClr val="lt1"/>
+          </a:fontRef>
+        </p:style>
+        <p:txBody>
+          <a:bodyPr rtlCol="0" anchor="ctr"/>
+          <a:lstStyle/>
+          <a:p>
+            <a:pPr algn="ctr"/>
+            <a:endParaRPr kumimoji="1" lang="zh-TW" altLang="en-US"/>
+          </a:p>
+        </p:txBody>
+      </p:sp>
+      <p:sp>
+        <p:nvSpPr>
+          <p:cNvPr id="22" name="三角形 21">
+            <a:extLst>
+              <a:ext uri="{FF2B5EF4-FFF2-40B4-BE49-F238E27FC236}">
+                <a16:creationId xmlns:a16="http://schemas.microsoft.com/office/drawing/2014/main" id="{CACCF970-E4BD-151F-E68A-66A5F5B70495}"/>
+              </a:ext>
+            </a:extLst>
+          </p:cNvPr>
+          <p:cNvSpPr/>
+          <p:nvPr/>
+        </p:nvSpPr>
+        <p:spPr>
+          <a:xfrm rot="4237976">
+            <a:off x="5568947" y="4847967"/>
+            <a:ext cx="345989" cy="255373"/>
+          </a:xfrm>
+          <a:prstGeom prst="triangle">
+            <a:avLst/>
+          </a:prstGeom>
+          <a:solidFill>
+            <a:schemeClr val="accent2">
+              <a:lumMod val="40000"/>
+              <a:lumOff val="60000"/>
+            </a:schemeClr>
+          </a:solidFill>
+          <a:ln>
+            <a:solidFill>
+              <a:srgbClr val="C00000"/>
+            </a:solidFill>
+          </a:ln>
+        </p:spPr>
+        <p:style>
+          <a:lnRef idx="2">
+            <a:schemeClr val="accent1">
+              <a:shade val="50000"/>
+            </a:schemeClr>
+          </a:lnRef>
+          <a:fillRef idx="1">
+            <a:schemeClr val="accent1"/>
+          </a:fillRef>
+          <a:effectRef idx="0">
+            <a:schemeClr val="accent1"/>
+          </a:effectRef>
+          <a:fontRef idx="minor">
+            <a:schemeClr val="lt1"/>
+          </a:fontRef>
+        </p:style>
+        <p:txBody>
+          <a:bodyPr rtlCol="0" anchor="ctr"/>
+          <a:lstStyle/>
+          <a:p>
+            <a:pPr algn="ctr"/>
+            <a:endParaRPr kumimoji="1" lang="zh-TW" altLang="en-US"/>
+          </a:p>
+        </p:txBody>
+      </p:sp>
+      <p:cxnSp>
+        <p:nvCxnSpPr>
+          <p:cNvPr id="24" name="直線接點 23">
+            <a:extLst>
+              <a:ext uri="{FF2B5EF4-FFF2-40B4-BE49-F238E27FC236}">
+                <a16:creationId xmlns:a16="http://schemas.microsoft.com/office/drawing/2014/main" id="{B0CCE8A7-CB5F-553A-6C6C-AD98FE3264A7}"/>
+              </a:ext>
+            </a:extLst>
+          </p:cNvPr>
+          <p:cNvCxnSpPr>
+            <a:stCxn id="20" idx="5"/>
+            <a:endCxn id="22" idx="2"/>
+          </p:cNvCxnSpPr>
+          <p:nvPr/>
+        </p:nvCxnSpPr>
+        <p:spPr>
+          <a:xfrm>
+            <a:off x="4916190" y="4226731"/>
+            <a:ext cx="647922" cy="628060"/>
+          </a:xfrm>
+          <a:prstGeom prst="line">
+            <a:avLst/>
+          </a:prstGeom>
+          <a:ln w="12700"/>
+        </p:spPr>
+        <p:style>
+          <a:lnRef idx="1">
+            <a:schemeClr val="dk1"/>
+          </a:lnRef>
+          <a:fillRef idx="0">
+            <a:schemeClr val="dk1"/>
+          </a:fillRef>
+          <a:effectRef idx="0">
+            <a:schemeClr val="dk1"/>
+          </a:effectRef>
+          <a:fontRef idx="minor">
+            <a:schemeClr val="tx1"/>
+          </a:fontRef>
+        </p:style>
+      </p:cxnSp>
+      <p:cxnSp>
+        <p:nvCxnSpPr>
+          <p:cNvPr id="27" name="直線接點 26">
+            <a:extLst>
+              <a:ext uri="{FF2B5EF4-FFF2-40B4-BE49-F238E27FC236}">
+                <a16:creationId xmlns:a16="http://schemas.microsoft.com/office/drawing/2014/main" id="{627B15FE-6AB9-17E2-D268-621396B3D560}"/>
+              </a:ext>
+            </a:extLst>
+          </p:cNvPr>
+          <p:cNvCxnSpPr>
+            <a:stCxn id="20" idx="4"/>
+            <a:endCxn id="21" idx="5"/>
+          </p:cNvCxnSpPr>
+          <p:nvPr/>
+        </p:nvCxnSpPr>
+        <p:spPr>
+          <a:xfrm flipH="1">
+            <a:off x="4529580" y="4357778"/>
+            <a:ext cx="305295" cy="571336"/>
+          </a:xfrm>
+          <a:prstGeom prst="line">
+            <a:avLst/>
+          </a:prstGeom>
+          <a:ln w="12700"/>
+        </p:spPr>
+        <p:style>
+          <a:lnRef idx="1">
+            <a:schemeClr val="accent2"/>
+          </a:lnRef>
+          <a:fillRef idx="0">
+            <a:schemeClr val="accent2"/>
+          </a:fillRef>
+          <a:effectRef idx="0">
+            <a:schemeClr val="accent2"/>
+          </a:effectRef>
+          <a:fontRef idx="minor">
+            <a:schemeClr val="tx1"/>
+          </a:fontRef>
+        </p:style>
+      </p:cxnSp>
+      <p:sp>
+        <p:nvSpPr>
+          <p:cNvPr id="39" name="圓角矩形 38">
+            <a:extLst>
+              <a:ext uri="{FF2B5EF4-FFF2-40B4-BE49-F238E27FC236}">
+                <a16:creationId xmlns:a16="http://schemas.microsoft.com/office/drawing/2014/main" id="{4A379896-1615-06C0-CF0A-3BC5056C2EA6}"/>
+              </a:ext>
+            </a:extLst>
+          </p:cNvPr>
+          <p:cNvSpPr/>
+          <p:nvPr/>
+        </p:nvSpPr>
+        <p:spPr>
+          <a:xfrm>
+            <a:off x="8921578" y="3097427"/>
+            <a:ext cx="2512541" cy="2484946"/>
+          </a:xfrm>
+          <a:prstGeom prst="roundRect">
+            <a:avLst/>
+          </a:prstGeom>
+          <a:noFill/>
+        </p:spPr>
+        <p:style>
+          <a:lnRef idx="2">
+            <a:schemeClr val="accent1">
+              <a:shade val="50000"/>
+            </a:schemeClr>
+          </a:lnRef>
+          <a:fillRef idx="1">
+            <a:schemeClr val="accent1"/>
+          </a:fillRef>
+          <a:effectRef idx="0">
+            <a:schemeClr val="accent1"/>
+          </a:effectRef>
+          <a:fontRef idx="minor">
+            <a:schemeClr val="lt1"/>
+          </a:fontRef>
+        </p:style>
+        <p:txBody>
+          <a:bodyPr rtlCol="0" anchor="ctr"/>
+          <a:lstStyle/>
+          <a:p>
+            <a:pPr algn="ctr"/>
+            <a:endParaRPr kumimoji="1" lang="zh-TW" altLang="en-US"/>
+          </a:p>
+        </p:txBody>
+      </p:sp>
+      <p:sp>
+        <p:nvSpPr>
+          <p:cNvPr id="40" name="圓角矩形 39">
+            <a:extLst>
+              <a:ext uri="{FF2B5EF4-FFF2-40B4-BE49-F238E27FC236}">
+                <a16:creationId xmlns:a16="http://schemas.microsoft.com/office/drawing/2014/main" id="{26A03B40-527F-16A7-FD36-6180D1DBB391}"/>
+              </a:ext>
+            </a:extLst>
+          </p:cNvPr>
+          <p:cNvSpPr/>
+          <p:nvPr/>
+        </p:nvSpPr>
+        <p:spPr>
+          <a:xfrm>
+            <a:off x="9242854" y="3429000"/>
+            <a:ext cx="337751" cy="302741"/>
+          </a:xfrm>
+          <a:prstGeom prst="roundRect">
+            <a:avLst/>
+          </a:prstGeom>
+          <a:solidFill>
+            <a:schemeClr val="bg2"/>
+          </a:solidFill>
+          <a:ln>
+            <a:solidFill>
+              <a:schemeClr val="accent3"/>
+            </a:solidFill>
+          </a:ln>
+        </p:spPr>
+        <p:style>
+          <a:lnRef idx="2">
+            <a:schemeClr val="accent1">
+              <a:shade val="50000"/>
+            </a:schemeClr>
+          </a:lnRef>
+          <a:fillRef idx="1">
+            <a:schemeClr val="accent1"/>
+          </a:fillRef>
+          <a:effectRef idx="0">
+            <a:schemeClr val="accent1"/>
+          </a:effectRef>
+          <a:fontRef idx="minor">
+            <a:schemeClr val="lt1"/>
+          </a:fontRef>
+        </p:style>
+        <p:txBody>
+          <a:bodyPr rtlCol="0" anchor="ctr"/>
+          <a:lstStyle/>
+          <a:p>
+            <a:pPr algn="ctr"/>
+            <a:endParaRPr kumimoji="1" lang="zh-TW" altLang="en-US"/>
+          </a:p>
+        </p:txBody>
+      </p:sp>
+      <p:sp>
+        <p:nvSpPr>
+          <p:cNvPr id="41" name="圓角矩形 40">
+            <a:extLst>
+              <a:ext uri="{FF2B5EF4-FFF2-40B4-BE49-F238E27FC236}">
+                <a16:creationId xmlns:a16="http://schemas.microsoft.com/office/drawing/2014/main" id="{4E28755F-55DB-D8D0-115D-31431C41B5A3}"/>
+              </a:ext>
+            </a:extLst>
+          </p:cNvPr>
+          <p:cNvSpPr/>
+          <p:nvPr/>
+        </p:nvSpPr>
+        <p:spPr>
+          <a:xfrm rot="2649935">
+            <a:off x="9667102" y="4340705"/>
+            <a:ext cx="337751" cy="302741"/>
+          </a:xfrm>
+          <a:prstGeom prst="roundRect">
+            <a:avLst/>
+          </a:prstGeom>
+          <a:solidFill>
+            <a:schemeClr val="accent1">
+              <a:lumMod val="20000"/>
+              <a:lumOff val="80000"/>
+            </a:schemeClr>
+          </a:solidFill>
+          <a:ln>
+            <a:solidFill>
+              <a:schemeClr val="accent3"/>
+            </a:solidFill>
+          </a:ln>
+        </p:spPr>
+        <p:style>
+          <a:lnRef idx="2">
+            <a:schemeClr val="accent1">
+              <a:shade val="50000"/>
+            </a:schemeClr>
+          </a:lnRef>
+          <a:fillRef idx="1">
+            <a:schemeClr val="accent1"/>
+          </a:fillRef>
+          <a:effectRef idx="0">
+            <a:schemeClr val="accent1"/>
+          </a:effectRef>
+          <a:fontRef idx="minor">
+            <a:schemeClr val="lt1"/>
+          </a:fontRef>
+        </p:style>
+        <p:txBody>
+          <a:bodyPr rtlCol="0" anchor="ctr"/>
+          <a:lstStyle/>
+          <a:p>
+            <a:pPr algn="ctr"/>
+            <a:endParaRPr kumimoji="1" lang="zh-TW" altLang="en-US"/>
+          </a:p>
+        </p:txBody>
+      </p:sp>
+      <p:sp>
+        <p:nvSpPr>
+          <p:cNvPr id="42" name="圓角矩形 41">
+            <a:extLst>
+              <a:ext uri="{FF2B5EF4-FFF2-40B4-BE49-F238E27FC236}">
+                <a16:creationId xmlns:a16="http://schemas.microsoft.com/office/drawing/2014/main" id="{2C775ED1-97FE-7A16-EE51-3879DD8BA7DC}"/>
+              </a:ext>
+            </a:extLst>
+          </p:cNvPr>
+          <p:cNvSpPr/>
+          <p:nvPr/>
+        </p:nvSpPr>
+        <p:spPr>
+          <a:xfrm rot="19049896">
+            <a:off x="10556789" y="3698790"/>
+            <a:ext cx="337751" cy="302741"/>
+          </a:xfrm>
+          <a:prstGeom prst="roundRect">
+            <a:avLst/>
+          </a:prstGeom>
+          <a:solidFill>
+            <a:schemeClr val="accent2">
+              <a:lumMod val="20000"/>
+              <a:lumOff val="80000"/>
+            </a:schemeClr>
+          </a:solidFill>
+          <a:ln>
+            <a:solidFill>
+              <a:schemeClr val="accent3"/>
+            </a:solidFill>
+          </a:ln>
+        </p:spPr>
+        <p:style>
+          <a:lnRef idx="2">
+            <a:schemeClr val="accent1">
+              <a:shade val="50000"/>
+            </a:schemeClr>
+          </a:lnRef>
+          <a:fillRef idx="1">
+            <a:schemeClr val="accent1"/>
+          </a:fillRef>
+          <a:effectRef idx="0">
+            <a:schemeClr val="accent1"/>
+          </a:effectRef>
+          <a:fontRef idx="minor">
+            <a:schemeClr val="lt1"/>
+          </a:fontRef>
+        </p:style>
+        <p:txBody>
+          <a:bodyPr rtlCol="0" anchor="ctr"/>
+          <a:lstStyle/>
+          <a:p>
+            <a:pPr algn="ctr"/>
+            <a:endParaRPr kumimoji="1" lang="zh-TW" altLang="en-US"/>
+          </a:p>
+        </p:txBody>
+      </p:sp>
+      <p:sp>
+        <p:nvSpPr>
+          <p:cNvPr id="44" name="圓角矩形 43">
+            <a:extLst>
+              <a:ext uri="{FF2B5EF4-FFF2-40B4-BE49-F238E27FC236}">
+                <a16:creationId xmlns:a16="http://schemas.microsoft.com/office/drawing/2014/main" id="{A9BC5EE4-E643-17A4-BD6D-9FE74F2F7AE6}"/>
+              </a:ext>
+            </a:extLst>
+          </p:cNvPr>
+          <p:cNvSpPr/>
+          <p:nvPr/>
+        </p:nvSpPr>
+        <p:spPr>
+          <a:xfrm rot="17124675">
+            <a:off x="10725664" y="4777743"/>
+            <a:ext cx="337751" cy="302741"/>
+          </a:xfrm>
+          <a:prstGeom prst="roundRect">
+            <a:avLst/>
+          </a:prstGeom>
+          <a:solidFill>
+            <a:schemeClr val="accent4">
+              <a:lumMod val="40000"/>
+              <a:lumOff val="60000"/>
+            </a:schemeClr>
+          </a:solidFill>
+          <a:ln>
+            <a:solidFill>
+              <a:schemeClr val="accent3"/>
+            </a:solidFill>
+          </a:ln>
+        </p:spPr>
+        <p:style>
+          <a:lnRef idx="2">
+            <a:schemeClr val="accent1">
+              <a:shade val="50000"/>
+            </a:schemeClr>
+          </a:lnRef>
+          <a:fillRef idx="1">
+            <a:schemeClr val="accent1"/>
+          </a:fillRef>
+          <a:effectRef idx="0">
+            <a:schemeClr val="accent1"/>
+          </a:effectRef>
+          <a:fontRef idx="minor">
+            <a:schemeClr val="lt1"/>
+          </a:fontRef>
+        </p:style>
+        <p:txBody>
+          <a:bodyPr rtlCol="0" anchor="ctr"/>
+          <a:lstStyle/>
+          <a:p>
+            <a:pPr algn="ctr"/>
+            <a:endParaRPr kumimoji="1" lang="zh-TW" altLang="en-US"/>
+          </a:p>
+        </p:txBody>
+      </p:sp>
+      <p:cxnSp>
+        <p:nvCxnSpPr>
+          <p:cNvPr id="46" name="直線接點 45">
+            <a:extLst>
+              <a:ext uri="{FF2B5EF4-FFF2-40B4-BE49-F238E27FC236}">
+                <a16:creationId xmlns:a16="http://schemas.microsoft.com/office/drawing/2014/main" id="{378E4F26-421F-3AF1-50F4-8AD317EAE129}"/>
+              </a:ext>
+            </a:extLst>
+          </p:cNvPr>
+          <p:cNvCxnSpPr>
+            <a:stCxn id="40" idx="2"/>
+            <a:endCxn id="41" idx="1"/>
+          </p:cNvCxnSpPr>
+          <p:nvPr/>
+        </p:nvCxnSpPr>
+        <p:spPr>
+          <a:xfrm>
+            <a:off x="9411730" y="3731741"/>
+            <a:ext cx="303108" cy="642673"/>
+          </a:xfrm>
+          <a:prstGeom prst="line">
+            <a:avLst/>
+          </a:prstGeom>
+        </p:spPr>
+        <p:style>
+          <a:lnRef idx="2">
+            <a:schemeClr val="accent5"/>
+          </a:lnRef>
+          <a:fillRef idx="0">
+            <a:schemeClr val="accent5"/>
+          </a:fillRef>
+          <a:effectRef idx="1">
+            <a:schemeClr val="accent5"/>
+          </a:effectRef>
+          <a:fontRef idx="minor">
+            <a:schemeClr val="tx1"/>
+          </a:fontRef>
+        </p:style>
+      </p:cxnSp>
+      <p:cxnSp>
+        <p:nvCxnSpPr>
+          <p:cNvPr id="48" name="直線接點 47">
+            <a:extLst>
+              <a:ext uri="{FF2B5EF4-FFF2-40B4-BE49-F238E27FC236}">
+                <a16:creationId xmlns:a16="http://schemas.microsoft.com/office/drawing/2014/main" id="{34F0055E-2AFA-D850-0CB7-4C2D3F2276D3}"/>
+              </a:ext>
+            </a:extLst>
+          </p:cNvPr>
+          <p:cNvCxnSpPr>
+            <a:stCxn id="40" idx="3"/>
+          </p:cNvCxnSpPr>
+          <p:nvPr/>
+        </p:nvCxnSpPr>
+        <p:spPr>
+          <a:xfrm>
+            <a:off x="9580605" y="3580371"/>
+            <a:ext cx="918287" cy="262060"/>
+          </a:xfrm>
+          <a:prstGeom prst="line">
+            <a:avLst/>
+          </a:prstGeom>
+        </p:spPr>
+        <p:style>
+          <a:lnRef idx="2">
+            <a:schemeClr val="accent6"/>
+          </a:lnRef>
+          <a:fillRef idx="0">
+            <a:schemeClr val="accent6"/>
+          </a:fillRef>
+          <a:effectRef idx="1">
+            <a:schemeClr val="accent6"/>
+          </a:effectRef>
+          <a:fontRef idx="minor">
+            <a:schemeClr val="tx1"/>
+          </a:fontRef>
+        </p:style>
+      </p:cxnSp>
+      <p:cxnSp>
+        <p:nvCxnSpPr>
+          <p:cNvPr id="50" name="直線接點 49">
+            <a:extLst>
+              <a:ext uri="{FF2B5EF4-FFF2-40B4-BE49-F238E27FC236}">
+                <a16:creationId xmlns:a16="http://schemas.microsoft.com/office/drawing/2014/main" id="{321C4CFE-19EF-560E-A143-79BE38F85003}"/>
+              </a:ext>
+            </a:extLst>
+          </p:cNvPr>
+          <p:cNvCxnSpPr>
+            <a:stCxn id="41" idx="3"/>
+            <a:endCxn id="44" idx="0"/>
+          </p:cNvCxnSpPr>
+          <p:nvPr/>
+        </p:nvCxnSpPr>
+        <p:spPr>
+          <a:xfrm>
+            <a:off x="9957116" y="4609737"/>
+            <a:ext cx="791496" cy="279150"/>
+          </a:xfrm>
+          <a:prstGeom prst="line">
+            <a:avLst/>
+          </a:prstGeom>
+        </p:spPr>
+        <p:style>
+          <a:lnRef idx="2">
+            <a:schemeClr val="accent5"/>
+          </a:lnRef>
+          <a:fillRef idx="0">
+            <a:schemeClr val="accent5"/>
+          </a:fillRef>
+          <a:effectRef idx="1">
+            <a:schemeClr val="accent5"/>
+          </a:effectRef>
+          <a:fontRef idx="minor">
+            <a:schemeClr val="tx1"/>
+          </a:fontRef>
+        </p:style>
+      </p:cxnSp>
+      <p:cxnSp>
+        <p:nvCxnSpPr>
+          <p:cNvPr id="52" name="直線接點 51">
+            <a:extLst>
+              <a:ext uri="{FF2B5EF4-FFF2-40B4-BE49-F238E27FC236}">
+                <a16:creationId xmlns:a16="http://schemas.microsoft.com/office/drawing/2014/main" id="{253669D8-E681-EDFB-6379-AC4CEC7468ED}"/>
+              </a:ext>
+            </a:extLst>
+          </p:cNvPr>
+          <p:cNvCxnSpPr>
+            <a:stCxn id="19" idx="0"/>
+            <a:endCxn id="6" idx="3"/>
+          </p:cNvCxnSpPr>
+          <p:nvPr/>
+        </p:nvCxnSpPr>
+        <p:spPr>
+          <a:xfrm flipV="1">
+            <a:off x="5053914" y="2669600"/>
+            <a:ext cx="581842" cy="556752"/>
+          </a:xfrm>
+          <a:prstGeom prst="line">
+            <a:avLst/>
+          </a:prstGeom>
+          <a:ln w="38100"/>
+        </p:spPr>
+        <p:style>
+          <a:lnRef idx="3">
+            <a:schemeClr val="accent5"/>
+          </a:lnRef>
+          <a:fillRef idx="0">
+            <a:schemeClr val="accent5"/>
+          </a:fillRef>
+          <a:effectRef idx="2">
+            <a:schemeClr val="accent5"/>
+          </a:effectRef>
+          <a:fontRef idx="minor">
+            <a:schemeClr val="tx1"/>
+          </a:fontRef>
+        </p:style>
+      </p:cxnSp>
+      <p:cxnSp>
+        <p:nvCxnSpPr>
+          <p:cNvPr id="54" name="直線接點 53">
+            <a:extLst>
+              <a:ext uri="{FF2B5EF4-FFF2-40B4-BE49-F238E27FC236}">
+                <a16:creationId xmlns:a16="http://schemas.microsoft.com/office/drawing/2014/main" id="{BEA1E874-C2AF-F235-9CD0-671386D4F27A}"/>
+              </a:ext>
+            </a:extLst>
+          </p:cNvPr>
+          <p:cNvCxnSpPr>
+            <a:cxnSpLocks/>
+            <a:stCxn id="6" idx="5"/>
+          </p:cNvCxnSpPr>
+          <p:nvPr/>
+        </p:nvCxnSpPr>
+        <p:spPr>
+          <a:xfrm>
+            <a:off x="7470642" y="2669600"/>
+            <a:ext cx="1508601" cy="556752"/>
+          </a:xfrm>
+          <a:prstGeom prst="line">
+            <a:avLst/>
+          </a:prstGeom>
+          <a:ln w="38100"/>
+        </p:spPr>
+        <p:style>
+          <a:lnRef idx="3">
+            <a:schemeClr val="accent6"/>
+          </a:lnRef>
+          <a:fillRef idx="0">
+            <a:schemeClr val="accent6"/>
+          </a:fillRef>
+          <a:effectRef idx="2">
+            <a:schemeClr val="accent6"/>
+          </a:effectRef>
+          <a:fontRef idx="minor">
+            <a:schemeClr val="tx1"/>
+          </a:fontRef>
+        </p:style>
+      </p:cxnSp>
+      <p:cxnSp>
+        <p:nvCxnSpPr>
+          <p:cNvPr id="57" name="直線接點 56">
+            <a:extLst>
+              <a:ext uri="{FF2B5EF4-FFF2-40B4-BE49-F238E27FC236}">
+                <a16:creationId xmlns:a16="http://schemas.microsoft.com/office/drawing/2014/main" id="{2EDB2CBE-46A7-BBCA-A85C-04FD80B69EC3}"/>
+              </a:ext>
+            </a:extLst>
+          </p:cNvPr>
+          <p:cNvCxnSpPr>
+            <a:stCxn id="19" idx="5"/>
+            <a:endCxn id="39" idx="1"/>
+          </p:cNvCxnSpPr>
+          <p:nvPr/>
+        </p:nvCxnSpPr>
+        <p:spPr>
+          <a:xfrm flipV="1">
+            <a:off x="5933303" y="4339900"/>
+            <a:ext cx="2988275" cy="64463"/>
+          </a:xfrm>
+          <a:prstGeom prst="line">
+            <a:avLst/>
+          </a:prstGeom>
+          <a:ln w="38100"/>
+        </p:spPr>
+        <p:style>
+          <a:lnRef idx="3">
+            <a:schemeClr val="accent2"/>
+          </a:lnRef>
+          <a:fillRef idx="0">
+            <a:schemeClr val="accent2"/>
+          </a:fillRef>
+          <a:effectRef idx="2">
+            <a:schemeClr val="accent2"/>
+          </a:effectRef>
+          <a:fontRef idx="minor">
+            <a:schemeClr val="tx1"/>
+          </a:fontRef>
+        </p:style>
+      </p:cxnSp>
+      <p:sp>
+        <p:nvSpPr>
+          <p:cNvPr id="58" name="文字方塊 57">
+            <a:extLst>
+              <a:ext uri="{FF2B5EF4-FFF2-40B4-BE49-F238E27FC236}">
+                <a16:creationId xmlns:a16="http://schemas.microsoft.com/office/drawing/2014/main" id="{3306F887-8EF5-A621-C0C5-90F61285BD0D}"/>
+              </a:ext>
+            </a:extLst>
+          </p:cNvPr>
+          <p:cNvSpPr txBox="1"/>
+          <p:nvPr/>
+        </p:nvSpPr>
+        <p:spPr>
+          <a:xfrm>
+            <a:off x="8398410" y="1343372"/>
+            <a:ext cx="2421925" cy="369332"/>
+          </a:xfrm>
+          <a:prstGeom prst="rect">
+            <a:avLst/>
+          </a:prstGeom>
+          <a:noFill/>
+        </p:spPr>
+        <p:txBody>
+          <a:bodyPr wrap="square" rtlCol="0">
+            <a:spAutoFit/>
+          </a:bodyPr>
+          <a:lstStyle/>
+          <a:p>
+            <a:r>
+              <a:rPr kumimoji="1" lang="en-US" altLang="zh-TW" dirty="0"/>
+              <a:t>Between-Class Variance</a:t>
+            </a:r>
+            <a:endParaRPr kumimoji="1" lang="zh-TW" altLang="en-US" dirty="0"/>
+          </a:p>
+        </p:txBody>
+      </p:sp>
+      <p:sp>
+        <p:nvSpPr>
+          <p:cNvPr id="59" name="文字方塊 58">
+            <a:extLst>
+              <a:ext uri="{FF2B5EF4-FFF2-40B4-BE49-F238E27FC236}">
+                <a16:creationId xmlns:a16="http://schemas.microsoft.com/office/drawing/2014/main" id="{74B367C8-9115-0F84-72C2-6680A3496E44}"/>
+              </a:ext>
+            </a:extLst>
+          </p:cNvPr>
+          <p:cNvSpPr txBox="1"/>
+          <p:nvPr/>
+        </p:nvSpPr>
+        <p:spPr>
+          <a:xfrm>
+            <a:off x="6003833" y="3405519"/>
+            <a:ext cx="1835348" cy="369332"/>
+          </a:xfrm>
+          <a:prstGeom prst="rect">
+            <a:avLst/>
+          </a:prstGeom>
+          <a:noFill/>
+        </p:spPr>
+        <p:txBody>
+          <a:bodyPr wrap="square" rtlCol="0">
+            <a:spAutoFit/>
+          </a:bodyPr>
+          <a:lstStyle/>
+          <a:p>
+            <a:r>
+              <a:rPr kumimoji="1" lang="en-US" altLang="zh-TW" dirty="0"/>
+              <a:t>In-Class Variance</a:t>
+            </a:r>
+            <a:endParaRPr kumimoji="1" lang="zh-TW" altLang="en-US" dirty="0"/>
+          </a:p>
+        </p:txBody>
+      </p:sp>
+      <p:cxnSp>
+        <p:nvCxnSpPr>
+          <p:cNvPr id="61" name="直線箭頭接點 60">
+            <a:extLst>
+              <a:ext uri="{FF2B5EF4-FFF2-40B4-BE49-F238E27FC236}">
+                <a16:creationId xmlns:a16="http://schemas.microsoft.com/office/drawing/2014/main" id="{ACD4D9C4-AA87-8732-7468-F5D8BFBF6804}"/>
+              </a:ext>
+            </a:extLst>
+          </p:cNvPr>
+          <p:cNvCxnSpPr>
+            <a:stCxn id="58" idx="1"/>
+          </p:cNvCxnSpPr>
+          <p:nvPr/>
+        </p:nvCxnSpPr>
+        <p:spPr>
+          <a:xfrm flipH="1">
+            <a:off x="7692449" y="1528038"/>
+            <a:ext cx="705961" cy="311784"/>
+          </a:xfrm>
+          <a:prstGeom prst="straightConnector1">
+            <a:avLst/>
+          </a:prstGeom>
+          <a:ln w="28575">
+            <a:solidFill>
+              <a:schemeClr val="tx1"/>
+            </a:solidFill>
+            <a:tailEnd type="triangle"/>
+          </a:ln>
+        </p:spPr>
+        <p:style>
+          <a:lnRef idx="3">
+            <a:schemeClr val="accent3"/>
+          </a:lnRef>
+          <a:fillRef idx="0">
+            <a:schemeClr val="accent3"/>
+          </a:fillRef>
+          <a:effectRef idx="2">
+            <a:schemeClr val="accent3"/>
+          </a:effectRef>
+          <a:fontRef idx="minor">
+            <a:schemeClr val="tx1"/>
+          </a:fontRef>
+        </p:style>
+      </p:cxnSp>
+      <p:cxnSp>
+        <p:nvCxnSpPr>
+          <p:cNvPr id="62" name="直線箭頭接點 61">
+            <a:extLst>
+              <a:ext uri="{FF2B5EF4-FFF2-40B4-BE49-F238E27FC236}">
+                <a16:creationId xmlns:a16="http://schemas.microsoft.com/office/drawing/2014/main" id="{450C448F-650C-525F-DE7F-F3EE0C1DEF4D}"/>
+              </a:ext>
+            </a:extLst>
+          </p:cNvPr>
+          <p:cNvCxnSpPr>
+            <a:cxnSpLocks/>
+            <a:stCxn id="58" idx="2"/>
+          </p:cNvCxnSpPr>
+          <p:nvPr/>
+        </p:nvCxnSpPr>
+        <p:spPr>
+          <a:xfrm>
+            <a:off x="9609373" y="1712704"/>
+            <a:ext cx="453209" cy="1556781"/>
+          </a:xfrm>
+          <a:prstGeom prst="straightConnector1">
+            <a:avLst/>
+          </a:prstGeom>
+          <a:ln w="28575">
+            <a:solidFill>
+              <a:schemeClr val="tx1"/>
+            </a:solidFill>
+            <a:tailEnd type="triangle"/>
+          </a:ln>
+        </p:spPr>
+        <p:style>
+          <a:lnRef idx="3">
+            <a:schemeClr val="accent3"/>
+          </a:lnRef>
+          <a:fillRef idx="0">
+            <a:schemeClr val="accent3"/>
+          </a:fillRef>
+          <a:effectRef idx="2">
+            <a:schemeClr val="accent3"/>
+          </a:effectRef>
+          <a:fontRef idx="minor">
+            <a:schemeClr val="tx1"/>
+          </a:fontRef>
+        </p:style>
+      </p:cxnSp>
     </p:spTree>
     <p:extLst>
       <p:ext uri="{BB962C8B-B14F-4D97-AF65-F5344CB8AC3E}">
-        <p14:creationId xmlns:p14="http://schemas.microsoft.com/office/powerpoint/2010/main" val="3404869780"/>
+        <p14:creationId xmlns:p14="http://schemas.microsoft.com/office/powerpoint/2010/main" val="3904200197"/>
       </p:ext>
     </p:extLst>
   </p:cSld>
@@ -4240,7 +5893,7 @@
           <p:cNvPr id="2" name="標題 1">
             <a:extLst>
               <a:ext uri="{FF2B5EF4-FFF2-40B4-BE49-F238E27FC236}">
-                <a16:creationId xmlns:a16="http://schemas.microsoft.com/office/drawing/2014/main" id="{958E27BA-CB4C-DA26-19FA-F4BBC0C4A431}"/>
+                <a16:creationId xmlns:a16="http://schemas.microsoft.com/office/drawing/2014/main" id="{182B5A17-5DAE-8331-1912-FFB295FF65BF}"/>
               </a:ext>
             </a:extLst>
           </p:cNvPr>
@@ -4258,41 +5911,45 @@
           <a:p>
             <a:r>
               <a:rPr kumimoji="1" lang="en-US" altLang="zh-TW" dirty="0"/>
-              <a:t>Draft Thoughts-step1</a:t>
+              <a:t>Draft Thoughts-step 1</a:t>
             </a:r>
             <a:endParaRPr kumimoji="1" lang="zh-TW" altLang="en-US" dirty="0"/>
           </a:p>
         </p:txBody>
       </p:sp>
-      <p:sp>
-        <p:nvSpPr>
-          <p:cNvPr id="3" name="內容版面配置區 2">
-            <a:extLst>
-              <a:ext uri="{FF2B5EF4-FFF2-40B4-BE49-F238E27FC236}">
-                <a16:creationId xmlns:a16="http://schemas.microsoft.com/office/drawing/2014/main" id="{90664981-4128-F757-D0FF-4D0315B6D804}"/>
-              </a:ext>
-            </a:extLst>
-          </p:cNvPr>
-          <p:cNvSpPr>
-            <a:spLocks noGrp="1"/>
-          </p:cNvSpPr>
+      <p:pic>
+        <p:nvPicPr>
+          <p:cNvPr id="5" name="內容版面配置區 4">
+            <a:extLst>
+              <a:ext uri="{FF2B5EF4-FFF2-40B4-BE49-F238E27FC236}">
+                <a16:creationId xmlns:a16="http://schemas.microsoft.com/office/drawing/2014/main" id="{28076F60-B017-AA17-CCA4-A178BA6DF61C}"/>
+              </a:ext>
+            </a:extLst>
+          </p:cNvPr>
+          <p:cNvPicPr>
+            <a:picLocks noGrp="1" noChangeAspect="1"/>
+          </p:cNvPicPr>
           <p:nvPr>
             <p:ph idx="1"/>
           </p:nvPr>
-        </p:nvSpPr>
-        <p:spPr/>
-        <p:txBody>
-          <a:bodyPr/>
-          <a:lstStyle/>
-          <a:p>
-            <a:endParaRPr kumimoji="1" lang="zh-TW" altLang="en-US"/>
-          </a:p>
-        </p:txBody>
-      </p:sp>
+        </p:nvPicPr>
+        <p:blipFill>
+          <a:blip r:embed="rId2"/>
+          <a:stretch>
+            <a:fillRect/>
+          </a:stretch>
+        </p:blipFill>
+        <p:spPr>
+          <a:xfrm>
+            <a:off x="4679093" y="222550"/>
+            <a:ext cx="4176583" cy="6629457"/>
+          </a:xfrm>
+        </p:spPr>
+      </p:pic>
     </p:spTree>
     <p:extLst>
       <p:ext uri="{BB962C8B-B14F-4D97-AF65-F5344CB8AC3E}">
-        <p14:creationId xmlns:p14="http://schemas.microsoft.com/office/powerpoint/2010/main" val="2753194151"/>
+        <p14:creationId xmlns:p14="http://schemas.microsoft.com/office/powerpoint/2010/main" val="3404869780"/>
       </p:ext>
     </p:extLst>
   </p:cSld>
@@ -4324,7 +5981,7 @@
           <p:cNvPr id="2" name="標題 1">
             <a:extLst>
               <a:ext uri="{FF2B5EF4-FFF2-40B4-BE49-F238E27FC236}">
-                <a16:creationId xmlns:a16="http://schemas.microsoft.com/office/drawing/2014/main" id="{182B5A17-5DAE-8331-1912-FFB295FF65BF}"/>
+                <a16:creationId xmlns:a16="http://schemas.microsoft.com/office/drawing/2014/main" id="{958E27BA-CB4C-DA26-19FA-F4BBC0C4A431}"/>
               </a:ext>
             </a:extLst>
           </p:cNvPr>
@@ -4341,46 +5998,66 @@
           <a:lstStyle/>
           <a:p>
             <a:r>
+              <a:rPr kumimoji="1" lang="en-US" altLang="zh-TW" dirty="0" err="1"/>
+              <a:t>ProtoNet</a:t>
+            </a:r>
+            <a:r>
               <a:rPr kumimoji="1" lang="en-US" altLang="zh-TW" dirty="0"/>
-              <a:t>Draft Thoughts-step 2</a:t>
+              <a:t>: Terminology</a:t>
             </a:r>
             <a:endParaRPr kumimoji="1" lang="zh-TW" altLang="en-US" dirty="0"/>
           </a:p>
         </p:txBody>
       </p:sp>
-      <p:pic>
-        <p:nvPicPr>
-          <p:cNvPr id="23" name="內容版面配置區 22">
-            <a:extLst>
-              <a:ext uri="{FF2B5EF4-FFF2-40B4-BE49-F238E27FC236}">
-                <a16:creationId xmlns:a16="http://schemas.microsoft.com/office/drawing/2014/main" id="{498186E6-DD5D-32C3-D854-798756C5E10E}"/>
-              </a:ext>
-            </a:extLst>
-          </p:cNvPr>
-          <p:cNvPicPr>
-            <a:picLocks noGrp="1" noChangeAspect="1"/>
-          </p:cNvPicPr>
+      <p:sp>
+        <p:nvSpPr>
+          <p:cNvPr id="3" name="內容版面配置區 2">
+            <a:extLst>
+              <a:ext uri="{FF2B5EF4-FFF2-40B4-BE49-F238E27FC236}">
+                <a16:creationId xmlns:a16="http://schemas.microsoft.com/office/drawing/2014/main" id="{90664981-4128-F757-D0FF-4D0315B6D804}"/>
+              </a:ext>
+            </a:extLst>
+          </p:cNvPr>
+          <p:cNvSpPr>
+            <a:spLocks noGrp="1"/>
+          </p:cNvSpPr>
           <p:nvPr>
             <p:ph idx="1"/>
           </p:nvPr>
-        </p:nvPicPr>
-        <p:blipFill>
-          <a:blip r:embed="rId2"/>
-          <a:stretch>
-            <a:fillRect/>
-          </a:stretch>
-        </p:blipFill>
-        <p:spPr>
-          <a:xfrm>
-            <a:off x="4892988" y="501832"/>
-            <a:ext cx="3847357" cy="6032450"/>
-          </a:xfrm>
-        </p:spPr>
-      </p:pic>
+        </p:nvSpPr>
+        <p:spPr/>
+        <p:txBody>
+          <a:bodyPr/>
+          <a:lstStyle/>
+          <a:p>
+            <a:r>
+              <a:rPr kumimoji="1" lang="en-US" altLang="zh-TW" dirty="0"/>
+              <a:t>N</a:t>
+            </a:r>
+          </a:p>
+          <a:p>
+            <a:r>
+              <a:rPr kumimoji="1" lang="en-US" altLang="zh-TW" dirty="0"/>
+              <a:t>N</a:t>
+            </a:r>
+            <a:r>
+              <a:rPr kumimoji="1" lang="en-US" altLang="zh-TW" baseline="-25000" dirty="0"/>
+              <a:t>C</a:t>
+            </a:r>
+            <a:r>
+              <a:rPr kumimoji="1" lang="en-US" altLang="zh-TW" dirty="0"/>
+              <a:t> :</a:t>
+            </a:r>
+          </a:p>
+          <a:p>
+            <a:endParaRPr kumimoji="1" lang="zh-TW" altLang="en-US" dirty="0"/>
+          </a:p>
+        </p:txBody>
+      </p:sp>
     </p:spTree>
     <p:extLst>
       <p:ext uri="{BB962C8B-B14F-4D97-AF65-F5344CB8AC3E}">
-        <p14:creationId xmlns:p14="http://schemas.microsoft.com/office/powerpoint/2010/main" val="2108926186"/>
+        <p14:creationId xmlns:p14="http://schemas.microsoft.com/office/powerpoint/2010/main" val="2753194151"/>
       </p:ext>
     </p:extLst>
   </p:cSld>
@@ -4412,7 +6089,7 @@
           <p:cNvPr id="2" name="標題 1">
             <a:extLst>
               <a:ext uri="{FF2B5EF4-FFF2-40B4-BE49-F238E27FC236}">
-                <a16:creationId xmlns:a16="http://schemas.microsoft.com/office/drawing/2014/main" id="{958E27BA-CB4C-DA26-19FA-F4BBC0C4A431}"/>
+                <a16:creationId xmlns:a16="http://schemas.microsoft.com/office/drawing/2014/main" id="{182B5A17-5DAE-8331-1912-FFB295FF65BF}"/>
               </a:ext>
             </a:extLst>
           </p:cNvPr>
@@ -4436,35 +6113,39 @@
           </a:p>
         </p:txBody>
       </p:sp>
-      <p:sp>
-        <p:nvSpPr>
-          <p:cNvPr id="3" name="內容版面配置區 2">
-            <a:extLst>
-              <a:ext uri="{FF2B5EF4-FFF2-40B4-BE49-F238E27FC236}">
-                <a16:creationId xmlns:a16="http://schemas.microsoft.com/office/drawing/2014/main" id="{90664981-4128-F757-D0FF-4D0315B6D804}"/>
-              </a:ext>
-            </a:extLst>
-          </p:cNvPr>
-          <p:cNvSpPr>
-            <a:spLocks noGrp="1"/>
-          </p:cNvSpPr>
+      <p:pic>
+        <p:nvPicPr>
+          <p:cNvPr id="23" name="內容版面配置區 22">
+            <a:extLst>
+              <a:ext uri="{FF2B5EF4-FFF2-40B4-BE49-F238E27FC236}">
+                <a16:creationId xmlns:a16="http://schemas.microsoft.com/office/drawing/2014/main" id="{498186E6-DD5D-32C3-D854-798756C5E10E}"/>
+              </a:ext>
+            </a:extLst>
+          </p:cNvPr>
+          <p:cNvPicPr>
+            <a:picLocks noGrp="1" noChangeAspect="1"/>
+          </p:cNvPicPr>
           <p:nvPr>
             <p:ph idx="1"/>
           </p:nvPr>
-        </p:nvSpPr>
-        <p:spPr/>
-        <p:txBody>
-          <a:bodyPr/>
-          <a:lstStyle/>
-          <a:p>
-            <a:endParaRPr kumimoji="1" lang="zh-TW" altLang="en-US"/>
-          </a:p>
-        </p:txBody>
-      </p:sp>
+        </p:nvPicPr>
+        <p:blipFill>
+          <a:blip r:embed="rId2"/>
+          <a:stretch>
+            <a:fillRect/>
+          </a:stretch>
+        </p:blipFill>
+        <p:spPr>
+          <a:xfrm>
+            <a:off x="4892988" y="501832"/>
+            <a:ext cx="3847357" cy="6032450"/>
+          </a:xfrm>
+        </p:spPr>
+      </p:pic>
     </p:spTree>
     <p:extLst>
       <p:ext uri="{BB962C8B-B14F-4D97-AF65-F5344CB8AC3E}">
-        <p14:creationId xmlns:p14="http://schemas.microsoft.com/office/powerpoint/2010/main" val="3607832713"/>
+        <p14:creationId xmlns:p14="http://schemas.microsoft.com/office/powerpoint/2010/main" val="2108926186"/>
       </p:ext>
     </p:extLst>
   </p:cSld>
@@ -4496,7 +6177,7 @@
           <p:cNvPr id="2" name="標題 1">
             <a:extLst>
               <a:ext uri="{FF2B5EF4-FFF2-40B4-BE49-F238E27FC236}">
-                <a16:creationId xmlns:a16="http://schemas.microsoft.com/office/drawing/2014/main" id="{182B5A17-5DAE-8331-1912-FFB295FF65BF}"/>
+                <a16:creationId xmlns:a16="http://schemas.microsoft.com/office/drawing/2014/main" id="{958E27BA-CB4C-DA26-19FA-F4BBC0C4A431}"/>
               </a:ext>
             </a:extLst>
           </p:cNvPr>
@@ -4514,45 +6195,41 @@
           <a:p>
             <a:r>
               <a:rPr kumimoji="1" lang="en-US" altLang="zh-TW" dirty="0"/>
-              <a:t>Draft Thoughts-step  3</a:t>
+              <a:t>Draft Thoughts-step 2</a:t>
             </a:r>
             <a:endParaRPr kumimoji="1" lang="zh-TW" altLang="en-US" dirty="0"/>
           </a:p>
         </p:txBody>
       </p:sp>
-      <p:pic>
-        <p:nvPicPr>
-          <p:cNvPr id="7" name="內容版面配置區 6">
-            <a:extLst>
-              <a:ext uri="{FF2B5EF4-FFF2-40B4-BE49-F238E27FC236}">
-                <a16:creationId xmlns:a16="http://schemas.microsoft.com/office/drawing/2014/main" id="{3F4F1EFF-FD00-2320-7BEB-AD19D26E5841}"/>
-              </a:ext>
-            </a:extLst>
-          </p:cNvPr>
-          <p:cNvPicPr>
-            <a:picLocks noGrp="1" noChangeAspect="1"/>
-          </p:cNvPicPr>
+      <p:sp>
+        <p:nvSpPr>
+          <p:cNvPr id="3" name="內容版面配置區 2">
+            <a:extLst>
+              <a:ext uri="{FF2B5EF4-FFF2-40B4-BE49-F238E27FC236}">
+                <a16:creationId xmlns:a16="http://schemas.microsoft.com/office/drawing/2014/main" id="{90664981-4128-F757-D0FF-4D0315B6D804}"/>
+              </a:ext>
+            </a:extLst>
+          </p:cNvPr>
+          <p:cNvSpPr>
+            <a:spLocks noGrp="1"/>
+          </p:cNvSpPr>
           <p:nvPr>
             <p:ph idx="1"/>
           </p:nvPr>
-        </p:nvPicPr>
-        <p:blipFill>
-          <a:blip r:embed="rId2"/>
-          <a:stretch>
-            <a:fillRect/>
-          </a:stretch>
-        </p:blipFill>
-        <p:spPr>
-          <a:xfrm>
-            <a:off x="4896149" y="346118"/>
-            <a:ext cx="4000716" cy="6253855"/>
-          </a:xfrm>
-        </p:spPr>
-      </p:pic>
+        </p:nvSpPr>
+        <p:spPr/>
+        <p:txBody>
+          <a:bodyPr/>
+          <a:lstStyle/>
+          <a:p>
+            <a:endParaRPr kumimoji="1" lang="zh-TW" altLang="en-US"/>
+          </a:p>
+        </p:txBody>
+      </p:sp>
     </p:spTree>
     <p:extLst>
       <p:ext uri="{BB962C8B-B14F-4D97-AF65-F5344CB8AC3E}">
-        <p14:creationId xmlns:p14="http://schemas.microsoft.com/office/powerpoint/2010/main" val="2329246771"/>
+        <p14:creationId xmlns:p14="http://schemas.microsoft.com/office/powerpoint/2010/main" val="3607832713"/>
       </p:ext>
     </p:extLst>
   </p:cSld>
@@ -4584,7 +6261,7 @@
           <p:cNvPr id="2" name="標題 1">
             <a:extLst>
               <a:ext uri="{FF2B5EF4-FFF2-40B4-BE49-F238E27FC236}">
-                <a16:creationId xmlns:a16="http://schemas.microsoft.com/office/drawing/2014/main" id="{958E27BA-CB4C-DA26-19FA-F4BBC0C4A431}"/>
+                <a16:creationId xmlns:a16="http://schemas.microsoft.com/office/drawing/2014/main" id="{182B5A17-5DAE-8331-1912-FFB295FF65BF}"/>
               </a:ext>
             </a:extLst>
           </p:cNvPr>
@@ -4602,41 +6279,45 @@
           <a:p>
             <a:r>
               <a:rPr kumimoji="1" lang="en-US" altLang="zh-TW" dirty="0"/>
-              <a:t>Draft Thoughts-step 3</a:t>
+              <a:t>Draft Thoughts-step  3</a:t>
             </a:r>
             <a:endParaRPr kumimoji="1" lang="zh-TW" altLang="en-US" dirty="0"/>
           </a:p>
         </p:txBody>
       </p:sp>
-      <p:sp>
-        <p:nvSpPr>
-          <p:cNvPr id="3" name="內容版面配置區 2">
-            <a:extLst>
-              <a:ext uri="{FF2B5EF4-FFF2-40B4-BE49-F238E27FC236}">
-                <a16:creationId xmlns:a16="http://schemas.microsoft.com/office/drawing/2014/main" id="{90664981-4128-F757-D0FF-4D0315B6D804}"/>
-              </a:ext>
-            </a:extLst>
-          </p:cNvPr>
-          <p:cNvSpPr>
-            <a:spLocks noGrp="1"/>
-          </p:cNvSpPr>
+      <p:pic>
+        <p:nvPicPr>
+          <p:cNvPr id="7" name="內容版面配置區 6">
+            <a:extLst>
+              <a:ext uri="{FF2B5EF4-FFF2-40B4-BE49-F238E27FC236}">
+                <a16:creationId xmlns:a16="http://schemas.microsoft.com/office/drawing/2014/main" id="{3F4F1EFF-FD00-2320-7BEB-AD19D26E5841}"/>
+              </a:ext>
+            </a:extLst>
+          </p:cNvPr>
+          <p:cNvPicPr>
+            <a:picLocks noGrp="1" noChangeAspect="1"/>
+          </p:cNvPicPr>
           <p:nvPr>
             <p:ph idx="1"/>
           </p:nvPr>
-        </p:nvSpPr>
-        <p:spPr/>
-        <p:txBody>
-          <a:bodyPr/>
-          <a:lstStyle/>
-          <a:p>
-            <a:endParaRPr kumimoji="1" lang="zh-TW" altLang="en-US" dirty="0"/>
-          </a:p>
-        </p:txBody>
-      </p:sp>
+        </p:nvPicPr>
+        <p:blipFill>
+          <a:blip r:embed="rId2"/>
+          <a:stretch>
+            <a:fillRect/>
+          </a:stretch>
+        </p:blipFill>
+        <p:spPr>
+          <a:xfrm>
+            <a:off x="4896149" y="346118"/>
+            <a:ext cx="4000716" cy="6253855"/>
+          </a:xfrm>
+        </p:spPr>
+      </p:pic>
     </p:spTree>
     <p:extLst>
       <p:ext uri="{BB962C8B-B14F-4D97-AF65-F5344CB8AC3E}">
-        <p14:creationId xmlns:p14="http://schemas.microsoft.com/office/powerpoint/2010/main" val="1886921172"/>
+        <p14:creationId xmlns:p14="http://schemas.microsoft.com/office/powerpoint/2010/main" val="2329246771"/>
       </p:ext>
     </p:extLst>
   </p:cSld>
@@ -4668,7 +6349,7 @@
           <p:cNvPr id="2" name="標題 1">
             <a:extLst>
               <a:ext uri="{FF2B5EF4-FFF2-40B4-BE49-F238E27FC236}">
-                <a16:creationId xmlns:a16="http://schemas.microsoft.com/office/drawing/2014/main" id="{182B5A17-5DAE-8331-1912-FFB295FF65BF}"/>
+                <a16:creationId xmlns:a16="http://schemas.microsoft.com/office/drawing/2014/main" id="{958E27BA-CB4C-DA26-19FA-F4BBC0C4A431}"/>
               </a:ext>
             </a:extLst>
           </p:cNvPr>
@@ -4686,45 +6367,41 @@
           <a:p>
             <a:r>
               <a:rPr kumimoji="1" lang="en-US" altLang="zh-TW" dirty="0"/>
-              <a:t>Draft Thoughts-step 4</a:t>
+              <a:t>Draft Thoughts-step 3</a:t>
             </a:r>
             <a:endParaRPr kumimoji="1" lang="zh-TW" altLang="en-US" dirty="0"/>
           </a:p>
         </p:txBody>
       </p:sp>
-      <p:pic>
-        <p:nvPicPr>
-          <p:cNvPr id="7" name="內容版面配置區 6">
-            <a:extLst>
-              <a:ext uri="{FF2B5EF4-FFF2-40B4-BE49-F238E27FC236}">
-                <a16:creationId xmlns:a16="http://schemas.microsoft.com/office/drawing/2014/main" id="{250A9EE1-2341-6875-7D5C-28F1C18F1BB2}"/>
-              </a:ext>
-            </a:extLst>
-          </p:cNvPr>
-          <p:cNvPicPr>
-            <a:picLocks noGrp="1" noChangeAspect="1"/>
-          </p:cNvPicPr>
+      <p:sp>
+        <p:nvSpPr>
+          <p:cNvPr id="3" name="內容版面配置區 2">
+            <a:extLst>
+              <a:ext uri="{FF2B5EF4-FFF2-40B4-BE49-F238E27FC236}">
+                <a16:creationId xmlns:a16="http://schemas.microsoft.com/office/drawing/2014/main" id="{90664981-4128-F757-D0FF-4D0315B6D804}"/>
+              </a:ext>
+            </a:extLst>
+          </p:cNvPr>
+          <p:cNvSpPr>
+            <a:spLocks noGrp="1"/>
+          </p:cNvSpPr>
           <p:nvPr>
             <p:ph idx="1"/>
           </p:nvPr>
-        </p:nvPicPr>
-        <p:blipFill>
-          <a:blip r:embed="rId2"/>
-          <a:stretch>
-            <a:fillRect/>
-          </a:stretch>
-        </p:blipFill>
-        <p:spPr>
-          <a:xfrm>
-            <a:off x="4218357" y="1128713"/>
-            <a:ext cx="3612412" cy="5227637"/>
-          </a:xfrm>
-        </p:spPr>
-      </p:pic>
+        </p:nvSpPr>
+        <p:spPr/>
+        <p:txBody>
+          <a:bodyPr/>
+          <a:lstStyle/>
+          <a:p>
+            <a:endParaRPr kumimoji="1" lang="zh-TW" altLang="en-US" dirty="0"/>
+          </a:p>
+        </p:txBody>
+      </p:sp>
     </p:spTree>
     <p:extLst>
       <p:ext uri="{BB962C8B-B14F-4D97-AF65-F5344CB8AC3E}">
-        <p14:creationId xmlns:p14="http://schemas.microsoft.com/office/powerpoint/2010/main" val="3393869822"/>
+        <p14:creationId xmlns:p14="http://schemas.microsoft.com/office/powerpoint/2010/main" val="1886921172"/>
       </p:ext>
     </p:extLst>
   </p:cSld>
@@ -4756,7 +6433,7 @@
           <p:cNvPr id="2" name="標題 1">
             <a:extLst>
               <a:ext uri="{FF2B5EF4-FFF2-40B4-BE49-F238E27FC236}">
-                <a16:creationId xmlns:a16="http://schemas.microsoft.com/office/drawing/2014/main" id="{958E27BA-CB4C-DA26-19FA-F4BBC0C4A431}"/>
+                <a16:creationId xmlns:a16="http://schemas.microsoft.com/office/drawing/2014/main" id="{182B5A17-5DAE-8331-1912-FFB295FF65BF}"/>
               </a:ext>
             </a:extLst>
           </p:cNvPr>
@@ -4780,35 +6457,39 @@
           </a:p>
         </p:txBody>
       </p:sp>
-      <p:sp>
-        <p:nvSpPr>
-          <p:cNvPr id="3" name="內容版面配置區 2">
-            <a:extLst>
-              <a:ext uri="{FF2B5EF4-FFF2-40B4-BE49-F238E27FC236}">
-                <a16:creationId xmlns:a16="http://schemas.microsoft.com/office/drawing/2014/main" id="{90664981-4128-F757-D0FF-4D0315B6D804}"/>
-              </a:ext>
-            </a:extLst>
-          </p:cNvPr>
-          <p:cNvSpPr>
-            <a:spLocks noGrp="1"/>
-          </p:cNvSpPr>
+      <p:pic>
+        <p:nvPicPr>
+          <p:cNvPr id="7" name="內容版面配置區 6">
+            <a:extLst>
+              <a:ext uri="{FF2B5EF4-FFF2-40B4-BE49-F238E27FC236}">
+                <a16:creationId xmlns:a16="http://schemas.microsoft.com/office/drawing/2014/main" id="{250A9EE1-2341-6875-7D5C-28F1C18F1BB2}"/>
+              </a:ext>
+            </a:extLst>
+          </p:cNvPr>
+          <p:cNvPicPr>
+            <a:picLocks noGrp="1" noChangeAspect="1"/>
+          </p:cNvPicPr>
           <p:nvPr>
             <p:ph idx="1"/>
           </p:nvPr>
-        </p:nvSpPr>
-        <p:spPr/>
-        <p:txBody>
-          <a:bodyPr/>
-          <a:lstStyle/>
-          <a:p>
-            <a:endParaRPr kumimoji="1" lang="zh-TW" altLang="en-US"/>
-          </a:p>
-        </p:txBody>
-      </p:sp>
+        </p:nvPicPr>
+        <p:blipFill>
+          <a:blip r:embed="rId2"/>
+          <a:stretch>
+            <a:fillRect/>
+          </a:stretch>
+        </p:blipFill>
+        <p:spPr>
+          <a:xfrm>
+            <a:off x="4218357" y="1128713"/>
+            <a:ext cx="3612412" cy="5227637"/>
+          </a:xfrm>
+        </p:spPr>
+      </p:pic>
     </p:spTree>
     <p:extLst>
       <p:ext uri="{BB962C8B-B14F-4D97-AF65-F5344CB8AC3E}">
-        <p14:creationId xmlns:p14="http://schemas.microsoft.com/office/powerpoint/2010/main" val="173480336"/>
+        <p14:creationId xmlns:p14="http://schemas.microsoft.com/office/powerpoint/2010/main" val="3393869822"/>
       </p:ext>
     </p:extLst>
   </p:cSld>

--- a/MyResearches/BCLearning+ProtoNet/Thoughts/bclearning+protonet_thoughts01.pptx
+++ b/MyResearches/BCLearning+ProtoNet/Thoughts/bclearning+protonet_thoughts01.pptx
@@ -6,23 +6,17 @@
   </p:sldMasterIdLst>
   <p:sldIdLst>
     <p:sldId id="256" r:id="rId2"/>
-    <p:sldId id="277" r:id="rId3"/>
-    <p:sldId id="258" r:id="rId4"/>
-    <p:sldId id="257" r:id="rId5"/>
-    <p:sldId id="259" r:id="rId6"/>
-    <p:sldId id="260" r:id="rId7"/>
-    <p:sldId id="261" r:id="rId8"/>
-    <p:sldId id="262" r:id="rId9"/>
-    <p:sldId id="263" r:id="rId10"/>
-    <p:sldId id="264" r:id="rId11"/>
-    <p:sldId id="269" r:id="rId12"/>
-    <p:sldId id="270" r:id="rId13"/>
-    <p:sldId id="271" r:id="rId14"/>
-    <p:sldId id="272" r:id="rId15"/>
-    <p:sldId id="273" r:id="rId16"/>
-    <p:sldId id="274" r:id="rId17"/>
-    <p:sldId id="275" r:id="rId18"/>
-    <p:sldId id="276" r:id="rId19"/>
+    <p:sldId id="284" r:id="rId3"/>
+    <p:sldId id="285" r:id="rId4"/>
+    <p:sldId id="288" r:id="rId5"/>
+    <p:sldId id="279" r:id="rId6"/>
+    <p:sldId id="280" r:id="rId7"/>
+    <p:sldId id="283" r:id="rId8"/>
+    <p:sldId id="277" r:id="rId9"/>
+    <p:sldId id="286" r:id="rId10"/>
+    <p:sldId id="287" r:id="rId11"/>
+    <p:sldId id="281" r:id="rId12"/>
+    <p:sldId id="282" r:id="rId13"/>
   </p:sldIdLst>
   <p:sldSz cx="12192000" cy="6858000"/>
   <p:notesSz cx="6858000" cy="9144000"/>
@@ -289,7 +283,7 @@
           <a:p>
             <a:fld id="{3D726FFC-0A29-3144-80C1-C69138E64A73}" type="datetimeFigureOut">
               <a:rPr kumimoji="1" lang="zh-TW" altLang="en-US" smtClean="0"/>
-              <a:t>2024/4/6</a:t>
+              <a:t>2024/4/21</a:t>
             </a:fld>
             <a:endParaRPr kumimoji="1" lang="zh-TW" altLang="en-US"/>
           </a:p>
@@ -467,7 +461,7 @@
           <a:p>
             <a:fld id="{3D726FFC-0A29-3144-80C1-C69138E64A73}" type="datetimeFigureOut">
               <a:rPr kumimoji="1" lang="zh-TW" altLang="en-US" smtClean="0"/>
-              <a:t>2024/4/6</a:t>
+              <a:t>2024/4/21</a:t>
             </a:fld>
             <a:endParaRPr kumimoji="1" lang="zh-TW" altLang="en-US"/>
           </a:p>
@@ -683,7 +677,7 @@
           <a:p>
             <a:fld id="{3D726FFC-0A29-3144-80C1-C69138E64A73}" type="datetimeFigureOut">
               <a:rPr kumimoji="1" lang="zh-TW" altLang="en-US" smtClean="0"/>
-              <a:t>2024/4/6</a:t>
+              <a:t>2024/4/21</a:t>
             </a:fld>
             <a:endParaRPr kumimoji="1" lang="zh-TW" altLang="en-US"/>
           </a:p>
@@ -828,39 +822,70 @@
         <p:spPr/>
         <p:txBody>
           <a:bodyPr/>
-          <a:lstStyle/>
+          <a:lstStyle>
+            <a:lvl1pPr>
+              <a:lnSpc>
+                <a:spcPct val="150000"/>
+              </a:lnSpc>
+              <a:defRPr/>
+            </a:lvl1pPr>
+            <a:lvl2pPr>
+              <a:lnSpc>
+                <a:spcPct val="150000"/>
+              </a:lnSpc>
+              <a:defRPr/>
+            </a:lvl2pPr>
+            <a:lvl3pPr>
+              <a:lnSpc>
+                <a:spcPct val="150000"/>
+              </a:lnSpc>
+              <a:defRPr/>
+            </a:lvl3pPr>
+            <a:lvl4pPr>
+              <a:lnSpc>
+                <a:spcPct val="150000"/>
+              </a:lnSpc>
+              <a:defRPr/>
+            </a:lvl4pPr>
+            <a:lvl5pPr>
+              <a:lnSpc>
+                <a:spcPct val="150000"/>
+              </a:lnSpc>
+              <a:defRPr/>
+            </a:lvl5pPr>
+          </a:lstStyle>
           <a:p>
             <a:pPr lvl="0"/>
             <a:r>
-              <a:rPr kumimoji="1" lang="zh-TW" altLang="en-US"/>
+              <a:rPr kumimoji="1" lang="zh-TW" altLang="en-US" dirty="0"/>
               <a:t>按一下以編輯母片文字樣式</a:t>
             </a:r>
           </a:p>
           <a:p>
             <a:pPr lvl="1"/>
             <a:r>
-              <a:rPr kumimoji="1" lang="zh-TW" altLang="en-US"/>
+              <a:rPr kumimoji="1" lang="zh-TW" altLang="en-US" dirty="0"/>
               <a:t>第二層</a:t>
             </a:r>
           </a:p>
           <a:p>
             <a:pPr lvl="2"/>
             <a:r>
-              <a:rPr kumimoji="1" lang="zh-TW" altLang="en-US"/>
+              <a:rPr kumimoji="1" lang="zh-TW" altLang="en-US" dirty="0"/>
               <a:t>第三層</a:t>
             </a:r>
           </a:p>
           <a:p>
             <a:pPr lvl="3"/>
             <a:r>
-              <a:rPr kumimoji="1" lang="zh-TW" altLang="en-US"/>
+              <a:rPr kumimoji="1" lang="zh-TW" altLang="en-US" dirty="0"/>
               <a:t>第四層</a:t>
             </a:r>
           </a:p>
           <a:p>
             <a:pPr lvl="4"/>
             <a:r>
-              <a:rPr kumimoji="1" lang="zh-TW" altLang="en-US"/>
+              <a:rPr kumimoji="1" lang="zh-TW" altLang="en-US" dirty="0"/>
               <a:t>第五層</a:t>
             </a:r>
           </a:p>
@@ -889,7 +914,7 @@
           <a:p>
             <a:fld id="{3D726FFC-0A29-3144-80C1-C69138E64A73}" type="datetimeFigureOut">
               <a:rPr kumimoji="1" lang="zh-TW" altLang="en-US" smtClean="0"/>
-              <a:t>2024/4/6</a:t>
+              <a:t>2024/4/21</a:t>
             </a:fld>
             <a:endParaRPr kumimoji="1" lang="zh-TW" altLang="en-US"/>
           </a:p>
@@ -1172,7 +1197,7 @@
           <a:p>
             <a:fld id="{3D726FFC-0A29-3144-80C1-C69138E64A73}" type="datetimeFigureOut">
               <a:rPr kumimoji="1" lang="zh-TW" altLang="en-US" smtClean="0"/>
-              <a:t>2024/4/6</a:t>
+              <a:t>2024/4/21</a:t>
             </a:fld>
             <a:endParaRPr kumimoji="1" lang="zh-TW" altLang="en-US"/>
           </a:p>
@@ -1445,7 +1470,7 @@
           <a:p>
             <a:fld id="{3D726FFC-0A29-3144-80C1-C69138E64A73}" type="datetimeFigureOut">
               <a:rPr kumimoji="1" lang="zh-TW" altLang="en-US" smtClean="0"/>
-              <a:t>2024/4/6</a:t>
+              <a:t>2024/4/21</a:t>
             </a:fld>
             <a:endParaRPr kumimoji="1" lang="zh-TW" altLang="en-US"/>
           </a:p>
@@ -1865,7 +1890,7 @@
           <a:p>
             <a:fld id="{3D726FFC-0A29-3144-80C1-C69138E64A73}" type="datetimeFigureOut">
               <a:rPr kumimoji="1" lang="zh-TW" altLang="en-US" smtClean="0"/>
-              <a:t>2024/4/6</a:t>
+              <a:t>2024/4/21</a:t>
             </a:fld>
             <a:endParaRPr kumimoji="1" lang="zh-TW" altLang="en-US"/>
           </a:p>
@@ -2014,7 +2039,7 @@
           <a:p>
             <a:fld id="{3D726FFC-0A29-3144-80C1-C69138E64A73}" type="datetimeFigureOut">
               <a:rPr kumimoji="1" lang="zh-TW" altLang="en-US" smtClean="0"/>
-              <a:t>2024/4/6</a:t>
+              <a:t>2024/4/21</a:t>
             </a:fld>
             <a:endParaRPr kumimoji="1" lang="zh-TW" altLang="en-US"/>
           </a:p>
@@ -2135,7 +2160,7 @@
           <a:p>
             <a:fld id="{3D726FFC-0A29-3144-80C1-C69138E64A73}" type="datetimeFigureOut">
               <a:rPr kumimoji="1" lang="zh-TW" altLang="en-US" smtClean="0"/>
-              <a:t>2024/4/6</a:t>
+              <a:t>2024/4/21</a:t>
             </a:fld>
             <a:endParaRPr kumimoji="1" lang="zh-TW" altLang="en-US"/>
           </a:p>
@@ -2454,7 +2479,7 @@
           <a:p>
             <a:fld id="{3D726FFC-0A29-3144-80C1-C69138E64A73}" type="datetimeFigureOut">
               <a:rPr kumimoji="1" lang="zh-TW" altLang="en-US" smtClean="0"/>
-              <a:t>2024/4/6</a:t>
+              <a:t>2024/4/21</a:t>
             </a:fld>
             <a:endParaRPr kumimoji="1" lang="zh-TW" altLang="en-US"/>
           </a:p>
@@ -2750,7 +2775,7 @@
           <a:p>
             <a:fld id="{3D726FFC-0A29-3144-80C1-C69138E64A73}" type="datetimeFigureOut">
               <a:rPr kumimoji="1" lang="zh-TW" altLang="en-US" smtClean="0"/>
-              <a:t>2024/4/6</a:t>
+              <a:t>2024/4/21</a:t>
             </a:fld>
             <a:endParaRPr kumimoji="1" lang="zh-TW" altLang="en-US"/>
           </a:p>
@@ -2999,7 +3024,7 @@
           <a:p>
             <a:fld id="{3D726FFC-0A29-3144-80C1-C69138E64A73}" type="datetimeFigureOut">
               <a:rPr kumimoji="1" lang="zh-TW" altLang="en-US" smtClean="0"/>
-              <a:t>2024/4/6</a:t>
+              <a:t>2024/4/21</a:t>
             </a:fld>
             <a:endParaRPr kumimoji="1" lang="zh-TW" altLang="en-US"/>
           </a:p>
@@ -3470,7 +3495,7 @@
           <p:cNvPr id="2" name="標題 1">
             <a:extLst>
               <a:ext uri="{FF2B5EF4-FFF2-40B4-BE49-F238E27FC236}">
-                <a16:creationId xmlns:a16="http://schemas.microsoft.com/office/drawing/2014/main" id="{958E27BA-CB4C-DA26-19FA-F4BBC0C4A431}"/>
+                <a16:creationId xmlns:a16="http://schemas.microsoft.com/office/drawing/2014/main" id="{FFA0DBCE-BC51-9787-B4DD-198F8284FBE9}"/>
               </a:ext>
             </a:extLst>
           </p:cNvPr>
@@ -3488,41 +3513,53 @@
           <a:p>
             <a:r>
               <a:rPr kumimoji="1" lang="en-US" altLang="zh-TW" dirty="0"/>
-              <a:t>Draft Thoughts-step 4</a:t>
+              <a:t>Pipeline example of </a:t>
+            </a:r>
+            <a:r>
+              <a:rPr kumimoji="1" lang="en-US" altLang="zh-TW" dirty="0" err="1"/>
+              <a:t>ProtoNet</a:t>
+            </a:r>
+            <a:r>
+              <a:rPr kumimoji="1" lang="en-US" altLang="zh-TW" dirty="0"/>
+              <a:t> for KWS</a:t>
             </a:r>
             <a:endParaRPr kumimoji="1" lang="zh-TW" altLang="en-US" dirty="0"/>
           </a:p>
         </p:txBody>
       </p:sp>
-      <p:sp>
-        <p:nvSpPr>
-          <p:cNvPr id="3" name="內容版面配置區 2">
-            <a:extLst>
-              <a:ext uri="{FF2B5EF4-FFF2-40B4-BE49-F238E27FC236}">
-                <a16:creationId xmlns:a16="http://schemas.microsoft.com/office/drawing/2014/main" id="{90664981-4128-F757-D0FF-4D0315B6D804}"/>
-              </a:ext>
-            </a:extLst>
-          </p:cNvPr>
-          <p:cNvSpPr>
-            <a:spLocks noGrp="1"/>
-          </p:cNvSpPr>
+      <p:pic>
+        <p:nvPicPr>
+          <p:cNvPr id="5" name="內容版面配置區 4">
+            <a:extLst>
+              <a:ext uri="{FF2B5EF4-FFF2-40B4-BE49-F238E27FC236}">
+                <a16:creationId xmlns:a16="http://schemas.microsoft.com/office/drawing/2014/main" id="{67E8912B-8437-2ADA-46A7-6153D1C74E39}"/>
+              </a:ext>
+            </a:extLst>
+          </p:cNvPr>
+          <p:cNvPicPr>
+            <a:picLocks noGrp="1" noChangeAspect="1"/>
+          </p:cNvPicPr>
           <p:nvPr>
             <p:ph idx="1"/>
           </p:nvPr>
-        </p:nvSpPr>
-        <p:spPr/>
-        <p:txBody>
-          <a:bodyPr/>
-          <a:lstStyle/>
-          <a:p>
-            <a:endParaRPr kumimoji="1" lang="zh-TW" altLang="en-US"/>
-          </a:p>
-        </p:txBody>
-      </p:sp>
+        </p:nvPicPr>
+        <p:blipFill>
+          <a:blip r:embed="rId2"/>
+          <a:stretch>
+            <a:fillRect/>
+          </a:stretch>
+        </p:blipFill>
+        <p:spPr>
+          <a:xfrm>
+            <a:off x="782144" y="1222662"/>
+            <a:ext cx="10627712" cy="4412675"/>
+          </a:xfrm>
+        </p:spPr>
+      </p:pic>
     </p:spTree>
     <p:extLst>
       <p:ext uri="{BB962C8B-B14F-4D97-AF65-F5344CB8AC3E}">
-        <p14:creationId xmlns:p14="http://schemas.microsoft.com/office/powerpoint/2010/main" val="173480336"/>
+        <p14:creationId xmlns:p14="http://schemas.microsoft.com/office/powerpoint/2010/main" val="975220652"/>
       </p:ext>
     </p:extLst>
   </p:cSld>
@@ -3554,7 +3591,7 @@
           <p:cNvPr id="2" name="標題 1">
             <a:extLst>
               <a:ext uri="{FF2B5EF4-FFF2-40B4-BE49-F238E27FC236}">
-                <a16:creationId xmlns:a16="http://schemas.microsoft.com/office/drawing/2014/main" id="{182B5A17-5DAE-8331-1912-FFB295FF65BF}"/>
+                <a16:creationId xmlns:a16="http://schemas.microsoft.com/office/drawing/2014/main" id="{45E0460B-B636-5227-92BC-1298A4B7F155}"/>
               </a:ext>
             </a:extLst>
           </p:cNvPr>
@@ -3572,45 +3609,218 @@
           <a:p>
             <a:r>
               <a:rPr kumimoji="1" lang="en-US" altLang="zh-TW" dirty="0"/>
-              <a:t>Draft Thoughts-step 5</a:t>
+              <a:t>Prototypical Network Review</a:t>
             </a:r>
             <a:endParaRPr kumimoji="1" lang="zh-TW" altLang="en-US" dirty="0"/>
           </a:p>
         </p:txBody>
       </p:sp>
-      <p:pic>
-        <p:nvPicPr>
-          <p:cNvPr id="6" name="內容版面配置區 5">
-            <a:extLst>
-              <a:ext uri="{FF2B5EF4-FFF2-40B4-BE49-F238E27FC236}">
-                <a16:creationId xmlns:a16="http://schemas.microsoft.com/office/drawing/2014/main" id="{318E7372-EC92-6DE4-3206-53947F1EEE84}"/>
-              </a:ext>
-            </a:extLst>
-          </p:cNvPr>
-          <p:cNvPicPr>
-            <a:picLocks noGrp="1" noChangeAspect="1"/>
-          </p:cNvPicPr>
+      <p:sp>
+        <p:nvSpPr>
+          <p:cNvPr id="3" name="內容版面配置區 2">
+            <a:extLst>
+              <a:ext uri="{FF2B5EF4-FFF2-40B4-BE49-F238E27FC236}">
+                <a16:creationId xmlns:a16="http://schemas.microsoft.com/office/drawing/2014/main" id="{9DB77467-75CF-B4E0-C977-92F1CDC12449}"/>
+              </a:ext>
+            </a:extLst>
+          </p:cNvPr>
+          <p:cNvSpPr>
+            <a:spLocks noGrp="1"/>
+          </p:cNvSpPr>
           <p:nvPr>
             <p:ph idx="1"/>
           </p:nvPr>
-        </p:nvPicPr>
-        <p:blipFill>
-          <a:blip r:embed="rId2"/>
-          <a:stretch>
-            <a:fillRect/>
-          </a:stretch>
-        </p:blipFill>
+        </p:nvSpPr>
         <p:spPr>
           <a:xfrm>
-            <a:off x="4747202" y="387307"/>
-            <a:ext cx="3919003" cy="6310136"/>
-          </a:xfrm>
-        </p:spPr>
-      </p:pic>
+            <a:off x="185979" y="945398"/>
+            <a:ext cx="11677973" cy="5776076"/>
+          </a:xfrm>
+        </p:spPr>
+        <p:txBody>
+          <a:bodyPr>
+            <a:normAutofit lnSpcReduction="10000"/>
+          </a:bodyPr>
+          <a:lstStyle/>
+          <a:p>
+            <a:r>
+              <a:rPr kumimoji="1" lang="en-US" altLang="zh-TW" dirty="0"/>
+              <a:t>Prototypical Network</a:t>
+            </a:r>
+            <a:r>
+              <a:rPr kumimoji="1" lang="zh-TW" altLang="en-US" dirty="0"/>
+              <a:t>主要在解決</a:t>
+            </a:r>
+            <a:r>
+              <a:rPr kumimoji="1" lang="en-US" altLang="zh-TW" dirty="0"/>
+              <a:t>few-shot even one-shot learning</a:t>
+            </a:r>
+            <a:r>
+              <a:rPr kumimoji="1" lang="zh-TW" altLang="en-US" dirty="0"/>
+              <a:t>中</a:t>
+            </a:r>
+            <a:r>
+              <a:rPr kumimoji="1" lang="en-US" altLang="zh-TW" dirty="0"/>
+              <a:t>overfit</a:t>
+            </a:r>
+            <a:r>
+              <a:rPr kumimoji="1" lang="zh-TW" altLang="en-US" dirty="0"/>
+              <a:t>的問題以提高分類的準確率。</a:t>
+            </a:r>
+            <a:endParaRPr kumimoji="1" lang="en-US" altLang="zh-TW" dirty="0"/>
+          </a:p>
+          <a:p>
+            <a:r>
+              <a:rPr kumimoji="1" lang="en-US" altLang="zh-TW" dirty="0"/>
+              <a:t>Prototypical Network</a:t>
+            </a:r>
+            <a:r>
+              <a:rPr kumimoji="1" lang="zh-TW" altLang="en-US" dirty="0"/>
+              <a:t>應用在</a:t>
+            </a:r>
+            <a:r>
+              <a:rPr kumimoji="1" lang="en-US" altLang="zh-TW" dirty="0"/>
+              <a:t>few-shot and zero-shot learning. </a:t>
+            </a:r>
+          </a:p>
+          <a:p>
+            <a:r>
+              <a:rPr kumimoji="1" lang="zh-TW" altLang="en-US" dirty="0"/>
+              <a:t>其假設為：</a:t>
+            </a:r>
+            <a:endParaRPr kumimoji="1" lang="en-US" altLang="zh-TW" dirty="0"/>
+          </a:p>
+          <a:p>
+            <a:pPr lvl="1"/>
+            <a:r>
+              <a:rPr kumimoji="1" lang="zh-TW" altLang="en-US" dirty="0"/>
+              <a:t>每個類別，存在一個</a:t>
+            </a:r>
+            <a:r>
+              <a:rPr kumimoji="1" lang="en-US" altLang="zh-TW" dirty="0"/>
+              <a:t>Embedding</a:t>
+            </a:r>
+            <a:r>
+              <a:rPr kumimoji="1" lang="zh-TW" altLang="en-US" dirty="0"/>
+              <a:t>，在這個</a:t>
+            </a:r>
+            <a:r>
+              <a:rPr kumimoji="1" lang="en-US" altLang="zh-TW" dirty="0"/>
+              <a:t>Embedding</a:t>
+            </a:r>
+            <a:r>
+              <a:rPr kumimoji="1" lang="zh-TW" altLang="en-US" dirty="0"/>
+              <a:t>中，</a:t>
+            </a:r>
+            <a:r>
+              <a:rPr kumimoji="1" lang="en-US" altLang="zh-TW" dirty="0"/>
+              <a:t>Point Cluster(</a:t>
+            </a:r>
+            <a:r>
+              <a:rPr kumimoji="1" lang="zh-TW" altLang="en-US" dirty="0"/>
+              <a:t>點簇</a:t>
+            </a:r>
+            <a:r>
+              <a:rPr kumimoji="1" lang="en-US" altLang="zh-TW" dirty="0"/>
+              <a:t>)</a:t>
+            </a:r>
+            <a:r>
+              <a:rPr kumimoji="1" lang="zh-TW" altLang="en-US" dirty="0"/>
+              <a:t>是圍繞在這個類別的單一原型</a:t>
+            </a:r>
+            <a:r>
+              <a:rPr kumimoji="1" lang="en-US" altLang="zh-TW" dirty="0"/>
+              <a:t>(a single prototype representation)</a:t>
+            </a:r>
+            <a:r>
+              <a:rPr kumimoji="1" lang="zh-TW" altLang="en-US" dirty="0"/>
+              <a:t>表示。</a:t>
+            </a:r>
+            <a:endParaRPr kumimoji="1" lang="en-US" altLang="zh-TW" dirty="0"/>
+          </a:p>
+          <a:p>
+            <a:r>
+              <a:rPr kumimoji="1" lang="zh-TW" altLang="en-US" dirty="0"/>
+              <a:t>為達成上述假設，針對</a:t>
+            </a:r>
+            <a:r>
+              <a:rPr kumimoji="1" lang="en-US" altLang="zh-TW" dirty="0"/>
+              <a:t>few-shot learning and zero-shot learning, we do</a:t>
+            </a:r>
+            <a:r>
+              <a:rPr kumimoji="1" lang="zh-TW" altLang="en-US" dirty="0"/>
+              <a:t>：</a:t>
+            </a:r>
+            <a:endParaRPr kumimoji="1" lang="en-US" altLang="zh-TW" dirty="0"/>
+          </a:p>
+          <a:p>
+            <a:pPr lvl="1"/>
+            <a:r>
+              <a:rPr kumimoji="1" lang="en-US" altLang="zh-TW" dirty="0"/>
+              <a:t>For few-shot learning</a:t>
+            </a:r>
+          </a:p>
+          <a:p>
+            <a:pPr lvl="2"/>
+            <a:r>
+              <a:rPr kumimoji="1" lang="zh-TW" altLang="en-US" dirty="0"/>
+              <a:t>使用</a:t>
+            </a:r>
+            <a:r>
+              <a:rPr kumimoji="1" lang="en-US" altLang="zh-TW" dirty="0"/>
+              <a:t>NN</a:t>
+            </a:r>
+            <a:r>
+              <a:rPr kumimoji="1" lang="zh-TW" altLang="en-US" dirty="0"/>
+              <a:t>學習一個</a:t>
+            </a:r>
+            <a:r>
+              <a:rPr kumimoji="1" lang="en-US" altLang="zh-TW" dirty="0" err="1"/>
+              <a:t>input→embedding</a:t>
+            </a:r>
+            <a:r>
+              <a:rPr kumimoji="1" lang="zh-TW" altLang="en-US" dirty="0"/>
+              <a:t>的非線性映射。</a:t>
+            </a:r>
+            <a:r>
+              <a:rPr kumimoji="1" lang="en-US" altLang="zh-TW" dirty="0"/>
+              <a:t>(Learn a mapping of input into embedding)</a:t>
+            </a:r>
+          </a:p>
+          <a:p>
+            <a:pPr lvl="2"/>
+            <a:r>
+              <a:rPr kumimoji="1" lang="zh-TW" altLang="en-US" dirty="0"/>
+              <a:t>每個類別，以類別中的所有點的</a:t>
+            </a:r>
+            <a:r>
+              <a:rPr kumimoji="1" lang="en-US" altLang="zh-TW" dirty="0"/>
+              <a:t>mean</a:t>
+            </a:r>
+            <a:r>
+              <a:rPr kumimoji="1" lang="zh-TW" altLang="en-US" dirty="0"/>
+              <a:t>做為其</a:t>
+            </a:r>
+            <a:r>
+              <a:rPr kumimoji="1" lang="en-US" altLang="zh-TW" dirty="0"/>
+              <a:t>protype representation</a:t>
+            </a:r>
+            <a:r>
+              <a:rPr kumimoji="1" lang="zh-TW" altLang="en-US" dirty="0"/>
+              <a:t>。</a:t>
+            </a:r>
+            <a:endParaRPr kumimoji="1" lang="en-US" altLang="zh-TW" dirty="0"/>
+          </a:p>
+          <a:p>
+            <a:pPr lvl="1"/>
+            <a:endParaRPr kumimoji="1" lang="zh-TW" altLang="en-US" dirty="0"/>
+          </a:p>
+        </p:txBody>
+      </p:sp>
     </p:spTree>
     <p:extLst>
       <p:ext uri="{BB962C8B-B14F-4D97-AF65-F5344CB8AC3E}">
-        <p14:creationId xmlns:p14="http://schemas.microsoft.com/office/powerpoint/2010/main" val="3596163884"/>
+        <p14:creationId xmlns:p14="http://schemas.microsoft.com/office/powerpoint/2010/main" val="982365190"/>
       </p:ext>
     </p:extLst>
   </p:cSld>
@@ -3642,7 +3852,7 @@
           <p:cNvPr id="2" name="標題 1">
             <a:extLst>
               <a:ext uri="{FF2B5EF4-FFF2-40B4-BE49-F238E27FC236}">
-                <a16:creationId xmlns:a16="http://schemas.microsoft.com/office/drawing/2014/main" id="{958E27BA-CB4C-DA26-19FA-F4BBC0C4A431}"/>
+                <a16:creationId xmlns:a16="http://schemas.microsoft.com/office/drawing/2014/main" id="{45E0460B-B636-5227-92BC-1298A4B7F155}"/>
               </a:ext>
             </a:extLst>
           </p:cNvPr>
@@ -3660,15 +3870,7 @@
           <a:p>
             <a:r>
               <a:rPr kumimoji="1" lang="en-US" altLang="zh-TW" dirty="0"/>
-              <a:t>BC-Learning + </a:t>
-            </a:r>
-            <a:r>
-              <a:rPr kumimoji="1" lang="en-US" altLang="zh-TW" dirty="0" err="1"/>
-              <a:t>ProtoNet</a:t>
-            </a:r>
-            <a:r>
-              <a:rPr kumimoji="1" lang="en-US" altLang="zh-TW" dirty="0"/>
-              <a:t> Thoughts</a:t>
+              <a:t>Prototypical Network Review (Cont.)</a:t>
             </a:r>
             <a:endParaRPr kumimoji="1" lang="zh-TW" altLang="en-US" dirty="0"/>
           </a:p>
@@ -3679,7 +3881,7 @@
           <p:cNvPr id="3" name="內容版面配置區 2">
             <a:extLst>
               <a:ext uri="{FF2B5EF4-FFF2-40B4-BE49-F238E27FC236}">
-                <a16:creationId xmlns:a16="http://schemas.microsoft.com/office/drawing/2014/main" id="{90664981-4128-F757-D0FF-4D0315B6D804}"/>
+                <a16:creationId xmlns:a16="http://schemas.microsoft.com/office/drawing/2014/main" id="{9DB77467-75CF-B4E0-C977-92F1CDC12449}"/>
               </a:ext>
             </a:extLst>
           </p:cNvPr>
@@ -3692,8 +3894,8 @@
         </p:nvSpPr>
         <p:spPr>
           <a:xfrm>
-            <a:off x="185979" y="1029730"/>
-            <a:ext cx="11677973" cy="5326619"/>
+            <a:off x="185979" y="945398"/>
+            <a:ext cx="11677973" cy="5776076"/>
           </a:xfrm>
         </p:spPr>
         <p:txBody>
@@ -3702,569 +3904,119 @@
           </a:bodyPr>
           <a:lstStyle/>
           <a:p>
-            <a:pPr>
-              <a:lnSpc>
-                <a:spcPct val="150000"/>
-              </a:lnSpc>
-            </a:pPr>
-            <a:r>
-              <a:rPr kumimoji="1" lang="zh-TW" altLang="en-US" sz="1800" dirty="0"/>
-              <a:t>假設給予</a:t>
-            </a:r>
-            <a:r>
-              <a:rPr kumimoji="1" lang="en-US" altLang="zh-TW" sz="1800" dirty="0">
-                <a:latin typeface="GungSeo" pitchFamily="2" charset="-127"/>
-                <a:ea typeface="GungSeo" pitchFamily="2" charset="-127"/>
+            <a:pPr lvl="1"/>
+            <a:r>
+              <a:rPr kumimoji="1" lang="en-US" altLang="zh-TW" dirty="0"/>
+              <a:t>For zero-shot learning</a:t>
+            </a:r>
+          </a:p>
+          <a:p>
+            <a:pPr lvl="2"/>
+            <a:r>
+              <a:rPr kumimoji="1" lang="zh-TW" altLang="en-US" dirty="0"/>
+              <a:t>每個類別以</a:t>
+            </a:r>
+            <a:r>
+              <a:rPr kumimoji="1" lang="en-US" altLang="zh-TW" dirty="0"/>
+              <a:t>meta-data</a:t>
+            </a:r>
+            <a:r>
+              <a:rPr kumimoji="1" lang="zh-TW" altLang="en-US" dirty="0"/>
+              <a:t>來表示。</a:t>
+            </a:r>
+            <a:endParaRPr kumimoji="1" lang="en-US" altLang="zh-TW" dirty="0"/>
+          </a:p>
+          <a:p>
+            <a:pPr lvl="2"/>
+            <a:r>
+              <a:rPr kumimoji="1" lang="zh-TW" altLang="en-US" dirty="0"/>
+              <a:t>針對每個類別，以</a:t>
+            </a:r>
+            <a:r>
+              <a:rPr kumimoji="1" lang="en-US" altLang="zh-TW" dirty="0"/>
+              <a:t>meta-data</a:t>
+            </a:r>
+            <a:r>
+              <a:rPr kumimoji="1" lang="zh-TW" altLang="en-US" dirty="0"/>
+              <a:t>學習一個此類別的</a:t>
+            </a:r>
+            <a:r>
+              <a:rPr kumimoji="1" lang="en-US" altLang="zh-TW" dirty="0"/>
+              <a:t>embedding</a:t>
+            </a:r>
+            <a:r>
+              <a:rPr kumimoji="1" lang="zh-TW" altLang="en-US" dirty="0"/>
+              <a:t>到一共享的空間，並以這個</a:t>
+            </a:r>
+            <a:r>
+              <a:rPr kumimoji="1" lang="en-US" altLang="zh-TW" dirty="0"/>
+              <a:t>embedding</a:t>
+            </a:r>
+            <a:r>
+              <a:rPr kumimoji="1" lang="zh-TW" altLang="en-US" dirty="0"/>
+              <a:t>做為此類別的</a:t>
+            </a:r>
+            <a:r>
+              <a:rPr kumimoji="1" lang="en-US" altLang="zh-TW" dirty="0"/>
+              <a:t>protype-representation</a:t>
+            </a:r>
+            <a:r>
+              <a:rPr kumimoji="1" lang="zh-TW" altLang="en-US" dirty="0"/>
+              <a:t>。</a:t>
+            </a:r>
+            <a:r>
+              <a:rPr kumimoji="1" lang="en-US" altLang="zh-TW" dirty="0"/>
+              <a:t>(</a:t>
+            </a:r>
+            <a:r>
+              <a:rPr lang="en" altLang="zh-TW" dirty="0">
+                <a:solidFill>
+                  <a:srgbClr val="000000"/>
+                </a:solidFill>
+                <a:effectLst/>
+                <a:latin typeface="Helvetica" pitchFamily="2" charset="0"/>
               </a:rPr>
-              <a:t>K</a:t>
-            </a:r>
-            <a:r>
-              <a:rPr kumimoji="1" lang="zh-TW" altLang="en-US" sz="1800" dirty="0"/>
-              <a:t>個類別</a:t>
-            </a:r>
-            <a:r>
-              <a:rPr kumimoji="1" lang="en-US" altLang="zh-TW" sz="1800" dirty="0"/>
-              <a:t>(Class)</a:t>
-            </a:r>
-            <a:r>
-              <a:rPr kumimoji="1" lang="zh-TW" altLang="en-US" sz="1800" dirty="0"/>
-              <a:t>，在此我們採用</a:t>
-            </a:r>
-            <a:r>
-              <a:rPr kumimoji="1" lang="en-US" altLang="zh-TW" sz="1800" dirty="0" err="1"/>
-              <a:t>ProtoNet</a:t>
-            </a:r>
-            <a:r>
-              <a:rPr kumimoji="1" lang="zh-TW" altLang="en-US" sz="1800" dirty="0"/>
-              <a:t>原論文中的符號定義；則，</a:t>
-            </a:r>
-            <a:br>
-              <a:rPr kumimoji="1" lang="en-US" altLang="zh-TW" sz="1800" dirty="0"/>
-            </a:br>
-            <a:endParaRPr kumimoji="1" lang="en-US" altLang="zh-TW" sz="1800" dirty="0"/>
+              <a:t>learn an embedding of the meta-data into a shared space to serve as the prototype for each class</a:t>
+            </a:r>
+            <a:r>
+              <a:rPr kumimoji="1" lang="en-US" altLang="zh-TW" dirty="0"/>
+              <a:t>)</a:t>
+            </a:r>
+          </a:p>
+          <a:p>
+            <a:pPr lvl="1"/>
+            <a:r>
+              <a:rPr kumimoji="1" lang="zh-TW" altLang="en-US" dirty="0"/>
+              <a:t>分類方法則是找出</a:t>
+            </a:r>
+            <a:r>
+              <a:rPr kumimoji="1" lang="en-US" altLang="zh-TW" dirty="0"/>
+              <a:t>embedded query input</a:t>
+            </a:r>
+            <a:r>
+              <a:rPr kumimoji="1" lang="zh-TW" altLang="en-US" dirty="0"/>
+              <a:t>距離哪一個類別的</a:t>
+            </a:r>
+            <a:r>
+              <a:rPr kumimoji="1" lang="en-US" altLang="zh-TW" dirty="0"/>
+              <a:t>protype representation</a:t>
+            </a:r>
+            <a:r>
+              <a:rPr kumimoji="1" lang="zh-TW" altLang="en-US" dirty="0"/>
+              <a:t>最近。</a:t>
+            </a:r>
+            <a:endParaRPr kumimoji="1" lang="en-US" altLang="zh-TW" dirty="0"/>
+          </a:p>
+          <a:p>
+            <a:pPr lvl="1"/>
+            <a:endParaRPr kumimoji="1" lang="zh-TW" altLang="en-US" dirty="0"/>
           </a:p>
         </p:txBody>
       </p:sp>
     </p:spTree>
     <p:extLst>
       <p:ext uri="{BB962C8B-B14F-4D97-AF65-F5344CB8AC3E}">
-        <p14:creationId xmlns:p14="http://schemas.microsoft.com/office/powerpoint/2010/main" val="2201227569"/>
-      </p:ext>
-    </p:extLst>
-  </p:cSld>
-  <p:clrMapOvr>
-    <a:masterClrMapping/>
-  </p:clrMapOvr>
-</p:sld>
-</file>
-
-<file path=ppt/slides/slide13.xml><?xml version="1.0" encoding="utf-8"?>
-<p:sld xmlns:a="http://schemas.openxmlformats.org/drawingml/2006/main" xmlns:r="http://schemas.openxmlformats.org/officeDocument/2006/relationships" xmlns:p="http://schemas.openxmlformats.org/presentationml/2006/main">
-  <p:cSld>
-    <p:spTree>
-      <p:nvGrpSpPr>
-        <p:cNvPr id="1" name=""/>
-        <p:cNvGrpSpPr/>
-        <p:nvPr/>
-      </p:nvGrpSpPr>
-      <p:grpSpPr>
-        <a:xfrm>
-          <a:off x="0" y="0"/>
-          <a:ext cx="0" cy="0"/>
-          <a:chOff x="0" y="0"/>
-          <a:chExt cx="0" cy="0"/>
-        </a:xfrm>
-      </p:grpSpPr>
-      <p:sp>
-        <p:nvSpPr>
-          <p:cNvPr id="2" name="標題 1">
-            <a:extLst>
-              <a:ext uri="{FF2B5EF4-FFF2-40B4-BE49-F238E27FC236}">
-                <a16:creationId xmlns:a16="http://schemas.microsoft.com/office/drawing/2014/main" id="{182B5A17-5DAE-8331-1912-FFB295FF65BF}"/>
-              </a:ext>
-            </a:extLst>
-          </p:cNvPr>
-          <p:cNvSpPr>
-            <a:spLocks noGrp="1"/>
-          </p:cNvSpPr>
-          <p:nvPr>
-            <p:ph type="title"/>
-          </p:nvPr>
-        </p:nvSpPr>
-        <p:spPr/>
-        <p:txBody>
-          <a:bodyPr/>
-          <a:lstStyle/>
-          <a:p>
-            <a:r>
-              <a:rPr kumimoji="1" lang="en-US" altLang="zh-TW" dirty="0"/>
-              <a:t>Draft Thoughts-step 6</a:t>
-            </a:r>
-            <a:endParaRPr kumimoji="1" lang="zh-TW" altLang="en-US" dirty="0"/>
-          </a:p>
-        </p:txBody>
-      </p:sp>
-      <p:pic>
-        <p:nvPicPr>
-          <p:cNvPr id="6" name="內容版面配置區 5">
-            <a:extLst>
-              <a:ext uri="{FF2B5EF4-FFF2-40B4-BE49-F238E27FC236}">
-                <a16:creationId xmlns:a16="http://schemas.microsoft.com/office/drawing/2014/main" id="{CE01C456-A649-B174-7890-4589F9C5F563}"/>
-              </a:ext>
-            </a:extLst>
-          </p:cNvPr>
-          <p:cNvPicPr>
-            <a:picLocks noGrp="1" noChangeAspect="1"/>
-          </p:cNvPicPr>
-          <p:nvPr>
-            <p:ph idx="1"/>
-          </p:nvPr>
-        </p:nvPicPr>
-        <p:blipFill>
-          <a:blip r:embed="rId2"/>
-          <a:stretch>
-            <a:fillRect/>
-          </a:stretch>
-        </p:blipFill>
-        <p:spPr>
-          <a:xfrm>
-            <a:off x="4855403" y="271978"/>
-            <a:ext cx="4033224" cy="6184437"/>
-          </a:xfrm>
-        </p:spPr>
-      </p:pic>
-    </p:spTree>
-    <p:extLst>
-      <p:ext uri="{BB962C8B-B14F-4D97-AF65-F5344CB8AC3E}">
-        <p14:creationId xmlns:p14="http://schemas.microsoft.com/office/powerpoint/2010/main" val="535018006"/>
-      </p:ext>
-    </p:extLst>
-  </p:cSld>
-  <p:clrMapOvr>
-    <a:masterClrMapping/>
-  </p:clrMapOvr>
-</p:sld>
-</file>
-
-<file path=ppt/slides/slide14.xml><?xml version="1.0" encoding="utf-8"?>
-<p:sld xmlns:a="http://schemas.openxmlformats.org/drawingml/2006/main" xmlns:r="http://schemas.openxmlformats.org/officeDocument/2006/relationships" xmlns:p="http://schemas.openxmlformats.org/presentationml/2006/main">
-  <p:cSld>
-    <p:spTree>
-      <p:nvGrpSpPr>
-        <p:cNvPr id="1" name=""/>
-        <p:cNvGrpSpPr/>
-        <p:nvPr/>
-      </p:nvGrpSpPr>
-      <p:grpSpPr>
-        <a:xfrm>
-          <a:off x="0" y="0"/>
-          <a:ext cx="0" cy="0"/>
-          <a:chOff x="0" y="0"/>
-          <a:chExt cx="0" cy="0"/>
-        </a:xfrm>
-      </p:grpSpPr>
-      <p:sp>
-        <p:nvSpPr>
-          <p:cNvPr id="2" name="標題 1">
-            <a:extLst>
-              <a:ext uri="{FF2B5EF4-FFF2-40B4-BE49-F238E27FC236}">
-                <a16:creationId xmlns:a16="http://schemas.microsoft.com/office/drawing/2014/main" id="{958E27BA-CB4C-DA26-19FA-F4BBC0C4A431}"/>
-              </a:ext>
-            </a:extLst>
-          </p:cNvPr>
-          <p:cNvSpPr>
-            <a:spLocks noGrp="1"/>
-          </p:cNvSpPr>
-          <p:nvPr>
-            <p:ph type="title"/>
-          </p:nvPr>
-        </p:nvSpPr>
-        <p:spPr/>
-        <p:txBody>
-          <a:bodyPr/>
-          <a:lstStyle/>
-          <a:p>
-            <a:r>
-              <a:rPr kumimoji="1" lang="en-US" altLang="zh-TW" dirty="0"/>
-              <a:t>Draft Thoughts-step 6</a:t>
-            </a:r>
-            <a:endParaRPr kumimoji="1" lang="zh-TW" altLang="en-US" dirty="0"/>
-          </a:p>
-        </p:txBody>
-      </p:sp>
-      <p:sp>
-        <p:nvSpPr>
-          <p:cNvPr id="3" name="內容版面配置區 2">
-            <a:extLst>
-              <a:ext uri="{FF2B5EF4-FFF2-40B4-BE49-F238E27FC236}">
-                <a16:creationId xmlns:a16="http://schemas.microsoft.com/office/drawing/2014/main" id="{90664981-4128-F757-D0FF-4D0315B6D804}"/>
-              </a:ext>
-            </a:extLst>
-          </p:cNvPr>
-          <p:cNvSpPr>
-            <a:spLocks noGrp="1"/>
-          </p:cNvSpPr>
-          <p:nvPr>
-            <p:ph idx="1"/>
-          </p:nvPr>
-        </p:nvSpPr>
-        <p:spPr/>
-        <p:txBody>
-          <a:bodyPr/>
-          <a:lstStyle/>
-          <a:p>
-            <a:endParaRPr kumimoji="1" lang="zh-TW" altLang="en-US"/>
-          </a:p>
-        </p:txBody>
-      </p:sp>
-    </p:spTree>
-    <p:extLst>
-      <p:ext uri="{BB962C8B-B14F-4D97-AF65-F5344CB8AC3E}">
-        <p14:creationId xmlns:p14="http://schemas.microsoft.com/office/powerpoint/2010/main" val="2797738391"/>
-      </p:ext>
-    </p:extLst>
-  </p:cSld>
-  <p:clrMapOvr>
-    <a:masterClrMapping/>
-  </p:clrMapOvr>
-</p:sld>
-</file>
-
-<file path=ppt/slides/slide15.xml><?xml version="1.0" encoding="utf-8"?>
-<p:sld xmlns:a="http://schemas.openxmlformats.org/drawingml/2006/main" xmlns:r="http://schemas.openxmlformats.org/officeDocument/2006/relationships" xmlns:p="http://schemas.openxmlformats.org/presentationml/2006/main">
-  <p:cSld>
-    <p:spTree>
-      <p:nvGrpSpPr>
-        <p:cNvPr id="1" name=""/>
-        <p:cNvGrpSpPr/>
-        <p:nvPr/>
-      </p:nvGrpSpPr>
-      <p:grpSpPr>
-        <a:xfrm>
-          <a:off x="0" y="0"/>
-          <a:ext cx="0" cy="0"/>
-          <a:chOff x="0" y="0"/>
-          <a:chExt cx="0" cy="0"/>
-        </a:xfrm>
-      </p:grpSpPr>
-      <p:sp>
-        <p:nvSpPr>
-          <p:cNvPr id="2" name="標題 1">
-            <a:extLst>
-              <a:ext uri="{FF2B5EF4-FFF2-40B4-BE49-F238E27FC236}">
-                <a16:creationId xmlns:a16="http://schemas.microsoft.com/office/drawing/2014/main" id="{182B5A17-5DAE-8331-1912-FFB295FF65BF}"/>
-              </a:ext>
-            </a:extLst>
-          </p:cNvPr>
-          <p:cNvSpPr>
-            <a:spLocks noGrp="1"/>
-          </p:cNvSpPr>
-          <p:nvPr>
-            <p:ph type="title"/>
-          </p:nvPr>
-        </p:nvSpPr>
-        <p:spPr/>
-        <p:txBody>
-          <a:bodyPr/>
-          <a:lstStyle/>
-          <a:p>
-            <a:r>
-              <a:rPr kumimoji="1" lang="en-US" altLang="zh-TW" dirty="0"/>
-              <a:t>Draft Thoughts-step 7</a:t>
-            </a:r>
-            <a:endParaRPr kumimoji="1" lang="zh-TW" altLang="en-US" dirty="0"/>
-          </a:p>
-        </p:txBody>
-      </p:sp>
-      <p:pic>
-        <p:nvPicPr>
-          <p:cNvPr id="6" name="內容版面配置區 5">
-            <a:extLst>
-              <a:ext uri="{FF2B5EF4-FFF2-40B4-BE49-F238E27FC236}">
-                <a16:creationId xmlns:a16="http://schemas.microsoft.com/office/drawing/2014/main" id="{9725032B-7956-6D47-771B-D5C22E25CF3A}"/>
-              </a:ext>
-            </a:extLst>
-          </p:cNvPr>
-          <p:cNvPicPr>
-            <a:picLocks noGrp="1" noChangeAspect="1"/>
-          </p:cNvPicPr>
-          <p:nvPr>
-            <p:ph idx="1"/>
-          </p:nvPr>
-        </p:nvPicPr>
-        <p:blipFill>
-          <a:blip r:embed="rId2"/>
-          <a:stretch>
-            <a:fillRect/>
-          </a:stretch>
-        </p:blipFill>
-        <p:spPr>
-          <a:xfrm>
-            <a:off x="4778896" y="354356"/>
-            <a:ext cx="3969687" cy="6167877"/>
-          </a:xfrm>
-        </p:spPr>
-      </p:pic>
-    </p:spTree>
-    <p:extLst>
-      <p:ext uri="{BB962C8B-B14F-4D97-AF65-F5344CB8AC3E}">
-        <p14:creationId xmlns:p14="http://schemas.microsoft.com/office/powerpoint/2010/main" val="1768988346"/>
-      </p:ext>
-    </p:extLst>
-  </p:cSld>
-  <p:clrMapOvr>
-    <a:masterClrMapping/>
-  </p:clrMapOvr>
-</p:sld>
-</file>
-
-<file path=ppt/slides/slide16.xml><?xml version="1.0" encoding="utf-8"?>
-<p:sld xmlns:a="http://schemas.openxmlformats.org/drawingml/2006/main" xmlns:r="http://schemas.openxmlformats.org/officeDocument/2006/relationships" xmlns:p="http://schemas.openxmlformats.org/presentationml/2006/main">
-  <p:cSld>
-    <p:spTree>
-      <p:nvGrpSpPr>
-        <p:cNvPr id="1" name=""/>
-        <p:cNvGrpSpPr/>
-        <p:nvPr/>
-      </p:nvGrpSpPr>
-      <p:grpSpPr>
-        <a:xfrm>
-          <a:off x="0" y="0"/>
-          <a:ext cx="0" cy="0"/>
-          <a:chOff x="0" y="0"/>
-          <a:chExt cx="0" cy="0"/>
-        </a:xfrm>
-      </p:grpSpPr>
-      <p:sp>
-        <p:nvSpPr>
-          <p:cNvPr id="2" name="標題 1">
-            <a:extLst>
-              <a:ext uri="{FF2B5EF4-FFF2-40B4-BE49-F238E27FC236}">
-                <a16:creationId xmlns:a16="http://schemas.microsoft.com/office/drawing/2014/main" id="{958E27BA-CB4C-DA26-19FA-F4BBC0C4A431}"/>
-              </a:ext>
-            </a:extLst>
-          </p:cNvPr>
-          <p:cNvSpPr>
-            <a:spLocks noGrp="1"/>
-          </p:cNvSpPr>
-          <p:nvPr>
-            <p:ph type="title"/>
-          </p:nvPr>
-        </p:nvSpPr>
-        <p:spPr/>
-        <p:txBody>
-          <a:bodyPr/>
-          <a:lstStyle/>
-          <a:p>
-            <a:r>
-              <a:rPr kumimoji="1" lang="en-US" altLang="zh-TW" dirty="0"/>
-              <a:t>Draft </a:t>
-            </a:r>
-            <a:r>
-              <a:rPr kumimoji="1" lang="en-US" altLang="zh-TW"/>
-              <a:t>Thoughts-step 7</a:t>
-            </a:r>
-            <a:endParaRPr kumimoji="1" lang="zh-TW" altLang="en-US" dirty="0"/>
-          </a:p>
-        </p:txBody>
-      </p:sp>
-      <p:sp>
-        <p:nvSpPr>
-          <p:cNvPr id="3" name="內容版面配置區 2">
-            <a:extLst>
-              <a:ext uri="{FF2B5EF4-FFF2-40B4-BE49-F238E27FC236}">
-                <a16:creationId xmlns:a16="http://schemas.microsoft.com/office/drawing/2014/main" id="{90664981-4128-F757-D0FF-4D0315B6D804}"/>
-              </a:ext>
-            </a:extLst>
-          </p:cNvPr>
-          <p:cNvSpPr>
-            <a:spLocks noGrp="1"/>
-          </p:cNvSpPr>
-          <p:nvPr>
-            <p:ph idx="1"/>
-          </p:nvPr>
-        </p:nvSpPr>
-        <p:spPr/>
-        <p:txBody>
-          <a:bodyPr/>
-          <a:lstStyle/>
-          <a:p>
-            <a:endParaRPr kumimoji="1" lang="zh-TW" altLang="en-US" dirty="0"/>
-          </a:p>
-        </p:txBody>
-      </p:sp>
-    </p:spTree>
-    <p:extLst>
-      <p:ext uri="{BB962C8B-B14F-4D97-AF65-F5344CB8AC3E}">
-        <p14:creationId xmlns:p14="http://schemas.microsoft.com/office/powerpoint/2010/main" val="3603819945"/>
-      </p:ext>
-    </p:extLst>
-  </p:cSld>
-  <p:clrMapOvr>
-    <a:masterClrMapping/>
-  </p:clrMapOvr>
-</p:sld>
-</file>
-
-<file path=ppt/slides/slide17.xml><?xml version="1.0" encoding="utf-8"?>
-<p:sld xmlns:a="http://schemas.openxmlformats.org/drawingml/2006/main" xmlns:r="http://schemas.openxmlformats.org/officeDocument/2006/relationships" xmlns:p="http://schemas.openxmlformats.org/presentationml/2006/main">
-  <p:cSld>
-    <p:spTree>
-      <p:nvGrpSpPr>
-        <p:cNvPr id="1" name=""/>
-        <p:cNvGrpSpPr/>
-        <p:nvPr/>
-      </p:nvGrpSpPr>
-      <p:grpSpPr>
-        <a:xfrm>
-          <a:off x="0" y="0"/>
-          <a:ext cx="0" cy="0"/>
-          <a:chOff x="0" y="0"/>
-          <a:chExt cx="0" cy="0"/>
-        </a:xfrm>
-      </p:grpSpPr>
-      <p:sp>
-        <p:nvSpPr>
-          <p:cNvPr id="2" name="標題 1">
-            <a:extLst>
-              <a:ext uri="{FF2B5EF4-FFF2-40B4-BE49-F238E27FC236}">
-                <a16:creationId xmlns:a16="http://schemas.microsoft.com/office/drawing/2014/main" id="{182B5A17-5DAE-8331-1912-FFB295FF65BF}"/>
-              </a:ext>
-            </a:extLst>
-          </p:cNvPr>
-          <p:cNvSpPr>
-            <a:spLocks noGrp="1"/>
-          </p:cNvSpPr>
-          <p:nvPr>
-            <p:ph type="title"/>
-          </p:nvPr>
-        </p:nvSpPr>
-        <p:spPr/>
-        <p:txBody>
-          <a:bodyPr/>
-          <a:lstStyle/>
-          <a:p>
-            <a:r>
-              <a:rPr kumimoji="1" lang="en-US" altLang="zh-TW" dirty="0"/>
-              <a:t>Draft Thoughts-step 2</a:t>
-            </a:r>
-            <a:endParaRPr kumimoji="1" lang="zh-TW" altLang="en-US" dirty="0"/>
-          </a:p>
-        </p:txBody>
-      </p:sp>
-      <p:pic>
-        <p:nvPicPr>
-          <p:cNvPr id="7" name="內容版面配置區 6">
-            <a:extLst>
-              <a:ext uri="{FF2B5EF4-FFF2-40B4-BE49-F238E27FC236}">
-                <a16:creationId xmlns:a16="http://schemas.microsoft.com/office/drawing/2014/main" id="{59059446-938B-CD8A-6EE0-AFD941DB903A}"/>
-              </a:ext>
-            </a:extLst>
-          </p:cNvPr>
-          <p:cNvPicPr>
-            <a:picLocks noGrp="1" noChangeAspect="1"/>
-          </p:cNvPicPr>
-          <p:nvPr>
-            <p:ph idx="1"/>
-          </p:nvPr>
-        </p:nvPicPr>
-        <p:blipFill>
-          <a:blip r:embed="rId2"/>
-          <a:stretch>
-            <a:fillRect/>
-          </a:stretch>
-        </p:blipFill>
-        <p:spPr>
-          <a:xfrm>
-            <a:off x="4357530" y="1128713"/>
-            <a:ext cx="3334066" cy="5227637"/>
-          </a:xfrm>
-        </p:spPr>
-      </p:pic>
-    </p:spTree>
-    <p:extLst>
-      <p:ext uri="{BB962C8B-B14F-4D97-AF65-F5344CB8AC3E}">
-        <p14:creationId xmlns:p14="http://schemas.microsoft.com/office/powerpoint/2010/main" val="2143448111"/>
-      </p:ext>
-    </p:extLst>
-  </p:cSld>
-  <p:clrMapOvr>
-    <a:masterClrMapping/>
-  </p:clrMapOvr>
-</p:sld>
-</file>
-
-<file path=ppt/slides/slide18.xml><?xml version="1.0" encoding="utf-8"?>
-<p:sld xmlns:a="http://schemas.openxmlformats.org/drawingml/2006/main" xmlns:r="http://schemas.openxmlformats.org/officeDocument/2006/relationships" xmlns:p="http://schemas.openxmlformats.org/presentationml/2006/main">
-  <p:cSld>
-    <p:spTree>
-      <p:nvGrpSpPr>
-        <p:cNvPr id="1" name=""/>
-        <p:cNvGrpSpPr/>
-        <p:nvPr/>
-      </p:nvGrpSpPr>
-      <p:grpSpPr>
-        <a:xfrm>
-          <a:off x="0" y="0"/>
-          <a:ext cx="0" cy="0"/>
-          <a:chOff x="0" y="0"/>
-          <a:chExt cx="0" cy="0"/>
-        </a:xfrm>
-      </p:grpSpPr>
-      <p:sp>
-        <p:nvSpPr>
-          <p:cNvPr id="2" name="標題 1">
-            <a:extLst>
-              <a:ext uri="{FF2B5EF4-FFF2-40B4-BE49-F238E27FC236}">
-                <a16:creationId xmlns:a16="http://schemas.microsoft.com/office/drawing/2014/main" id="{958E27BA-CB4C-DA26-19FA-F4BBC0C4A431}"/>
-              </a:ext>
-            </a:extLst>
-          </p:cNvPr>
-          <p:cNvSpPr>
-            <a:spLocks noGrp="1"/>
-          </p:cNvSpPr>
-          <p:nvPr>
-            <p:ph type="title"/>
-          </p:nvPr>
-        </p:nvSpPr>
-        <p:spPr/>
-        <p:txBody>
-          <a:bodyPr/>
-          <a:lstStyle/>
-          <a:p>
-            <a:endParaRPr kumimoji="1" lang="zh-TW" altLang="en-US"/>
-          </a:p>
-        </p:txBody>
-      </p:sp>
-      <p:sp>
-        <p:nvSpPr>
-          <p:cNvPr id="3" name="內容版面配置區 2">
-            <a:extLst>
-              <a:ext uri="{FF2B5EF4-FFF2-40B4-BE49-F238E27FC236}">
-                <a16:creationId xmlns:a16="http://schemas.microsoft.com/office/drawing/2014/main" id="{90664981-4128-F757-D0FF-4D0315B6D804}"/>
-              </a:ext>
-            </a:extLst>
-          </p:cNvPr>
-          <p:cNvSpPr>
-            <a:spLocks noGrp="1"/>
-          </p:cNvSpPr>
-          <p:nvPr>
-            <p:ph idx="1"/>
-          </p:nvPr>
-        </p:nvSpPr>
-        <p:spPr/>
-        <p:txBody>
-          <a:bodyPr/>
-          <a:lstStyle/>
-          <a:p>
-            <a:endParaRPr kumimoji="1" lang="zh-TW" altLang="en-US"/>
-          </a:p>
-        </p:txBody>
-      </p:sp>
-    </p:spTree>
-    <p:extLst>
-      <p:ext uri="{BB962C8B-B14F-4D97-AF65-F5344CB8AC3E}">
-        <p14:creationId xmlns:p14="http://schemas.microsoft.com/office/powerpoint/2010/main" val="563850292"/>
+        <p14:creationId xmlns:p14="http://schemas.microsoft.com/office/powerpoint/2010/main" val="1114560568"/>
       </p:ext>
     </p:extLst>
   </p:cSld>
@@ -4296,7 +4048,7 @@
           <p:cNvPr id="2" name="標題 1">
             <a:extLst>
               <a:ext uri="{FF2B5EF4-FFF2-40B4-BE49-F238E27FC236}">
-                <a16:creationId xmlns:a16="http://schemas.microsoft.com/office/drawing/2014/main" id="{E1636E7A-1007-B54E-9218-BFCE144DD1B4}"/>
+                <a16:creationId xmlns:a16="http://schemas.microsoft.com/office/drawing/2014/main" id="{D2A559B3-BB84-F68E-494F-09B1C8FD64AD}"/>
               </a:ext>
             </a:extLst>
           </p:cNvPr>
@@ -4313,6 +4065,2571 @@
           <a:lstStyle/>
           <a:p>
             <a:r>
+              <a:rPr kumimoji="1" lang="zh-TW" altLang="en-US" dirty="0"/>
+              <a:t>研究目的</a:t>
+            </a:r>
+          </a:p>
+        </p:txBody>
+      </p:sp>
+      <p:sp>
+        <p:nvSpPr>
+          <p:cNvPr id="3" name="內容版面配置區 2">
+            <a:extLst>
+              <a:ext uri="{FF2B5EF4-FFF2-40B4-BE49-F238E27FC236}">
+                <a16:creationId xmlns:a16="http://schemas.microsoft.com/office/drawing/2014/main" id="{0AAD57F7-CBDE-9E1D-D68E-B15CD470BB17}"/>
+              </a:ext>
+            </a:extLst>
+          </p:cNvPr>
+          <p:cNvSpPr>
+            <a:spLocks noGrp="1"/>
+          </p:cNvSpPr>
+          <p:nvPr>
+            <p:ph idx="1"/>
+          </p:nvPr>
+        </p:nvSpPr>
+        <p:spPr/>
+        <p:txBody>
+          <a:bodyPr/>
+          <a:lstStyle/>
+          <a:p>
+            <a:r>
+              <a:rPr kumimoji="1" lang="zh-TW" altLang="en-US" dirty="0"/>
+              <a:t>採用少量的數據產生好的聲音分類模型</a:t>
+            </a:r>
+            <a:endParaRPr kumimoji="1" lang="en-US" altLang="zh-TW" dirty="0"/>
+          </a:p>
+          <a:p>
+            <a:r>
+              <a:rPr kumimoji="1" lang="zh-TW" altLang="en-US" dirty="0"/>
+              <a:t>好的模型代表：</a:t>
+            </a:r>
+            <a:endParaRPr kumimoji="1" lang="en-US" altLang="zh-TW" dirty="0"/>
+          </a:p>
+          <a:p>
+            <a:pPr lvl="1"/>
+            <a:r>
+              <a:rPr kumimoji="1" lang="zh-TW" altLang="en-US" dirty="0"/>
+              <a:t>泛化能力好。</a:t>
+            </a:r>
+            <a:endParaRPr kumimoji="1" lang="en-US" altLang="zh-TW" dirty="0"/>
+          </a:p>
+          <a:p>
+            <a:pPr lvl="1"/>
+            <a:r>
+              <a:rPr kumimoji="1" lang="zh-TW" altLang="en-US" dirty="0"/>
+              <a:t>小模型一樣達成接近較大模型的分類能力。</a:t>
+            </a:r>
+            <a:endParaRPr kumimoji="1" lang="en-US" altLang="zh-TW" dirty="0"/>
+          </a:p>
+          <a:p>
+            <a:pPr lvl="1"/>
+            <a:r>
+              <a:rPr kumimoji="1" lang="zh-TW" altLang="en-US" dirty="0"/>
+              <a:t>準確率高。</a:t>
+            </a:r>
+          </a:p>
+        </p:txBody>
+      </p:sp>
+    </p:spTree>
+    <p:extLst>
+      <p:ext uri="{BB962C8B-B14F-4D97-AF65-F5344CB8AC3E}">
+        <p14:creationId xmlns:p14="http://schemas.microsoft.com/office/powerpoint/2010/main" val="2818951094"/>
+      </p:ext>
+    </p:extLst>
+  </p:cSld>
+  <p:clrMapOvr>
+    <a:masterClrMapping/>
+  </p:clrMapOvr>
+</p:sld>
+</file>
+
+<file path=ppt/slides/slide3.xml><?xml version="1.0" encoding="utf-8"?>
+<p:sld xmlns:a="http://schemas.openxmlformats.org/drawingml/2006/main" xmlns:r="http://schemas.openxmlformats.org/officeDocument/2006/relationships" xmlns:p="http://schemas.openxmlformats.org/presentationml/2006/main">
+  <p:cSld>
+    <p:spTree>
+      <p:nvGrpSpPr>
+        <p:cNvPr id="1" name=""/>
+        <p:cNvGrpSpPr/>
+        <p:nvPr/>
+      </p:nvGrpSpPr>
+      <p:grpSpPr>
+        <a:xfrm>
+          <a:off x="0" y="0"/>
+          <a:ext cx="0" cy="0"/>
+          <a:chOff x="0" y="0"/>
+          <a:chExt cx="0" cy="0"/>
+        </a:xfrm>
+      </p:grpSpPr>
+      <p:sp>
+        <p:nvSpPr>
+          <p:cNvPr id="2" name="標題 1">
+            <a:extLst>
+              <a:ext uri="{FF2B5EF4-FFF2-40B4-BE49-F238E27FC236}">
+                <a16:creationId xmlns:a16="http://schemas.microsoft.com/office/drawing/2014/main" id="{98F0BD7F-50BC-AC97-5621-DC9F622CBAFA}"/>
+              </a:ext>
+            </a:extLst>
+          </p:cNvPr>
+          <p:cNvSpPr>
+            <a:spLocks noGrp="1"/>
+          </p:cNvSpPr>
+          <p:nvPr>
+            <p:ph type="title"/>
+          </p:nvPr>
+        </p:nvSpPr>
+        <p:spPr/>
+        <p:txBody>
+          <a:bodyPr/>
+          <a:lstStyle/>
+          <a:p>
+            <a:r>
+              <a:rPr kumimoji="1" lang="en-US" altLang="zh-TW" dirty="0" err="1"/>
+              <a:t>BC-Learning+ProtoNet</a:t>
+            </a:r>
+            <a:r>
+              <a:rPr kumimoji="1" lang="zh-TW" altLang="en-US" dirty="0"/>
+              <a:t>想法</a:t>
+            </a:r>
+          </a:p>
+        </p:txBody>
+      </p:sp>
+      <p:sp>
+        <p:nvSpPr>
+          <p:cNvPr id="3" name="內容版面配置區 2">
+            <a:extLst>
+              <a:ext uri="{FF2B5EF4-FFF2-40B4-BE49-F238E27FC236}">
+                <a16:creationId xmlns:a16="http://schemas.microsoft.com/office/drawing/2014/main" id="{565624B5-E4AE-C2BD-C8C7-EC23DD5C61F6}"/>
+              </a:ext>
+            </a:extLst>
+          </p:cNvPr>
+          <p:cNvSpPr>
+            <a:spLocks noGrp="1"/>
+          </p:cNvSpPr>
+          <p:nvPr>
+            <p:ph idx="1"/>
+          </p:nvPr>
+        </p:nvSpPr>
+        <p:spPr/>
+        <p:txBody>
+          <a:bodyPr/>
+          <a:lstStyle/>
+          <a:p>
+            <a:pPr>
+              <a:lnSpc>
+                <a:spcPct val="150000"/>
+              </a:lnSpc>
+            </a:pPr>
+            <a:r>
+              <a:rPr kumimoji="1" lang="en-US" altLang="zh-TW" dirty="0"/>
+              <a:t>BC-learning</a:t>
+            </a:r>
+            <a:r>
+              <a:rPr kumimoji="1" lang="zh-TW" altLang="en-US" dirty="0"/>
+              <a:t>簡單來說：</a:t>
+            </a:r>
+            <a:endParaRPr kumimoji="1" lang="en-US" altLang="zh-TW" dirty="0"/>
+          </a:p>
+          <a:p>
+            <a:pPr lvl="1"/>
+            <a:r>
+              <a:rPr kumimoji="1" lang="zh-TW" altLang="en-US" dirty="0"/>
+              <a:t>有</a:t>
+            </a:r>
+            <a:r>
+              <a:rPr kumimoji="1" lang="en-US" altLang="zh-TW" dirty="0"/>
+              <a:t>Data-Augmentation</a:t>
+            </a:r>
+            <a:r>
+              <a:rPr kumimoji="1" lang="zh-TW" altLang="en-US" dirty="0"/>
+              <a:t>的功能。</a:t>
+            </a:r>
+            <a:endParaRPr kumimoji="1" lang="en-US" altLang="zh-TW" dirty="0"/>
+          </a:p>
+          <a:p>
+            <a:pPr lvl="1"/>
+            <a:r>
+              <a:rPr kumimoji="1" lang="zh-TW" altLang="en-US" dirty="0"/>
+              <a:t>強化</a:t>
+            </a:r>
+            <a:r>
+              <a:rPr kumimoji="1" lang="en-US" altLang="zh-TW" dirty="0"/>
+              <a:t>Fisher’s Criterion</a:t>
+            </a:r>
+            <a:r>
+              <a:rPr kumimoji="1" lang="zh-TW" altLang="en-US" dirty="0"/>
+              <a:t>以達成更好的分類。</a:t>
+            </a:r>
+            <a:endParaRPr kumimoji="1" lang="en-US" altLang="zh-TW" dirty="0"/>
+          </a:p>
+          <a:p>
+            <a:pPr>
+              <a:lnSpc>
+                <a:spcPct val="150000"/>
+              </a:lnSpc>
+            </a:pPr>
+            <a:r>
+              <a:rPr kumimoji="1" lang="en-US" altLang="zh-TW" dirty="0"/>
+              <a:t>Proto-Net</a:t>
+            </a:r>
+            <a:r>
+              <a:rPr kumimoji="1" lang="zh-TW" altLang="en-US" dirty="0"/>
+              <a:t>簡單來說，做二件事：</a:t>
+            </a:r>
+            <a:endParaRPr kumimoji="1" lang="en-US" altLang="zh-TW" dirty="0"/>
+          </a:p>
+          <a:p>
+            <a:pPr lvl="1"/>
+            <a:r>
+              <a:rPr kumimoji="1" lang="zh-TW" altLang="en-US" dirty="0"/>
+              <a:t>學習</a:t>
+            </a:r>
+            <a:r>
+              <a:rPr kumimoji="1" lang="en-US" altLang="zh-TW" dirty="0" err="1"/>
+              <a:t>input→embedding</a:t>
+            </a:r>
+            <a:r>
+              <a:rPr kumimoji="1" lang="zh-TW" altLang="en-US" dirty="0"/>
+              <a:t>的非線性映射。</a:t>
+            </a:r>
+            <a:endParaRPr kumimoji="1" lang="en-US" altLang="zh-TW" dirty="0"/>
+          </a:p>
+          <a:p>
+            <a:pPr lvl="1"/>
+            <a:r>
+              <a:rPr kumimoji="1" lang="zh-TW" altLang="en-US" dirty="0"/>
+              <a:t>計算類別的</a:t>
+            </a:r>
+            <a:r>
+              <a:rPr kumimoji="1" lang="en-US" altLang="zh-TW" dirty="0"/>
+              <a:t>protype representation</a:t>
+            </a:r>
+            <a:r>
+              <a:rPr kumimoji="1" lang="zh-TW" altLang="en-US" dirty="0"/>
+              <a:t>。</a:t>
+            </a:r>
+            <a:endParaRPr kumimoji="1" lang="en-US" altLang="zh-TW" dirty="0"/>
+          </a:p>
+          <a:p>
+            <a:pPr>
+              <a:lnSpc>
+                <a:spcPct val="150000"/>
+              </a:lnSpc>
+            </a:pPr>
+            <a:r>
+              <a:rPr kumimoji="1" lang="zh-TW" altLang="en-US" dirty="0"/>
+              <a:t>結合</a:t>
+            </a:r>
+            <a:r>
+              <a:rPr kumimoji="1" lang="en-US" altLang="zh-TW" dirty="0"/>
+              <a:t>BC-Learning</a:t>
+            </a:r>
+            <a:r>
+              <a:rPr kumimoji="1" lang="zh-TW" altLang="en-US" dirty="0"/>
+              <a:t>及</a:t>
+            </a:r>
+            <a:r>
+              <a:rPr kumimoji="1" lang="en-US" altLang="zh-TW" dirty="0" err="1"/>
+              <a:t>ProtoNet</a:t>
+            </a:r>
+            <a:r>
+              <a:rPr kumimoji="1" lang="zh-TW" altLang="en-US" dirty="0"/>
+              <a:t>的目的：</a:t>
+            </a:r>
+            <a:endParaRPr kumimoji="1" lang="en-US" altLang="zh-TW" dirty="0"/>
+          </a:p>
+          <a:p>
+            <a:pPr lvl="1">
+              <a:lnSpc>
+                <a:spcPct val="150000"/>
+              </a:lnSpc>
+            </a:pPr>
+            <a:r>
+              <a:rPr kumimoji="1" lang="zh-TW" altLang="en-US" dirty="0"/>
+              <a:t>以</a:t>
+            </a:r>
+            <a:r>
+              <a:rPr kumimoji="1" lang="zh-TW" altLang="en-US" dirty="0">
+                <a:solidFill>
+                  <a:srgbClr val="FF0000"/>
+                </a:solidFill>
+              </a:rPr>
+              <a:t>更少的樣本</a:t>
+            </a:r>
+            <a:r>
+              <a:rPr kumimoji="1" lang="zh-TW" altLang="en-US" dirty="0"/>
+              <a:t>得到</a:t>
+            </a:r>
+            <a:r>
+              <a:rPr kumimoji="1" lang="zh-TW" altLang="en-US" dirty="0">
+                <a:solidFill>
+                  <a:srgbClr val="FF0000"/>
+                </a:solidFill>
+              </a:rPr>
+              <a:t>泛化更好的</a:t>
+            </a:r>
+            <a:r>
+              <a:rPr kumimoji="1" lang="zh-TW" altLang="en-US" dirty="0"/>
+              <a:t>訓練模型。</a:t>
+            </a:r>
+            <a:endParaRPr kumimoji="1" lang="en-US" altLang="zh-TW" dirty="0"/>
+          </a:p>
+        </p:txBody>
+      </p:sp>
+    </p:spTree>
+    <p:extLst>
+      <p:ext uri="{BB962C8B-B14F-4D97-AF65-F5344CB8AC3E}">
+        <p14:creationId xmlns:p14="http://schemas.microsoft.com/office/powerpoint/2010/main" val="336732703"/>
+      </p:ext>
+    </p:extLst>
+  </p:cSld>
+  <p:clrMapOvr>
+    <a:masterClrMapping/>
+  </p:clrMapOvr>
+</p:sld>
+</file>
+
+<file path=ppt/slides/slide4.xml><?xml version="1.0" encoding="utf-8"?>
+<p:sld xmlns:a="http://schemas.openxmlformats.org/drawingml/2006/main" xmlns:r="http://schemas.openxmlformats.org/officeDocument/2006/relationships" xmlns:p="http://schemas.openxmlformats.org/presentationml/2006/main">
+  <p:cSld>
+    <p:spTree>
+      <p:nvGrpSpPr>
+        <p:cNvPr id="1" name=""/>
+        <p:cNvGrpSpPr/>
+        <p:nvPr/>
+      </p:nvGrpSpPr>
+      <p:grpSpPr>
+        <a:xfrm>
+          <a:off x="0" y="0"/>
+          <a:ext cx="0" cy="0"/>
+          <a:chOff x="0" y="0"/>
+          <a:chExt cx="0" cy="0"/>
+        </a:xfrm>
+      </p:grpSpPr>
+      <p:grpSp>
+        <p:nvGrpSpPr>
+          <p:cNvPr id="28" name="群組 27">
+            <a:extLst>
+              <a:ext uri="{FF2B5EF4-FFF2-40B4-BE49-F238E27FC236}">
+                <a16:creationId xmlns:a16="http://schemas.microsoft.com/office/drawing/2014/main" id="{2E28439A-96E4-C80C-390F-5872B7BD8D95}"/>
+              </a:ext>
+            </a:extLst>
+          </p:cNvPr>
+          <p:cNvGrpSpPr/>
+          <p:nvPr/>
+        </p:nvGrpSpPr>
+        <p:grpSpPr>
+          <a:xfrm>
+            <a:off x="1767016" y="1417700"/>
+            <a:ext cx="8657967" cy="4506098"/>
+            <a:chOff x="1767016" y="1013253"/>
+            <a:chExt cx="8657967" cy="4506098"/>
+          </a:xfrm>
+        </p:grpSpPr>
+        <p:sp>
+          <p:nvSpPr>
+            <p:cNvPr id="4" name="平行四邊形 3">
+              <a:extLst>
+                <a:ext uri="{FF2B5EF4-FFF2-40B4-BE49-F238E27FC236}">
+                  <a16:creationId xmlns:a16="http://schemas.microsoft.com/office/drawing/2014/main" id="{62B48AB7-2EE6-6312-B89E-0A04A84338AB}"/>
+                </a:ext>
+              </a:extLst>
+            </p:cNvPr>
+            <p:cNvSpPr/>
+            <p:nvPr/>
+          </p:nvSpPr>
+          <p:spPr>
+            <a:xfrm>
+              <a:off x="1767016" y="1013253"/>
+              <a:ext cx="8657967" cy="4506098"/>
+            </a:xfrm>
+            <a:prstGeom prst="parallelogram">
+              <a:avLst/>
+            </a:prstGeom>
+            <a:noFill/>
+            <a:ln>
+              <a:solidFill>
+                <a:schemeClr val="tx1"/>
+              </a:solidFill>
+            </a:ln>
+          </p:spPr>
+          <p:style>
+            <a:lnRef idx="2">
+              <a:schemeClr val="accent1">
+                <a:shade val="50000"/>
+              </a:schemeClr>
+            </a:lnRef>
+            <a:fillRef idx="1">
+              <a:schemeClr val="accent1"/>
+            </a:fillRef>
+            <a:effectRef idx="0">
+              <a:schemeClr val="accent1"/>
+            </a:effectRef>
+            <a:fontRef idx="minor">
+              <a:schemeClr val="lt1"/>
+            </a:fontRef>
+          </p:style>
+          <p:txBody>
+            <a:bodyPr rtlCol="0" anchor="ctr"/>
+            <a:lstStyle/>
+            <a:p>
+              <a:pPr algn="ctr"/>
+              <a:endParaRPr kumimoji="1" lang="zh-TW" altLang="en-US"/>
+            </a:p>
+          </p:txBody>
+        </p:sp>
+        <p:cxnSp>
+          <p:nvCxnSpPr>
+            <p:cNvPr id="6" name="直線接點 5">
+              <a:extLst>
+                <a:ext uri="{FF2B5EF4-FFF2-40B4-BE49-F238E27FC236}">
+                  <a16:creationId xmlns:a16="http://schemas.microsoft.com/office/drawing/2014/main" id="{4E301533-6808-C339-F0CE-16425DE22B13}"/>
+                </a:ext>
+              </a:extLst>
+            </p:cNvPr>
+            <p:cNvCxnSpPr>
+              <a:cxnSpLocks/>
+            </p:cNvCxnSpPr>
+            <p:nvPr/>
+          </p:nvCxnSpPr>
+          <p:spPr>
+            <a:xfrm>
+              <a:off x="2899719" y="1013253"/>
+              <a:ext cx="3534032" cy="1787612"/>
+            </a:xfrm>
+            <a:prstGeom prst="line">
+              <a:avLst/>
+            </a:prstGeom>
+            <a:ln w="28575"/>
+          </p:spPr>
+          <p:style>
+            <a:lnRef idx="1">
+              <a:schemeClr val="dk1"/>
+            </a:lnRef>
+            <a:fillRef idx="0">
+              <a:schemeClr val="dk1"/>
+            </a:fillRef>
+            <a:effectRef idx="0">
+              <a:schemeClr val="dk1"/>
+            </a:effectRef>
+            <a:fontRef idx="minor">
+              <a:schemeClr val="tx1"/>
+            </a:fontRef>
+          </p:style>
+        </p:cxnSp>
+        <p:cxnSp>
+          <p:nvCxnSpPr>
+            <p:cNvPr id="7" name="直線接點 6">
+              <a:extLst>
+                <a:ext uri="{FF2B5EF4-FFF2-40B4-BE49-F238E27FC236}">
+                  <a16:creationId xmlns:a16="http://schemas.microsoft.com/office/drawing/2014/main" id="{8879D48A-D07A-0F63-CABB-D7C60B5A6665}"/>
+                </a:ext>
+              </a:extLst>
+            </p:cNvPr>
+            <p:cNvCxnSpPr>
+              <a:cxnSpLocks/>
+            </p:cNvCxnSpPr>
+            <p:nvPr/>
+          </p:nvCxnSpPr>
+          <p:spPr>
+            <a:xfrm flipV="1">
+              <a:off x="3756454" y="2817342"/>
+              <a:ext cx="2677297" cy="2702009"/>
+            </a:xfrm>
+            <a:prstGeom prst="line">
+              <a:avLst/>
+            </a:prstGeom>
+            <a:ln w="28575"/>
+          </p:spPr>
+          <p:style>
+            <a:lnRef idx="1">
+              <a:schemeClr val="dk1"/>
+            </a:lnRef>
+            <a:fillRef idx="0">
+              <a:schemeClr val="dk1"/>
+            </a:fillRef>
+            <a:effectRef idx="0">
+              <a:schemeClr val="dk1"/>
+            </a:effectRef>
+            <a:fontRef idx="minor">
+              <a:schemeClr val="tx1"/>
+            </a:fontRef>
+          </p:style>
+        </p:cxnSp>
+        <p:cxnSp>
+          <p:nvCxnSpPr>
+            <p:cNvPr id="16" name="直線接點 15">
+              <a:extLst>
+                <a:ext uri="{FF2B5EF4-FFF2-40B4-BE49-F238E27FC236}">
+                  <a16:creationId xmlns:a16="http://schemas.microsoft.com/office/drawing/2014/main" id="{236F8DD2-237D-ECF1-356D-7899F8E2942D}"/>
+                </a:ext>
+              </a:extLst>
+            </p:cNvPr>
+            <p:cNvCxnSpPr>
+              <a:cxnSpLocks/>
+            </p:cNvCxnSpPr>
+            <p:nvPr/>
+          </p:nvCxnSpPr>
+          <p:spPr>
+            <a:xfrm>
+              <a:off x="6433751" y="2800865"/>
+              <a:ext cx="2858530" cy="2718486"/>
+            </a:xfrm>
+            <a:prstGeom prst="line">
+              <a:avLst/>
+            </a:prstGeom>
+            <a:ln w="28575"/>
+          </p:spPr>
+          <p:style>
+            <a:lnRef idx="1">
+              <a:schemeClr val="dk1"/>
+            </a:lnRef>
+            <a:fillRef idx="0">
+              <a:schemeClr val="dk1"/>
+            </a:fillRef>
+            <a:effectRef idx="0">
+              <a:schemeClr val="dk1"/>
+            </a:effectRef>
+            <a:fontRef idx="minor">
+              <a:schemeClr val="tx1"/>
+            </a:fontRef>
+          </p:style>
+        </p:cxnSp>
+      </p:grpSp>
+      <p:sp>
+        <p:nvSpPr>
+          <p:cNvPr id="29" name="橢圓 28">
+            <a:extLst>
+              <a:ext uri="{FF2B5EF4-FFF2-40B4-BE49-F238E27FC236}">
+                <a16:creationId xmlns:a16="http://schemas.microsoft.com/office/drawing/2014/main" id="{53C5FB20-76B2-6F7F-5C3A-2F01B5A60F6B}"/>
+              </a:ext>
+            </a:extLst>
+          </p:cNvPr>
+          <p:cNvSpPr/>
+          <p:nvPr/>
+        </p:nvSpPr>
+        <p:spPr>
+          <a:xfrm>
+            <a:off x="3146854" y="3464803"/>
+            <a:ext cx="477796" cy="444843"/>
+          </a:xfrm>
+          <a:prstGeom prst="ellipse">
+            <a:avLst/>
+          </a:prstGeom>
+          <a:solidFill>
+            <a:schemeClr val="accent2">
+              <a:lumMod val="20000"/>
+              <a:lumOff val="80000"/>
+            </a:schemeClr>
+          </a:solidFill>
+          <a:ln>
+            <a:solidFill>
+              <a:schemeClr val="tx1"/>
+            </a:solidFill>
+          </a:ln>
+        </p:spPr>
+        <p:style>
+          <a:lnRef idx="2">
+            <a:schemeClr val="accent1">
+              <a:shade val="50000"/>
+            </a:schemeClr>
+          </a:lnRef>
+          <a:fillRef idx="1">
+            <a:schemeClr val="accent1"/>
+          </a:fillRef>
+          <a:effectRef idx="0">
+            <a:schemeClr val="accent1"/>
+          </a:effectRef>
+          <a:fontRef idx="minor">
+            <a:schemeClr val="lt1"/>
+          </a:fontRef>
+        </p:style>
+        <p:txBody>
+          <a:bodyPr rtlCol="0" anchor="ctr"/>
+          <a:lstStyle/>
+          <a:p>
+            <a:pPr algn="ctr"/>
+            <a:endParaRPr kumimoji="1" lang="zh-TW" altLang="en-US" sz="1000" dirty="0">
+              <a:solidFill>
+                <a:schemeClr val="tx1"/>
+              </a:solidFill>
+            </a:endParaRPr>
+          </a:p>
+        </p:txBody>
+      </p:sp>
+      <p:sp>
+        <p:nvSpPr>
+          <p:cNvPr id="31" name="橢圓 30">
+            <a:extLst>
+              <a:ext uri="{FF2B5EF4-FFF2-40B4-BE49-F238E27FC236}">
+                <a16:creationId xmlns:a16="http://schemas.microsoft.com/office/drawing/2014/main" id="{FA89F92C-699E-50B1-FC56-6EA66A0F6A06}"/>
+              </a:ext>
+            </a:extLst>
+          </p:cNvPr>
+          <p:cNvSpPr/>
+          <p:nvPr/>
+        </p:nvSpPr>
+        <p:spPr>
+          <a:xfrm>
+            <a:off x="2767226" y="3981466"/>
+            <a:ext cx="168875" cy="144163"/>
+          </a:xfrm>
+          <a:prstGeom prst="ellipse">
+            <a:avLst/>
+          </a:prstGeom>
+          <a:solidFill>
+            <a:schemeClr val="accent2"/>
+          </a:solidFill>
+          <a:ln>
+            <a:solidFill>
+              <a:schemeClr val="tx1"/>
+            </a:solidFill>
+          </a:ln>
+        </p:spPr>
+        <p:style>
+          <a:lnRef idx="2">
+            <a:schemeClr val="accent1">
+              <a:shade val="50000"/>
+            </a:schemeClr>
+          </a:lnRef>
+          <a:fillRef idx="1">
+            <a:schemeClr val="accent1"/>
+          </a:fillRef>
+          <a:effectRef idx="0">
+            <a:schemeClr val="accent1"/>
+          </a:effectRef>
+          <a:fontRef idx="minor">
+            <a:schemeClr val="lt1"/>
+          </a:fontRef>
+        </p:style>
+        <p:txBody>
+          <a:bodyPr rtlCol="0" anchor="ctr"/>
+          <a:lstStyle/>
+          <a:p>
+            <a:pPr algn="ctr"/>
+            <a:endParaRPr kumimoji="1" lang="zh-TW" altLang="en-US" sz="800" dirty="0">
+              <a:solidFill>
+                <a:schemeClr val="tx1"/>
+              </a:solidFill>
+            </a:endParaRPr>
+          </a:p>
+        </p:txBody>
+      </p:sp>
+      <p:sp>
+        <p:nvSpPr>
+          <p:cNvPr id="32" name="橢圓 31">
+            <a:extLst>
+              <a:ext uri="{FF2B5EF4-FFF2-40B4-BE49-F238E27FC236}">
+                <a16:creationId xmlns:a16="http://schemas.microsoft.com/office/drawing/2014/main" id="{49B4F58E-B2BF-5A3F-4F3B-BFDFD8B012D5}"/>
+              </a:ext>
+            </a:extLst>
+          </p:cNvPr>
+          <p:cNvSpPr/>
+          <p:nvPr/>
+        </p:nvSpPr>
+        <p:spPr>
+          <a:xfrm>
+            <a:off x="3062416" y="2752230"/>
+            <a:ext cx="168875" cy="144163"/>
+          </a:xfrm>
+          <a:prstGeom prst="ellipse">
+            <a:avLst/>
+          </a:prstGeom>
+          <a:solidFill>
+            <a:schemeClr val="accent1">
+              <a:lumMod val="40000"/>
+              <a:lumOff val="60000"/>
+            </a:schemeClr>
+          </a:solidFill>
+          <a:ln>
+            <a:solidFill>
+              <a:schemeClr val="tx1"/>
+            </a:solidFill>
+          </a:ln>
+        </p:spPr>
+        <p:style>
+          <a:lnRef idx="2">
+            <a:schemeClr val="accent1">
+              <a:shade val="50000"/>
+            </a:schemeClr>
+          </a:lnRef>
+          <a:fillRef idx="1">
+            <a:schemeClr val="accent1"/>
+          </a:fillRef>
+          <a:effectRef idx="0">
+            <a:schemeClr val="accent1"/>
+          </a:effectRef>
+          <a:fontRef idx="minor">
+            <a:schemeClr val="lt1"/>
+          </a:fontRef>
+        </p:style>
+        <p:txBody>
+          <a:bodyPr rtlCol="0" anchor="ctr"/>
+          <a:lstStyle/>
+          <a:p>
+            <a:pPr algn="ctr"/>
+            <a:endParaRPr kumimoji="1" lang="zh-TW" altLang="en-US" sz="800" dirty="0">
+              <a:solidFill>
+                <a:schemeClr val="tx1"/>
+              </a:solidFill>
+            </a:endParaRPr>
+          </a:p>
+        </p:txBody>
+      </p:sp>
+      <p:sp>
+        <p:nvSpPr>
+          <p:cNvPr id="33" name="橢圓 32">
+            <a:extLst>
+              <a:ext uri="{FF2B5EF4-FFF2-40B4-BE49-F238E27FC236}">
+                <a16:creationId xmlns:a16="http://schemas.microsoft.com/office/drawing/2014/main" id="{B591766C-7E97-0539-5B87-C17BEACE8F0C}"/>
+              </a:ext>
+            </a:extLst>
+          </p:cNvPr>
+          <p:cNvSpPr/>
+          <p:nvPr/>
+        </p:nvSpPr>
+        <p:spPr>
+          <a:xfrm>
+            <a:off x="3756454" y="4317420"/>
+            <a:ext cx="168875" cy="144163"/>
+          </a:xfrm>
+          <a:prstGeom prst="ellipse">
+            <a:avLst/>
+          </a:prstGeom>
+          <a:solidFill>
+            <a:schemeClr val="accent6">
+              <a:lumMod val="75000"/>
+            </a:schemeClr>
+          </a:solidFill>
+          <a:ln>
+            <a:solidFill>
+              <a:schemeClr val="tx1"/>
+            </a:solidFill>
+          </a:ln>
+        </p:spPr>
+        <p:style>
+          <a:lnRef idx="2">
+            <a:schemeClr val="accent1">
+              <a:shade val="50000"/>
+            </a:schemeClr>
+          </a:lnRef>
+          <a:fillRef idx="1">
+            <a:schemeClr val="accent1"/>
+          </a:fillRef>
+          <a:effectRef idx="0">
+            <a:schemeClr val="accent1"/>
+          </a:effectRef>
+          <a:fontRef idx="minor">
+            <a:schemeClr val="lt1"/>
+          </a:fontRef>
+        </p:style>
+        <p:txBody>
+          <a:bodyPr rtlCol="0" anchor="ctr"/>
+          <a:lstStyle/>
+          <a:p>
+            <a:pPr algn="ctr"/>
+            <a:endParaRPr kumimoji="1" lang="zh-TW" altLang="en-US" sz="800" dirty="0">
+              <a:solidFill>
+                <a:schemeClr val="tx1"/>
+              </a:solidFill>
+            </a:endParaRPr>
+          </a:p>
+        </p:txBody>
+      </p:sp>
+      <p:sp>
+        <p:nvSpPr>
+          <p:cNvPr id="36" name="文字方塊 35">
+            <a:extLst>
+              <a:ext uri="{FF2B5EF4-FFF2-40B4-BE49-F238E27FC236}">
+                <a16:creationId xmlns:a16="http://schemas.microsoft.com/office/drawing/2014/main" id="{C3CE0AEF-B218-41D6-EF88-0EF3A72A06DB}"/>
+              </a:ext>
+            </a:extLst>
+          </p:cNvPr>
+          <p:cNvSpPr txBox="1"/>
+          <p:nvPr/>
+        </p:nvSpPr>
+        <p:spPr>
+          <a:xfrm>
+            <a:off x="3635977" y="3361831"/>
+            <a:ext cx="426245" cy="276999"/>
+          </a:xfrm>
+          <a:prstGeom prst="rect">
+            <a:avLst/>
+          </a:prstGeom>
+          <a:noFill/>
+        </p:spPr>
+        <p:txBody>
+          <a:bodyPr wrap="square" rtlCol="0">
+            <a:spAutoFit/>
+          </a:bodyPr>
+          <a:lstStyle/>
+          <a:p>
+            <a:r>
+              <a:rPr kumimoji="1" lang="en-US" altLang="zh-TW" sz="1200" dirty="0"/>
+              <a:t>f(x</a:t>
+            </a:r>
+            <a:r>
+              <a:rPr kumimoji="1" lang="en-US" altLang="zh-TW" sz="1200" baseline="-25000" dirty="0"/>
+              <a:t>c</a:t>
+            </a:r>
+            <a:r>
+              <a:rPr kumimoji="1" lang="en-US" altLang="zh-TW" sz="1200" dirty="0"/>
+              <a:t>)</a:t>
+            </a:r>
+            <a:endParaRPr kumimoji="1" lang="zh-TW" altLang="en-US" sz="1200" dirty="0"/>
+          </a:p>
+        </p:txBody>
+      </p:sp>
+      <p:sp>
+        <p:nvSpPr>
+          <p:cNvPr id="37" name="文字方塊 36">
+            <a:extLst>
+              <a:ext uri="{FF2B5EF4-FFF2-40B4-BE49-F238E27FC236}">
+                <a16:creationId xmlns:a16="http://schemas.microsoft.com/office/drawing/2014/main" id="{CD692DEA-B357-612B-95B4-660AB9594B4F}"/>
+              </a:ext>
+            </a:extLst>
+          </p:cNvPr>
+          <p:cNvSpPr txBox="1"/>
+          <p:nvPr/>
+        </p:nvSpPr>
+        <p:spPr>
+          <a:xfrm>
+            <a:off x="625047" y="2309962"/>
+            <a:ext cx="1141970" cy="276999"/>
+          </a:xfrm>
+          <a:prstGeom prst="rect">
+            <a:avLst/>
+          </a:prstGeom>
+          <a:noFill/>
+        </p:spPr>
+        <p:txBody>
+          <a:bodyPr wrap="square" rtlCol="0">
+            <a:spAutoFit/>
+          </a:bodyPr>
+          <a:lstStyle/>
+          <a:p>
+            <a:r>
+              <a:rPr kumimoji="1" lang="en-US" altLang="zh-TW" sz="1200" dirty="0"/>
+              <a:t>x</a:t>
+            </a:r>
+            <a:r>
+              <a:rPr kumimoji="1" lang="en-US" altLang="zh-TW" sz="1200" baseline="-25000" dirty="0"/>
+              <a:t>1</a:t>
+            </a:r>
+            <a:r>
+              <a:rPr kumimoji="1" lang="en-US" altLang="zh-TW" sz="1200" dirty="0"/>
+              <a:t>= f(</a:t>
+            </a:r>
+            <a:r>
+              <a:rPr kumimoji="1" lang="en-US" altLang="zh-TW" sz="1200" dirty="0" err="1"/>
+              <a:t>mixr</a:t>
+            </a:r>
+            <a:r>
+              <a:rPr kumimoji="1" lang="en-US" altLang="zh-TW" sz="1200" dirty="0"/>
+              <a:t>(A,B))</a:t>
+            </a:r>
+            <a:endParaRPr kumimoji="1" lang="zh-TW" altLang="en-US" sz="1200" dirty="0"/>
+          </a:p>
+        </p:txBody>
+      </p:sp>
+      <p:sp>
+        <p:nvSpPr>
+          <p:cNvPr id="38" name="文字方塊 37">
+            <a:extLst>
+              <a:ext uri="{FF2B5EF4-FFF2-40B4-BE49-F238E27FC236}">
+                <a16:creationId xmlns:a16="http://schemas.microsoft.com/office/drawing/2014/main" id="{80D6724A-0AA5-42ED-E8AF-8EDE472ABD65}"/>
+              </a:ext>
+            </a:extLst>
+          </p:cNvPr>
+          <p:cNvSpPr txBox="1"/>
+          <p:nvPr/>
+        </p:nvSpPr>
+        <p:spPr>
+          <a:xfrm>
+            <a:off x="531855" y="3909646"/>
+            <a:ext cx="1141970" cy="276999"/>
+          </a:xfrm>
+          <a:prstGeom prst="rect">
+            <a:avLst/>
+          </a:prstGeom>
+          <a:noFill/>
+        </p:spPr>
+        <p:txBody>
+          <a:bodyPr wrap="square" rtlCol="0">
+            <a:spAutoFit/>
+          </a:bodyPr>
+          <a:lstStyle/>
+          <a:p>
+            <a:r>
+              <a:rPr kumimoji="1" lang="en-US" altLang="zh-TW" sz="1200" dirty="0"/>
+              <a:t>x</a:t>
+            </a:r>
+            <a:r>
+              <a:rPr kumimoji="1" lang="en-US" altLang="zh-TW" sz="1200" baseline="-25000" dirty="0"/>
+              <a:t>2</a:t>
+            </a:r>
+            <a:r>
+              <a:rPr kumimoji="1" lang="en-US" altLang="zh-TW" sz="1200" dirty="0"/>
+              <a:t>= f(</a:t>
+            </a:r>
+            <a:r>
+              <a:rPr kumimoji="1" lang="en-US" altLang="zh-TW" sz="1200" dirty="0" err="1"/>
+              <a:t>mixr</a:t>
+            </a:r>
+            <a:r>
+              <a:rPr kumimoji="1" lang="en-US" altLang="zh-TW" sz="1200" dirty="0"/>
+              <a:t>(A,B))</a:t>
+            </a:r>
+            <a:endParaRPr kumimoji="1" lang="zh-TW" altLang="en-US" sz="1200" dirty="0"/>
+          </a:p>
+        </p:txBody>
+      </p:sp>
+      <p:sp>
+        <p:nvSpPr>
+          <p:cNvPr id="39" name="文字方塊 38">
+            <a:extLst>
+              <a:ext uri="{FF2B5EF4-FFF2-40B4-BE49-F238E27FC236}">
+                <a16:creationId xmlns:a16="http://schemas.microsoft.com/office/drawing/2014/main" id="{B34FCD62-D4D5-F609-3A4B-37C480E3DA35}"/>
+              </a:ext>
+            </a:extLst>
+          </p:cNvPr>
+          <p:cNvSpPr txBox="1"/>
+          <p:nvPr/>
+        </p:nvSpPr>
+        <p:spPr>
+          <a:xfrm>
+            <a:off x="2060518" y="6093186"/>
+            <a:ext cx="1141970" cy="276999"/>
+          </a:xfrm>
+          <a:prstGeom prst="rect">
+            <a:avLst/>
+          </a:prstGeom>
+          <a:noFill/>
+        </p:spPr>
+        <p:txBody>
+          <a:bodyPr wrap="square" rtlCol="0">
+            <a:spAutoFit/>
+          </a:bodyPr>
+          <a:lstStyle/>
+          <a:p>
+            <a:r>
+              <a:rPr kumimoji="1" lang="en-US" altLang="zh-TW" sz="1200" dirty="0" err="1"/>
+              <a:t>x</a:t>
+            </a:r>
+            <a:r>
+              <a:rPr kumimoji="1" lang="en-US" altLang="zh-TW" sz="1200" baseline="-25000" dirty="0" err="1"/>
+              <a:t>n</a:t>
+            </a:r>
+            <a:r>
+              <a:rPr kumimoji="1" lang="en-US" altLang="zh-TW" sz="1200" dirty="0"/>
+              <a:t>= f(</a:t>
+            </a:r>
+            <a:r>
+              <a:rPr kumimoji="1" lang="en-US" altLang="zh-TW" sz="1200" dirty="0" err="1"/>
+              <a:t>mixr</a:t>
+            </a:r>
+            <a:r>
+              <a:rPr kumimoji="1" lang="en-US" altLang="zh-TW" sz="1200" dirty="0"/>
+              <a:t>(A,B))</a:t>
+            </a:r>
+            <a:endParaRPr kumimoji="1" lang="zh-TW" altLang="en-US" sz="1200" dirty="0"/>
+          </a:p>
+        </p:txBody>
+      </p:sp>
+      <p:cxnSp>
+        <p:nvCxnSpPr>
+          <p:cNvPr id="41" name="直線箭頭接點 40">
+            <a:extLst>
+              <a:ext uri="{FF2B5EF4-FFF2-40B4-BE49-F238E27FC236}">
+                <a16:creationId xmlns:a16="http://schemas.microsoft.com/office/drawing/2014/main" id="{55E962FA-B4E4-9CA4-AD96-BE11AA533FAB}"/>
+              </a:ext>
+            </a:extLst>
+          </p:cNvPr>
+          <p:cNvCxnSpPr>
+            <a:cxnSpLocks/>
+            <a:stCxn id="37" idx="3"/>
+          </p:cNvCxnSpPr>
+          <p:nvPr/>
+        </p:nvCxnSpPr>
+        <p:spPr>
+          <a:xfrm>
+            <a:off x="1767017" y="2448462"/>
+            <a:ext cx="1286648" cy="361691"/>
+          </a:xfrm>
+          <a:prstGeom prst="straightConnector1">
+            <a:avLst/>
+          </a:prstGeom>
+          <a:ln>
+            <a:tailEnd type="triangle"/>
+          </a:ln>
+        </p:spPr>
+        <p:style>
+          <a:lnRef idx="1">
+            <a:schemeClr val="dk1"/>
+          </a:lnRef>
+          <a:fillRef idx="0">
+            <a:schemeClr val="dk1"/>
+          </a:fillRef>
+          <a:effectRef idx="0">
+            <a:schemeClr val="dk1"/>
+          </a:effectRef>
+          <a:fontRef idx="minor">
+            <a:schemeClr val="tx1"/>
+          </a:fontRef>
+        </p:style>
+      </p:cxnSp>
+      <p:cxnSp>
+        <p:nvCxnSpPr>
+          <p:cNvPr id="43" name="直線箭頭接點 42">
+            <a:extLst>
+              <a:ext uri="{FF2B5EF4-FFF2-40B4-BE49-F238E27FC236}">
+                <a16:creationId xmlns:a16="http://schemas.microsoft.com/office/drawing/2014/main" id="{40B2A3E2-0C02-3F9C-9B55-9434AEBD914C}"/>
+              </a:ext>
+            </a:extLst>
+          </p:cNvPr>
+          <p:cNvCxnSpPr>
+            <a:cxnSpLocks/>
+          </p:cNvCxnSpPr>
+          <p:nvPr/>
+        </p:nvCxnSpPr>
+        <p:spPr>
+          <a:xfrm flipV="1">
+            <a:off x="1596852" y="3979927"/>
+            <a:ext cx="1104386" cy="37338"/>
+          </a:xfrm>
+          <a:prstGeom prst="straightConnector1">
+            <a:avLst/>
+          </a:prstGeom>
+          <a:ln>
+            <a:tailEnd type="triangle"/>
+          </a:ln>
+        </p:spPr>
+        <p:style>
+          <a:lnRef idx="1">
+            <a:schemeClr val="dk1"/>
+          </a:lnRef>
+          <a:fillRef idx="0">
+            <a:schemeClr val="dk1"/>
+          </a:fillRef>
+          <a:effectRef idx="0">
+            <a:schemeClr val="dk1"/>
+          </a:effectRef>
+          <a:fontRef idx="minor">
+            <a:schemeClr val="tx1"/>
+          </a:fontRef>
+        </p:style>
+      </p:cxnSp>
+      <p:cxnSp>
+        <p:nvCxnSpPr>
+          <p:cNvPr id="45" name="直線箭頭接點 44">
+            <a:extLst>
+              <a:ext uri="{FF2B5EF4-FFF2-40B4-BE49-F238E27FC236}">
+                <a16:creationId xmlns:a16="http://schemas.microsoft.com/office/drawing/2014/main" id="{E0DE5C3D-12CD-9987-527F-FEC5604C27E3}"/>
+              </a:ext>
+            </a:extLst>
+          </p:cNvPr>
+          <p:cNvCxnSpPr>
+            <a:cxnSpLocks/>
+          </p:cNvCxnSpPr>
+          <p:nvPr/>
+        </p:nvCxnSpPr>
+        <p:spPr>
+          <a:xfrm flipV="1">
+            <a:off x="2656703" y="4507920"/>
+            <a:ext cx="1124482" cy="1610934"/>
+          </a:xfrm>
+          <a:prstGeom prst="straightConnector1">
+            <a:avLst/>
+          </a:prstGeom>
+          <a:ln>
+            <a:tailEnd type="triangle"/>
+          </a:ln>
+        </p:spPr>
+        <p:style>
+          <a:lnRef idx="1">
+            <a:schemeClr val="dk1"/>
+          </a:lnRef>
+          <a:fillRef idx="0">
+            <a:schemeClr val="dk1"/>
+          </a:fillRef>
+          <a:effectRef idx="0">
+            <a:schemeClr val="dk1"/>
+          </a:effectRef>
+          <a:fontRef idx="minor">
+            <a:schemeClr val="tx1"/>
+          </a:fontRef>
+        </p:style>
+      </p:cxnSp>
+      <p:cxnSp>
+        <p:nvCxnSpPr>
+          <p:cNvPr id="48" name="直線接點 47">
+            <a:extLst>
+              <a:ext uri="{FF2B5EF4-FFF2-40B4-BE49-F238E27FC236}">
+                <a16:creationId xmlns:a16="http://schemas.microsoft.com/office/drawing/2014/main" id="{72F60364-EA2F-B411-5E90-257787D2D1EE}"/>
+              </a:ext>
+            </a:extLst>
+          </p:cNvPr>
+          <p:cNvCxnSpPr>
+            <a:stCxn id="32" idx="4"/>
+            <a:endCxn id="29" idx="0"/>
+          </p:cNvCxnSpPr>
+          <p:nvPr/>
+        </p:nvCxnSpPr>
+        <p:spPr>
+          <a:xfrm>
+            <a:off x="3146854" y="2896393"/>
+            <a:ext cx="238898" cy="568410"/>
+          </a:xfrm>
+          <a:prstGeom prst="line">
+            <a:avLst/>
+          </a:prstGeom>
+        </p:spPr>
+        <p:style>
+          <a:lnRef idx="1">
+            <a:schemeClr val="dk1"/>
+          </a:lnRef>
+          <a:fillRef idx="0">
+            <a:schemeClr val="dk1"/>
+          </a:fillRef>
+          <a:effectRef idx="0">
+            <a:schemeClr val="dk1"/>
+          </a:effectRef>
+          <a:fontRef idx="minor">
+            <a:schemeClr val="tx1"/>
+          </a:fontRef>
+        </p:style>
+      </p:cxnSp>
+      <p:cxnSp>
+        <p:nvCxnSpPr>
+          <p:cNvPr id="49" name="直線接點 48">
+            <a:extLst>
+              <a:ext uri="{FF2B5EF4-FFF2-40B4-BE49-F238E27FC236}">
+                <a16:creationId xmlns:a16="http://schemas.microsoft.com/office/drawing/2014/main" id="{CDF506F2-7217-305B-CBC8-EB4EF3CE9CCF}"/>
+              </a:ext>
+            </a:extLst>
+          </p:cNvPr>
+          <p:cNvCxnSpPr>
+            <a:cxnSpLocks/>
+            <a:stCxn id="29" idx="3"/>
+            <a:endCxn id="31" idx="7"/>
+          </p:cNvCxnSpPr>
+          <p:nvPr/>
+        </p:nvCxnSpPr>
+        <p:spPr>
+          <a:xfrm flipH="1">
+            <a:off x="2911370" y="3844500"/>
+            <a:ext cx="305456" cy="158078"/>
+          </a:xfrm>
+          <a:prstGeom prst="line">
+            <a:avLst/>
+          </a:prstGeom>
+        </p:spPr>
+        <p:style>
+          <a:lnRef idx="1">
+            <a:schemeClr val="dk1"/>
+          </a:lnRef>
+          <a:fillRef idx="0">
+            <a:schemeClr val="dk1"/>
+          </a:fillRef>
+          <a:effectRef idx="0">
+            <a:schemeClr val="dk1"/>
+          </a:effectRef>
+          <a:fontRef idx="minor">
+            <a:schemeClr val="tx1"/>
+          </a:fontRef>
+        </p:style>
+      </p:cxnSp>
+      <p:cxnSp>
+        <p:nvCxnSpPr>
+          <p:cNvPr id="54" name="直線接點 53">
+            <a:extLst>
+              <a:ext uri="{FF2B5EF4-FFF2-40B4-BE49-F238E27FC236}">
+                <a16:creationId xmlns:a16="http://schemas.microsoft.com/office/drawing/2014/main" id="{892F7716-A985-A00A-B5E2-D14E0265F282}"/>
+              </a:ext>
+            </a:extLst>
+          </p:cNvPr>
+          <p:cNvCxnSpPr>
+            <a:cxnSpLocks/>
+            <a:stCxn id="29" idx="5"/>
+            <a:endCxn id="33" idx="1"/>
+          </p:cNvCxnSpPr>
+          <p:nvPr/>
+        </p:nvCxnSpPr>
+        <p:spPr>
+          <a:xfrm>
+            <a:off x="3554678" y="3844500"/>
+            <a:ext cx="226507" cy="494032"/>
+          </a:xfrm>
+          <a:prstGeom prst="line">
+            <a:avLst/>
+          </a:prstGeom>
+        </p:spPr>
+        <p:style>
+          <a:lnRef idx="1">
+            <a:schemeClr val="dk1"/>
+          </a:lnRef>
+          <a:fillRef idx="0">
+            <a:schemeClr val="dk1"/>
+          </a:fillRef>
+          <a:effectRef idx="0">
+            <a:schemeClr val="dk1"/>
+          </a:effectRef>
+          <a:fontRef idx="minor">
+            <a:schemeClr val="tx1"/>
+          </a:fontRef>
+        </p:style>
+      </p:cxnSp>
+      <p:sp>
+        <p:nvSpPr>
+          <p:cNvPr id="57" name="圓角矩形 56">
+            <a:extLst>
+              <a:ext uri="{FF2B5EF4-FFF2-40B4-BE49-F238E27FC236}">
+                <a16:creationId xmlns:a16="http://schemas.microsoft.com/office/drawing/2014/main" id="{F59EDACE-8F5D-DC03-DEBB-42805878B228}"/>
+              </a:ext>
+            </a:extLst>
+          </p:cNvPr>
+          <p:cNvSpPr/>
+          <p:nvPr/>
+        </p:nvSpPr>
+        <p:spPr>
+          <a:xfrm>
+            <a:off x="7265520" y="2564138"/>
+            <a:ext cx="195848" cy="164241"/>
+          </a:xfrm>
+          <a:prstGeom prst="roundRect">
+            <a:avLst/>
+          </a:prstGeom>
+          <a:solidFill>
+            <a:schemeClr val="bg2"/>
+          </a:solidFill>
+          <a:ln>
+            <a:solidFill>
+              <a:schemeClr val="accent3"/>
+            </a:solidFill>
+          </a:ln>
+        </p:spPr>
+        <p:style>
+          <a:lnRef idx="2">
+            <a:schemeClr val="accent1">
+              <a:shade val="50000"/>
+            </a:schemeClr>
+          </a:lnRef>
+          <a:fillRef idx="1">
+            <a:schemeClr val="accent1"/>
+          </a:fillRef>
+          <a:effectRef idx="0">
+            <a:schemeClr val="accent1"/>
+          </a:effectRef>
+          <a:fontRef idx="minor">
+            <a:schemeClr val="lt1"/>
+          </a:fontRef>
+        </p:style>
+        <p:txBody>
+          <a:bodyPr rtlCol="0" anchor="ctr"/>
+          <a:lstStyle/>
+          <a:p>
+            <a:pPr algn="ctr"/>
+            <a:endParaRPr kumimoji="1" lang="zh-TW" altLang="en-US"/>
+          </a:p>
+        </p:txBody>
+      </p:sp>
+      <p:sp>
+        <p:nvSpPr>
+          <p:cNvPr id="58" name="圓角矩形 57">
+            <a:extLst>
+              <a:ext uri="{FF2B5EF4-FFF2-40B4-BE49-F238E27FC236}">
+                <a16:creationId xmlns:a16="http://schemas.microsoft.com/office/drawing/2014/main" id="{49C026E6-2794-691E-B6F9-8874523988F3}"/>
+              </a:ext>
+            </a:extLst>
+          </p:cNvPr>
+          <p:cNvSpPr/>
+          <p:nvPr/>
+        </p:nvSpPr>
+        <p:spPr>
+          <a:xfrm rot="2649935">
+            <a:off x="7759260" y="3053941"/>
+            <a:ext cx="337751" cy="302741"/>
+          </a:xfrm>
+          <a:prstGeom prst="roundRect">
+            <a:avLst/>
+          </a:prstGeom>
+          <a:solidFill>
+            <a:schemeClr val="accent1">
+              <a:lumMod val="20000"/>
+              <a:lumOff val="80000"/>
+            </a:schemeClr>
+          </a:solidFill>
+          <a:ln>
+            <a:solidFill>
+              <a:schemeClr val="accent3"/>
+            </a:solidFill>
+          </a:ln>
+        </p:spPr>
+        <p:style>
+          <a:lnRef idx="2">
+            <a:schemeClr val="accent1">
+              <a:shade val="50000"/>
+            </a:schemeClr>
+          </a:lnRef>
+          <a:fillRef idx="1">
+            <a:schemeClr val="accent1"/>
+          </a:fillRef>
+          <a:effectRef idx="0">
+            <a:schemeClr val="accent1"/>
+          </a:effectRef>
+          <a:fontRef idx="minor">
+            <a:schemeClr val="lt1"/>
+          </a:fontRef>
+        </p:style>
+        <p:txBody>
+          <a:bodyPr rtlCol="0" anchor="ctr"/>
+          <a:lstStyle/>
+          <a:p>
+            <a:pPr algn="ctr"/>
+            <a:endParaRPr kumimoji="1" lang="zh-TW" altLang="en-US"/>
+          </a:p>
+        </p:txBody>
+      </p:sp>
+      <p:cxnSp>
+        <p:nvCxnSpPr>
+          <p:cNvPr id="61" name="直線接點 60">
+            <a:extLst>
+              <a:ext uri="{FF2B5EF4-FFF2-40B4-BE49-F238E27FC236}">
+                <a16:creationId xmlns:a16="http://schemas.microsoft.com/office/drawing/2014/main" id="{19030513-320B-92EA-7F74-1BA9F5C49329}"/>
+              </a:ext>
+            </a:extLst>
+          </p:cNvPr>
+          <p:cNvCxnSpPr>
+            <a:cxnSpLocks/>
+            <a:stCxn id="58" idx="0"/>
+          </p:cNvCxnSpPr>
+          <p:nvPr/>
+        </p:nvCxnSpPr>
+        <p:spPr>
+          <a:xfrm flipV="1">
+            <a:off x="8033601" y="2827697"/>
+            <a:ext cx="443503" cy="269032"/>
+          </a:xfrm>
+          <a:prstGeom prst="line">
+            <a:avLst/>
+          </a:prstGeom>
+          <a:ln>
+            <a:solidFill>
+              <a:schemeClr val="tx1"/>
+            </a:solidFill>
+          </a:ln>
+        </p:spPr>
+        <p:style>
+          <a:lnRef idx="2">
+            <a:schemeClr val="accent6"/>
+          </a:lnRef>
+          <a:fillRef idx="0">
+            <a:schemeClr val="accent6"/>
+          </a:fillRef>
+          <a:effectRef idx="1">
+            <a:schemeClr val="accent6"/>
+          </a:effectRef>
+          <a:fontRef idx="minor">
+            <a:schemeClr val="tx1"/>
+          </a:fontRef>
+        </p:style>
+      </p:cxnSp>
+      <p:cxnSp>
+        <p:nvCxnSpPr>
+          <p:cNvPr id="62" name="直線接點 61">
+            <a:extLst>
+              <a:ext uri="{FF2B5EF4-FFF2-40B4-BE49-F238E27FC236}">
+                <a16:creationId xmlns:a16="http://schemas.microsoft.com/office/drawing/2014/main" id="{C8576465-B6D0-EDF4-BA6B-FA9DC451603C}"/>
+              </a:ext>
+            </a:extLst>
+          </p:cNvPr>
+          <p:cNvCxnSpPr>
+            <a:cxnSpLocks/>
+            <a:stCxn id="57" idx="2"/>
+            <a:endCxn id="58" idx="1"/>
+          </p:cNvCxnSpPr>
+          <p:nvPr/>
+        </p:nvCxnSpPr>
+        <p:spPr>
+          <a:xfrm>
+            <a:off x="7363444" y="2728379"/>
+            <a:ext cx="443552" cy="359271"/>
+          </a:xfrm>
+          <a:prstGeom prst="line">
+            <a:avLst/>
+          </a:prstGeom>
+          <a:ln>
+            <a:solidFill>
+              <a:schemeClr val="tx1"/>
+            </a:solidFill>
+          </a:ln>
+        </p:spPr>
+        <p:style>
+          <a:lnRef idx="2">
+            <a:schemeClr val="accent5"/>
+          </a:lnRef>
+          <a:fillRef idx="0">
+            <a:schemeClr val="accent5"/>
+          </a:fillRef>
+          <a:effectRef idx="1">
+            <a:schemeClr val="accent5"/>
+          </a:effectRef>
+          <a:fontRef idx="minor">
+            <a:schemeClr val="tx1"/>
+          </a:fontRef>
+        </p:style>
+      </p:cxnSp>
+      <p:sp>
+        <p:nvSpPr>
+          <p:cNvPr id="65" name="圓角矩形 64">
+            <a:extLst>
+              <a:ext uri="{FF2B5EF4-FFF2-40B4-BE49-F238E27FC236}">
+                <a16:creationId xmlns:a16="http://schemas.microsoft.com/office/drawing/2014/main" id="{1AB82C2B-1559-C28B-FD56-9E2F8AA67518}"/>
+              </a:ext>
+            </a:extLst>
+          </p:cNvPr>
+          <p:cNvSpPr/>
+          <p:nvPr/>
+        </p:nvSpPr>
+        <p:spPr>
+          <a:xfrm>
+            <a:off x="8477760" y="2720249"/>
+            <a:ext cx="195848" cy="164241"/>
+          </a:xfrm>
+          <a:prstGeom prst="roundRect">
+            <a:avLst/>
+          </a:prstGeom>
+          <a:solidFill>
+            <a:schemeClr val="accent2">
+              <a:lumMod val="60000"/>
+              <a:lumOff val="40000"/>
+            </a:schemeClr>
+          </a:solidFill>
+          <a:ln>
+            <a:solidFill>
+              <a:schemeClr val="accent3"/>
+            </a:solidFill>
+          </a:ln>
+        </p:spPr>
+        <p:style>
+          <a:lnRef idx="2">
+            <a:schemeClr val="accent1">
+              <a:shade val="50000"/>
+            </a:schemeClr>
+          </a:lnRef>
+          <a:fillRef idx="1">
+            <a:schemeClr val="accent1"/>
+          </a:fillRef>
+          <a:effectRef idx="0">
+            <a:schemeClr val="accent1"/>
+          </a:effectRef>
+          <a:fontRef idx="minor">
+            <a:schemeClr val="lt1"/>
+          </a:fontRef>
+        </p:style>
+        <p:txBody>
+          <a:bodyPr rtlCol="0" anchor="ctr"/>
+          <a:lstStyle/>
+          <a:p>
+            <a:pPr algn="ctr"/>
+            <a:endParaRPr kumimoji="1" lang="zh-TW" altLang="en-US"/>
+          </a:p>
+        </p:txBody>
+      </p:sp>
+      <p:sp>
+        <p:nvSpPr>
+          <p:cNvPr id="67" name="圓角矩形 66">
+            <a:extLst>
+              <a:ext uri="{FF2B5EF4-FFF2-40B4-BE49-F238E27FC236}">
+                <a16:creationId xmlns:a16="http://schemas.microsoft.com/office/drawing/2014/main" id="{9FE13779-3DB6-813F-35F3-F33EFBA123B6}"/>
+              </a:ext>
+            </a:extLst>
+          </p:cNvPr>
+          <p:cNvSpPr/>
+          <p:nvPr/>
+        </p:nvSpPr>
+        <p:spPr>
+          <a:xfrm>
+            <a:off x="8379180" y="3556709"/>
+            <a:ext cx="195848" cy="164241"/>
+          </a:xfrm>
+          <a:prstGeom prst="roundRect">
+            <a:avLst/>
+          </a:prstGeom>
+          <a:solidFill>
+            <a:schemeClr val="accent6">
+              <a:lumMod val="40000"/>
+              <a:lumOff val="60000"/>
+            </a:schemeClr>
+          </a:solidFill>
+          <a:ln>
+            <a:solidFill>
+              <a:schemeClr val="accent3"/>
+            </a:solidFill>
+          </a:ln>
+        </p:spPr>
+        <p:style>
+          <a:lnRef idx="2">
+            <a:schemeClr val="accent1">
+              <a:shade val="50000"/>
+            </a:schemeClr>
+          </a:lnRef>
+          <a:fillRef idx="1">
+            <a:schemeClr val="accent1"/>
+          </a:fillRef>
+          <a:effectRef idx="0">
+            <a:schemeClr val="accent1"/>
+          </a:effectRef>
+          <a:fontRef idx="minor">
+            <a:schemeClr val="lt1"/>
+          </a:fontRef>
+        </p:style>
+        <p:txBody>
+          <a:bodyPr rtlCol="0" anchor="ctr"/>
+          <a:lstStyle/>
+          <a:p>
+            <a:pPr algn="ctr"/>
+            <a:endParaRPr kumimoji="1" lang="zh-TW" altLang="en-US"/>
+          </a:p>
+        </p:txBody>
+      </p:sp>
+      <p:cxnSp>
+        <p:nvCxnSpPr>
+          <p:cNvPr id="68" name="直線接點 67">
+            <a:extLst>
+              <a:ext uri="{FF2B5EF4-FFF2-40B4-BE49-F238E27FC236}">
+                <a16:creationId xmlns:a16="http://schemas.microsoft.com/office/drawing/2014/main" id="{B76144DD-1AF2-3341-E6CB-8B4E5DEDCDC8}"/>
+              </a:ext>
+            </a:extLst>
+          </p:cNvPr>
+          <p:cNvCxnSpPr>
+            <a:cxnSpLocks/>
+            <a:endCxn id="58" idx="3"/>
+          </p:cNvCxnSpPr>
+          <p:nvPr/>
+        </p:nvCxnSpPr>
+        <p:spPr>
+          <a:xfrm flipH="1" flipV="1">
+            <a:off x="8049274" y="3322973"/>
+            <a:ext cx="329906" cy="243099"/>
+          </a:xfrm>
+          <a:prstGeom prst="line">
+            <a:avLst/>
+          </a:prstGeom>
+          <a:ln>
+            <a:solidFill>
+              <a:schemeClr val="tx1"/>
+            </a:solidFill>
+          </a:ln>
+        </p:spPr>
+        <p:style>
+          <a:lnRef idx="2">
+            <a:schemeClr val="accent6"/>
+          </a:lnRef>
+          <a:fillRef idx="0">
+            <a:schemeClr val="accent6"/>
+          </a:fillRef>
+          <a:effectRef idx="1">
+            <a:schemeClr val="accent6"/>
+          </a:effectRef>
+          <a:fontRef idx="minor">
+            <a:schemeClr val="tx1"/>
+          </a:fontRef>
+        </p:style>
+      </p:cxnSp>
+      <p:sp>
+        <p:nvSpPr>
+          <p:cNvPr id="70" name="三角形 69">
+            <a:extLst>
+              <a:ext uri="{FF2B5EF4-FFF2-40B4-BE49-F238E27FC236}">
+                <a16:creationId xmlns:a16="http://schemas.microsoft.com/office/drawing/2014/main" id="{8AC1599E-3D26-A658-D65E-E1D21F05BC0A}"/>
+              </a:ext>
+            </a:extLst>
+          </p:cNvPr>
+          <p:cNvSpPr/>
+          <p:nvPr/>
+        </p:nvSpPr>
+        <p:spPr>
+          <a:xfrm rot="3956060">
+            <a:off x="6342438" y="4552258"/>
+            <a:ext cx="345989" cy="255373"/>
+          </a:xfrm>
+          <a:prstGeom prst="triangle">
+            <a:avLst/>
+          </a:prstGeom>
+          <a:solidFill>
+            <a:schemeClr val="accent1">
+              <a:lumMod val="60000"/>
+              <a:lumOff val="40000"/>
+            </a:schemeClr>
+          </a:solidFill>
+          <a:ln>
+            <a:solidFill>
+              <a:schemeClr val="tx1"/>
+            </a:solidFill>
+          </a:ln>
+        </p:spPr>
+        <p:style>
+          <a:lnRef idx="2">
+            <a:schemeClr val="accent1">
+              <a:shade val="50000"/>
+            </a:schemeClr>
+          </a:lnRef>
+          <a:fillRef idx="1">
+            <a:schemeClr val="accent1"/>
+          </a:fillRef>
+          <a:effectRef idx="0">
+            <a:schemeClr val="accent1"/>
+          </a:effectRef>
+          <a:fontRef idx="minor">
+            <a:schemeClr val="lt1"/>
+          </a:fontRef>
+        </p:style>
+        <p:txBody>
+          <a:bodyPr rtlCol="0" anchor="ctr"/>
+          <a:lstStyle/>
+          <a:p>
+            <a:pPr algn="ctr"/>
+            <a:endParaRPr kumimoji="1" lang="zh-TW" altLang="en-US"/>
+          </a:p>
+        </p:txBody>
+      </p:sp>
+      <p:sp>
+        <p:nvSpPr>
+          <p:cNvPr id="72" name="三角形 71">
+            <a:extLst>
+              <a:ext uri="{FF2B5EF4-FFF2-40B4-BE49-F238E27FC236}">
+                <a16:creationId xmlns:a16="http://schemas.microsoft.com/office/drawing/2014/main" id="{97E76FDE-1E0E-59E3-A489-1EF9DB6D6DD3}"/>
+              </a:ext>
+            </a:extLst>
+          </p:cNvPr>
+          <p:cNvSpPr/>
+          <p:nvPr/>
+        </p:nvSpPr>
+        <p:spPr>
+          <a:xfrm rot="4237976">
+            <a:off x="7215746" y="5391517"/>
+            <a:ext cx="232367" cy="192723"/>
+          </a:xfrm>
+          <a:prstGeom prst="triangle">
+            <a:avLst/>
+          </a:prstGeom>
+          <a:solidFill>
+            <a:schemeClr val="accent2">
+              <a:lumMod val="40000"/>
+              <a:lumOff val="60000"/>
+            </a:schemeClr>
+          </a:solidFill>
+          <a:ln>
+            <a:solidFill>
+              <a:schemeClr val="tx1"/>
+            </a:solidFill>
+          </a:ln>
+        </p:spPr>
+        <p:style>
+          <a:lnRef idx="2">
+            <a:schemeClr val="accent1">
+              <a:shade val="50000"/>
+            </a:schemeClr>
+          </a:lnRef>
+          <a:fillRef idx="1">
+            <a:schemeClr val="accent1"/>
+          </a:fillRef>
+          <a:effectRef idx="0">
+            <a:schemeClr val="accent1"/>
+          </a:effectRef>
+          <a:fontRef idx="minor">
+            <a:schemeClr val="lt1"/>
+          </a:fontRef>
+        </p:style>
+        <p:txBody>
+          <a:bodyPr rtlCol="0" anchor="ctr"/>
+          <a:lstStyle/>
+          <a:p>
+            <a:pPr algn="ctr"/>
+            <a:endParaRPr kumimoji="1" lang="zh-TW" altLang="en-US"/>
+          </a:p>
+        </p:txBody>
+      </p:sp>
+      <p:cxnSp>
+        <p:nvCxnSpPr>
+          <p:cNvPr id="73" name="直線接點 72">
+            <a:extLst>
+              <a:ext uri="{FF2B5EF4-FFF2-40B4-BE49-F238E27FC236}">
+                <a16:creationId xmlns:a16="http://schemas.microsoft.com/office/drawing/2014/main" id="{A993AA65-F405-5119-DE1F-ACCF0FD32A63}"/>
+              </a:ext>
+            </a:extLst>
+          </p:cNvPr>
+          <p:cNvCxnSpPr>
+            <a:cxnSpLocks/>
+            <a:stCxn id="70" idx="5"/>
+            <a:endCxn id="72" idx="2"/>
+          </p:cNvCxnSpPr>
+          <p:nvPr/>
+        </p:nvCxnSpPr>
+        <p:spPr>
+          <a:xfrm>
+            <a:off x="6550704" y="4758924"/>
+            <a:ext cx="651788" cy="651301"/>
+          </a:xfrm>
+          <a:prstGeom prst="line">
+            <a:avLst/>
+          </a:prstGeom>
+          <a:ln w="12700"/>
+        </p:spPr>
+        <p:style>
+          <a:lnRef idx="1">
+            <a:schemeClr val="dk1"/>
+          </a:lnRef>
+          <a:fillRef idx="0">
+            <a:schemeClr val="dk1"/>
+          </a:fillRef>
+          <a:effectRef idx="0">
+            <a:schemeClr val="dk1"/>
+          </a:effectRef>
+          <a:fontRef idx="minor">
+            <a:schemeClr val="tx1"/>
+          </a:fontRef>
+        </p:style>
+      </p:cxnSp>
+      <p:cxnSp>
+        <p:nvCxnSpPr>
+          <p:cNvPr id="74" name="直線接點 73">
+            <a:extLst>
+              <a:ext uri="{FF2B5EF4-FFF2-40B4-BE49-F238E27FC236}">
+                <a16:creationId xmlns:a16="http://schemas.microsoft.com/office/drawing/2014/main" id="{0D3F9C6C-7806-F555-F4A3-2367AEC2FB91}"/>
+              </a:ext>
+            </a:extLst>
+          </p:cNvPr>
+          <p:cNvCxnSpPr>
+            <a:cxnSpLocks/>
+            <a:stCxn id="70" idx="3"/>
+            <a:endCxn id="77" idx="1"/>
+          </p:cNvCxnSpPr>
+          <p:nvPr/>
+        </p:nvCxnSpPr>
+        <p:spPr>
+          <a:xfrm flipH="1">
+            <a:off x="5847477" y="4732013"/>
+            <a:ext cx="551368" cy="623406"/>
+          </a:xfrm>
+          <a:prstGeom prst="line">
+            <a:avLst/>
+          </a:prstGeom>
+          <a:ln w="12700">
+            <a:solidFill>
+              <a:schemeClr val="tx1"/>
+            </a:solidFill>
+          </a:ln>
+        </p:spPr>
+        <p:style>
+          <a:lnRef idx="1">
+            <a:schemeClr val="accent2"/>
+          </a:lnRef>
+          <a:fillRef idx="0">
+            <a:schemeClr val="accent2"/>
+          </a:fillRef>
+          <a:effectRef idx="0">
+            <a:schemeClr val="accent2"/>
+          </a:effectRef>
+          <a:fontRef idx="minor">
+            <a:schemeClr val="tx1"/>
+          </a:fontRef>
+        </p:style>
+      </p:cxnSp>
+      <p:sp>
+        <p:nvSpPr>
+          <p:cNvPr id="77" name="三角形 76">
+            <a:extLst>
+              <a:ext uri="{FF2B5EF4-FFF2-40B4-BE49-F238E27FC236}">
+                <a16:creationId xmlns:a16="http://schemas.microsoft.com/office/drawing/2014/main" id="{FA155DBD-D018-2AD9-BD38-44DC874216E5}"/>
+              </a:ext>
+            </a:extLst>
+          </p:cNvPr>
+          <p:cNvSpPr/>
+          <p:nvPr/>
+        </p:nvSpPr>
+        <p:spPr>
+          <a:xfrm rot="4237976">
+            <a:off x="5750558" y="5313862"/>
+            <a:ext cx="232367" cy="192723"/>
+          </a:xfrm>
+          <a:prstGeom prst="triangle">
+            <a:avLst/>
+          </a:prstGeom>
+          <a:solidFill>
+            <a:schemeClr val="accent6">
+              <a:lumMod val="40000"/>
+              <a:lumOff val="60000"/>
+            </a:schemeClr>
+          </a:solidFill>
+          <a:ln>
+            <a:solidFill>
+              <a:schemeClr val="tx1"/>
+            </a:solidFill>
+          </a:ln>
+        </p:spPr>
+        <p:style>
+          <a:lnRef idx="2">
+            <a:schemeClr val="accent1">
+              <a:shade val="50000"/>
+            </a:schemeClr>
+          </a:lnRef>
+          <a:fillRef idx="1">
+            <a:schemeClr val="accent1"/>
+          </a:fillRef>
+          <a:effectRef idx="0">
+            <a:schemeClr val="accent1"/>
+          </a:effectRef>
+          <a:fontRef idx="minor">
+            <a:schemeClr val="lt1"/>
+          </a:fontRef>
+        </p:style>
+        <p:txBody>
+          <a:bodyPr rtlCol="0" anchor="ctr"/>
+          <a:lstStyle/>
+          <a:p>
+            <a:pPr algn="ctr"/>
+            <a:endParaRPr kumimoji="1" lang="zh-TW" altLang="en-US"/>
+          </a:p>
+        </p:txBody>
+      </p:sp>
+      <p:sp>
+        <p:nvSpPr>
+          <p:cNvPr id="81" name="三角形 80">
+            <a:extLst>
+              <a:ext uri="{FF2B5EF4-FFF2-40B4-BE49-F238E27FC236}">
+                <a16:creationId xmlns:a16="http://schemas.microsoft.com/office/drawing/2014/main" id="{3486ED7E-70E2-6A44-1583-2E4181572BA7}"/>
+              </a:ext>
+            </a:extLst>
+          </p:cNvPr>
+          <p:cNvSpPr/>
+          <p:nvPr/>
+        </p:nvSpPr>
+        <p:spPr>
+          <a:xfrm rot="7928834">
+            <a:off x="6364629" y="3827177"/>
+            <a:ext cx="232367" cy="192723"/>
+          </a:xfrm>
+          <a:prstGeom prst="triangle">
+            <a:avLst/>
+          </a:prstGeom>
+          <a:solidFill>
+            <a:schemeClr val="accent2">
+              <a:lumMod val="75000"/>
+            </a:schemeClr>
+          </a:solidFill>
+          <a:ln>
+            <a:solidFill>
+              <a:schemeClr val="tx1"/>
+            </a:solidFill>
+          </a:ln>
+        </p:spPr>
+        <p:style>
+          <a:lnRef idx="2">
+            <a:schemeClr val="accent1">
+              <a:shade val="50000"/>
+            </a:schemeClr>
+          </a:lnRef>
+          <a:fillRef idx="1">
+            <a:schemeClr val="accent1"/>
+          </a:fillRef>
+          <a:effectRef idx="0">
+            <a:schemeClr val="accent1"/>
+          </a:effectRef>
+          <a:fontRef idx="minor">
+            <a:schemeClr val="lt1"/>
+          </a:fontRef>
+        </p:style>
+        <p:txBody>
+          <a:bodyPr rtlCol="0" anchor="ctr"/>
+          <a:lstStyle/>
+          <a:p>
+            <a:pPr algn="ctr"/>
+            <a:endParaRPr kumimoji="1" lang="zh-TW" altLang="en-US"/>
+          </a:p>
+        </p:txBody>
+      </p:sp>
+      <p:cxnSp>
+        <p:nvCxnSpPr>
+          <p:cNvPr id="83" name="直線接點 82">
+            <a:extLst>
+              <a:ext uri="{FF2B5EF4-FFF2-40B4-BE49-F238E27FC236}">
+                <a16:creationId xmlns:a16="http://schemas.microsoft.com/office/drawing/2014/main" id="{A7BF1048-49AB-A5C8-8186-D3638FDDDB40}"/>
+              </a:ext>
+            </a:extLst>
+          </p:cNvPr>
+          <p:cNvCxnSpPr>
+            <a:cxnSpLocks/>
+            <a:endCxn id="70" idx="1"/>
+          </p:cNvCxnSpPr>
+          <p:nvPr/>
+        </p:nvCxnSpPr>
+        <p:spPr>
+          <a:xfrm>
+            <a:off x="6456263" y="3967849"/>
+            <a:ext cx="23897" cy="633117"/>
+          </a:xfrm>
+          <a:prstGeom prst="line">
+            <a:avLst/>
+          </a:prstGeom>
+          <a:ln w="12700">
+            <a:solidFill>
+              <a:schemeClr val="tx1"/>
+            </a:solidFill>
+          </a:ln>
+        </p:spPr>
+        <p:style>
+          <a:lnRef idx="1">
+            <a:schemeClr val="accent2"/>
+          </a:lnRef>
+          <a:fillRef idx="0">
+            <a:schemeClr val="accent2"/>
+          </a:fillRef>
+          <a:effectRef idx="0">
+            <a:schemeClr val="accent2"/>
+          </a:effectRef>
+          <a:fontRef idx="minor">
+            <a:schemeClr val="tx1"/>
+          </a:fontRef>
+        </p:style>
+      </p:cxnSp>
+      <p:sp>
+        <p:nvSpPr>
+          <p:cNvPr id="86" name="標題 1">
+            <a:extLst>
+              <a:ext uri="{FF2B5EF4-FFF2-40B4-BE49-F238E27FC236}">
+                <a16:creationId xmlns:a16="http://schemas.microsoft.com/office/drawing/2014/main" id="{6E2031F8-D529-2E70-A816-BF25BACA6B22}"/>
+              </a:ext>
+            </a:extLst>
+          </p:cNvPr>
+          <p:cNvSpPr>
+            <a:spLocks noGrp="1"/>
+          </p:cNvSpPr>
+          <p:nvPr>
+            <p:ph type="title"/>
+          </p:nvPr>
+        </p:nvSpPr>
+        <p:spPr>
+          <a:xfrm>
+            <a:off x="185980" y="136526"/>
+            <a:ext cx="11677972" cy="808872"/>
+          </a:xfrm>
+        </p:spPr>
+        <p:txBody>
+          <a:bodyPr/>
+          <a:lstStyle/>
+          <a:p>
+            <a:r>
+              <a:rPr kumimoji="1" lang="en-US" altLang="zh-TW" dirty="0" err="1"/>
+              <a:t>BC-Learning+ProtoNet</a:t>
+            </a:r>
+            <a:r>
+              <a:rPr kumimoji="1" lang="zh-TW" altLang="en-US" dirty="0"/>
+              <a:t>概念圖</a:t>
+            </a:r>
+          </a:p>
+        </p:txBody>
+      </p:sp>
+    </p:spTree>
+    <p:extLst>
+      <p:ext uri="{BB962C8B-B14F-4D97-AF65-F5344CB8AC3E}">
+        <p14:creationId xmlns:p14="http://schemas.microsoft.com/office/powerpoint/2010/main" val="1361376231"/>
+      </p:ext>
+    </p:extLst>
+  </p:cSld>
+  <p:clrMapOvr>
+    <a:masterClrMapping/>
+  </p:clrMapOvr>
+</p:sld>
+</file>
+
+<file path=ppt/slides/slide5.xml><?xml version="1.0" encoding="utf-8"?>
+<p:sld xmlns:a="http://schemas.openxmlformats.org/drawingml/2006/main" xmlns:r="http://schemas.openxmlformats.org/officeDocument/2006/relationships" xmlns:p="http://schemas.openxmlformats.org/presentationml/2006/main">
+  <p:cSld>
+    <p:spTree>
+      <p:nvGrpSpPr>
+        <p:cNvPr id="1" name=""/>
+        <p:cNvGrpSpPr/>
+        <p:nvPr/>
+      </p:nvGrpSpPr>
+      <p:grpSpPr>
+        <a:xfrm>
+          <a:off x="0" y="0"/>
+          <a:ext cx="0" cy="0"/>
+          <a:chOff x="0" y="0"/>
+          <a:chExt cx="0" cy="0"/>
+        </a:xfrm>
+      </p:grpSpPr>
+      <p:sp>
+        <p:nvSpPr>
+          <p:cNvPr id="2" name="標題 1">
+            <a:extLst>
+              <a:ext uri="{FF2B5EF4-FFF2-40B4-BE49-F238E27FC236}">
+                <a16:creationId xmlns:a16="http://schemas.microsoft.com/office/drawing/2014/main" id="{98F0BD7F-50BC-AC97-5621-DC9F622CBAFA}"/>
+              </a:ext>
+            </a:extLst>
+          </p:cNvPr>
+          <p:cNvSpPr>
+            <a:spLocks noGrp="1"/>
+          </p:cNvSpPr>
+          <p:nvPr>
+            <p:ph type="title"/>
+          </p:nvPr>
+        </p:nvSpPr>
+        <p:spPr/>
+        <p:txBody>
+          <a:bodyPr/>
+          <a:lstStyle/>
+          <a:p>
+            <a:r>
+              <a:rPr kumimoji="1" lang="en-US" altLang="zh-TW" dirty="0" err="1"/>
+              <a:t>BC-Learning+ProtoNet</a:t>
+            </a:r>
+            <a:r>
+              <a:rPr kumimoji="1" lang="zh-TW" altLang="en-US" dirty="0"/>
+              <a:t>想法</a:t>
+            </a:r>
+          </a:p>
+        </p:txBody>
+      </p:sp>
+      <p:sp>
+        <p:nvSpPr>
+          <p:cNvPr id="3" name="內容版面配置區 2">
+            <a:extLst>
+              <a:ext uri="{FF2B5EF4-FFF2-40B4-BE49-F238E27FC236}">
+                <a16:creationId xmlns:a16="http://schemas.microsoft.com/office/drawing/2014/main" id="{565624B5-E4AE-C2BD-C8C7-EC23DD5C61F6}"/>
+              </a:ext>
+            </a:extLst>
+          </p:cNvPr>
+          <p:cNvSpPr>
+            <a:spLocks noGrp="1"/>
+          </p:cNvSpPr>
+          <p:nvPr>
+            <p:ph idx="1"/>
+          </p:nvPr>
+        </p:nvSpPr>
+        <p:spPr/>
+        <p:txBody>
+          <a:bodyPr/>
+          <a:lstStyle/>
+          <a:p>
+            <a:pPr>
+              <a:lnSpc>
+                <a:spcPct val="150000"/>
+              </a:lnSpc>
+            </a:pPr>
+            <a:r>
+              <a:rPr kumimoji="1" lang="en-US" altLang="zh-TW" dirty="0"/>
+              <a:t>BC-learning</a:t>
+            </a:r>
+            <a:r>
+              <a:rPr kumimoji="1" lang="zh-TW" altLang="en-US" dirty="0"/>
+              <a:t>實作上的重點在一個有</a:t>
+            </a:r>
+            <a:r>
+              <a:rPr kumimoji="1" lang="en-US" altLang="zh-TW" dirty="0"/>
+              <a:t>N</a:t>
+            </a:r>
+            <a:r>
+              <a:rPr kumimoji="1" lang="zh-TW" altLang="en-US" dirty="0"/>
+              <a:t>個類別的訓練集中，隨機選取個</a:t>
+            </a:r>
+            <a:r>
+              <a:rPr kumimoji="1" lang="en-US" altLang="zh-TW" dirty="0"/>
+              <a:t>M</a:t>
+            </a:r>
+            <a:r>
+              <a:rPr kumimoji="1" lang="zh-TW" altLang="en-US" dirty="0"/>
+              <a:t>個類別</a:t>
+            </a:r>
+            <a:r>
+              <a:rPr kumimoji="1" lang="en-US" altLang="zh-TW" dirty="0"/>
+              <a:t>(N &gt;M)</a:t>
+            </a:r>
+            <a:r>
+              <a:rPr kumimoji="1" lang="zh-TW" altLang="en-US" dirty="0"/>
+              <a:t>，在從這</a:t>
+            </a:r>
+            <a:r>
+              <a:rPr kumimoji="1" lang="en-US" altLang="zh-TW" dirty="0"/>
+              <a:t>M</a:t>
+            </a:r>
+            <a:r>
+              <a:rPr kumimoji="1" lang="zh-TW" altLang="en-US" dirty="0"/>
+              <a:t>個類別中各隨機選取</a:t>
+            </a:r>
+            <a:r>
+              <a:rPr kumimoji="1" lang="en-US" altLang="zh-TW" dirty="0"/>
+              <a:t>1</a:t>
+            </a:r>
+            <a:r>
+              <a:rPr kumimoji="1" lang="zh-TW" altLang="en-US" dirty="0"/>
+              <a:t>個樣本進行混合，而這個混合的樣本的標籤，也是依照樣本混合比例進行產生。這是</a:t>
+            </a:r>
+            <a:r>
+              <a:rPr kumimoji="1" lang="en-US" altLang="zh-TW" dirty="0"/>
+              <a:t>BC-Learning</a:t>
+            </a:r>
+            <a:r>
+              <a:rPr kumimoji="1" lang="zh-TW" altLang="en-US" dirty="0"/>
+              <a:t>不嚴謹的白話文描述。</a:t>
+            </a:r>
+            <a:endParaRPr kumimoji="1" lang="en-US" altLang="zh-TW" dirty="0"/>
+          </a:p>
+          <a:p>
+            <a:pPr>
+              <a:lnSpc>
+                <a:spcPct val="150000"/>
+              </a:lnSpc>
+            </a:pPr>
+            <a:r>
+              <a:rPr kumimoji="1" lang="en-US" altLang="zh-TW" dirty="0"/>
+              <a:t>Proto-Net</a:t>
+            </a:r>
+            <a:r>
+              <a:rPr kumimoji="1" lang="zh-TW" altLang="en-US" dirty="0"/>
+              <a:t>簡單來說，做二件事：</a:t>
+            </a:r>
+            <a:endParaRPr kumimoji="1" lang="en-US" altLang="zh-TW" dirty="0"/>
+          </a:p>
+          <a:p>
+            <a:pPr lvl="1"/>
+            <a:r>
+              <a:rPr kumimoji="1" lang="zh-TW" altLang="en-US" dirty="0"/>
+              <a:t>學習</a:t>
+            </a:r>
+            <a:r>
+              <a:rPr kumimoji="1" lang="en-US" altLang="zh-TW" dirty="0" err="1"/>
+              <a:t>input→embedding</a:t>
+            </a:r>
+            <a:r>
+              <a:rPr kumimoji="1" lang="zh-TW" altLang="en-US" dirty="0"/>
+              <a:t>的非線性映射。</a:t>
+            </a:r>
+            <a:endParaRPr kumimoji="1" lang="en-US" altLang="zh-TW" dirty="0"/>
+          </a:p>
+          <a:p>
+            <a:pPr lvl="1"/>
+            <a:r>
+              <a:rPr kumimoji="1" lang="zh-TW" altLang="en-US" dirty="0"/>
+              <a:t>計算類別的</a:t>
+            </a:r>
+            <a:r>
+              <a:rPr kumimoji="1" lang="en-US" altLang="zh-TW" dirty="0"/>
+              <a:t>protype representation</a:t>
+            </a:r>
+            <a:r>
+              <a:rPr kumimoji="1" lang="zh-TW" altLang="en-US" dirty="0"/>
+              <a:t>。</a:t>
+            </a:r>
+            <a:endParaRPr kumimoji="1" lang="en-US" altLang="zh-TW" dirty="0"/>
+          </a:p>
+          <a:p>
+            <a:pPr>
+              <a:lnSpc>
+                <a:spcPct val="150000"/>
+              </a:lnSpc>
+            </a:pPr>
+            <a:r>
+              <a:rPr kumimoji="1" lang="zh-TW" altLang="en-US" dirty="0"/>
+              <a:t>結合</a:t>
+            </a:r>
+            <a:r>
+              <a:rPr kumimoji="1" lang="en-US" altLang="zh-TW" dirty="0"/>
+              <a:t>BC-Learning</a:t>
+            </a:r>
+            <a:r>
+              <a:rPr kumimoji="1" lang="zh-TW" altLang="en-US" dirty="0"/>
+              <a:t>及</a:t>
+            </a:r>
+            <a:r>
+              <a:rPr kumimoji="1" lang="en-US" altLang="zh-TW" dirty="0" err="1"/>
+              <a:t>ProtoNet</a:t>
+            </a:r>
+            <a:r>
+              <a:rPr kumimoji="1" lang="zh-TW" altLang="en-US" dirty="0"/>
+              <a:t>的目的：</a:t>
+            </a:r>
+            <a:endParaRPr kumimoji="1" lang="en-US" altLang="zh-TW" dirty="0"/>
+          </a:p>
+          <a:p>
+            <a:pPr lvl="1">
+              <a:lnSpc>
+                <a:spcPct val="150000"/>
+              </a:lnSpc>
+            </a:pPr>
+            <a:r>
+              <a:rPr kumimoji="1" lang="zh-TW" altLang="en-US" dirty="0"/>
+              <a:t>以</a:t>
+            </a:r>
+            <a:r>
+              <a:rPr kumimoji="1" lang="zh-TW" altLang="en-US" dirty="0">
+                <a:solidFill>
+                  <a:srgbClr val="FF0000"/>
+                </a:solidFill>
+              </a:rPr>
+              <a:t>更少的樣本</a:t>
+            </a:r>
+            <a:r>
+              <a:rPr kumimoji="1" lang="zh-TW" altLang="en-US" dirty="0"/>
+              <a:t>得到</a:t>
+            </a:r>
+            <a:r>
+              <a:rPr kumimoji="1" lang="zh-TW" altLang="en-US" dirty="0">
+                <a:solidFill>
+                  <a:srgbClr val="FF0000"/>
+                </a:solidFill>
+              </a:rPr>
+              <a:t>泛化更好的</a:t>
+            </a:r>
+            <a:r>
+              <a:rPr kumimoji="1" lang="zh-TW" altLang="en-US" dirty="0"/>
+              <a:t>訓練模型。</a:t>
+            </a:r>
+            <a:endParaRPr kumimoji="1" lang="en-US" altLang="zh-TW" dirty="0"/>
+          </a:p>
+        </p:txBody>
+      </p:sp>
+    </p:spTree>
+    <p:extLst>
+      <p:ext uri="{BB962C8B-B14F-4D97-AF65-F5344CB8AC3E}">
+        <p14:creationId xmlns:p14="http://schemas.microsoft.com/office/powerpoint/2010/main" val="3301016790"/>
+      </p:ext>
+    </p:extLst>
+  </p:cSld>
+  <p:clrMapOvr>
+    <a:masterClrMapping/>
+  </p:clrMapOvr>
+</p:sld>
+</file>
+
+<file path=ppt/slides/slide6.xml><?xml version="1.0" encoding="utf-8"?>
+<p:sld xmlns:a="http://schemas.openxmlformats.org/drawingml/2006/main" xmlns:r="http://schemas.openxmlformats.org/officeDocument/2006/relationships" xmlns:p="http://schemas.openxmlformats.org/presentationml/2006/main">
+  <p:cSld>
+    <p:spTree>
+      <p:nvGrpSpPr>
+        <p:cNvPr id="1" name=""/>
+        <p:cNvGrpSpPr/>
+        <p:nvPr/>
+      </p:nvGrpSpPr>
+      <p:grpSpPr>
+        <a:xfrm>
+          <a:off x="0" y="0"/>
+          <a:ext cx="0" cy="0"/>
+          <a:chOff x="0" y="0"/>
+          <a:chExt cx="0" cy="0"/>
+        </a:xfrm>
+      </p:grpSpPr>
+      <p:sp>
+        <p:nvSpPr>
+          <p:cNvPr id="2" name="標題 1">
+            <a:extLst>
+              <a:ext uri="{FF2B5EF4-FFF2-40B4-BE49-F238E27FC236}">
+                <a16:creationId xmlns:a16="http://schemas.microsoft.com/office/drawing/2014/main" id="{98F0BD7F-50BC-AC97-5621-DC9F622CBAFA}"/>
+              </a:ext>
+            </a:extLst>
+          </p:cNvPr>
+          <p:cNvSpPr>
+            <a:spLocks noGrp="1"/>
+          </p:cNvSpPr>
+          <p:nvPr>
+            <p:ph type="title"/>
+          </p:nvPr>
+        </p:nvSpPr>
+        <p:spPr/>
+        <p:txBody>
+          <a:bodyPr/>
+          <a:lstStyle/>
+          <a:p>
+            <a:r>
+              <a:rPr kumimoji="1" lang="en-US" altLang="zh-TW" dirty="0" err="1"/>
+              <a:t>BC-Learning+ProtoNet</a:t>
+            </a:r>
+            <a:r>
+              <a:rPr kumimoji="1" lang="zh-TW" altLang="en-US" dirty="0"/>
+              <a:t>想法</a:t>
+            </a:r>
+            <a:r>
+              <a:rPr kumimoji="1" lang="en-US" altLang="zh-TW" dirty="0"/>
+              <a:t>(Cont.)</a:t>
+            </a:r>
+            <a:endParaRPr kumimoji="1" lang="zh-TW" altLang="en-US" dirty="0"/>
+          </a:p>
+        </p:txBody>
+      </p:sp>
+      <p:sp>
+        <p:nvSpPr>
+          <p:cNvPr id="3" name="內容版面配置區 2">
+            <a:extLst>
+              <a:ext uri="{FF2B5EF4-FFF2-40B4-BE49-F238E27FC236}">
+                <a16:creationId xmlns:a16="http://schemas.microsoft.com/office/drawing/2014/main" id="{565624B5-E4AE-C2BD-C8C7-EC23DD5C61F6}"/>
+              </a:ext>
+            </a:extLst>
+          </p:cNvPr>
+          <p:cNvSpPr>
+            <a:spLocks noGrp="1"/>
+          </p:cNvSpPr>
+          <p:nvPr>
+            <p:ph idx="1"/>
+          </p:nvPr>
+        </p:nvSpPr>
+        <p:spPr/>
+        <p:txBody>
+          <a:bodyPr/>
+          <a:lstStyle/>
+          <a:p>
+            <a:pPr>
+              <a:lnSpc>
+                <a:spcPct val="150000"/>
+              </a:lnSpc>
+            </a:pPr>
+            <a:r>
+              <a:rPr kumimoji="1" lang="zh-TW" altLang="en-US" dirty="0"/>
+              <a:t>問題點：</a:t>
+            </a:r>
+            <a:endParaRPr kumimoji="1" lang="en-US" altLang="zh-TW" dirty="0"/>
+          </a:p>
+          <a:p>
+            <a:pPr lvl="1">
+              <a:lnSpc>
+                <a:spcPct val="150000"/>
+              </a:lnSpc>
+            </a:pPr>
+            <a:r>
+              <a:rPr kumimoji="1" lang="en-US" altLang="zh-TW" dirty="0"/>
+              <a:t>BC-Learning</a:t>
+            </a:r>
+            <a:r>
+              <a:rPr kumimoji="1" lang="zh-TW" altLang="en-US" dirty="0"/>
+              <a:t>中樣本的產生方式修改。</a:t>
+            </a:r>
+            <a:endParaRPr kumimoji="1" lang="en-US" altLang="zh-TW" dirty="0"/>
+          </a:p>
+          <a:p>
+            <a:pPr lvl="1">
+              <a:lnSpc>
+                <a:spcPct val="150000"/>
+              </a:lnSpc>
+            </a:pPr>
+            <a:r>
+              <a:rPr kumimoji="1" lang="zh-TW" altLang="en-US" dirty="0"/>
+              <a:t>由</a:t>
+            </a:r>
+            <a:r>
+              <a:rPr kumimoji="1" lang="en-US" altLang="zh-TW" dirty="0"/>
+              <a:t>BC-Learning</a:t>
+            </a:r>
+            <a:r>
+              <a:rPr kumimoji="1" lang="zh-TW" altLang="en-US" dirty="0"/>
+              <a:t>產生出來的樣本，對應的 </a:t>
+            </a:r>
+            <a:r>
+              <a:rPr kumimoji="1" lang="en-US" altLang="zh-TW" dirty="0"/>
+              <a:t>Label</a:t>
+            </a:r>
+            <a:r>
+              <a:rPr kumimoji="1" lang="zh-TW" altLang="en-US" dirty="0"/>
+              <a:t>如何產生，才能符合</a:t>
+            </a:r>
+            <a:r>
+              <a:rPr kumimoji="1" lang="en-US" altLang="zh-TW" dirty="0" err="1"/>
+              <a:t>ProtoNet</a:t>
+            </a:r>
+            <a:r>
+              <a:rPr kumimoji="1" lang="zh-TW" altLang="en-US" dirty="0"/>
+              <a:t>的需求。</a:t>
+            </a:r>
+            <a:endParaRPr kumimoji="1" lang="en-US" altLang="zh-TW" dirty="0"/>
+          </a:p>
+          <a:p>
+            <a:pPr lvl="1">
+              <a:lnSpc>
+                <a:spcPct val="150000"/>
+              </a:lnSpc>
+            </a:pPr>
+            <a:r>
+              <a:rPr kumimoji="1" lang="zh-TW" altLang="en-US" dirty="0"/>
+              <a:t>類別的</a:t>
+            </a:r>
+            <a:r>
+              <a:rPr kumimoji="1" lang="en-US" altLang="zh-TW" dirty="0"/>
+              <a:t>protype representation</a:t>
+            </a:r>
+            <a:r>
+              <a:rPr kumimoji="1" lang="zh-TW" altLang="en-US" dirty="0"/>
+              <a:t>與</a:t>
+            </a:r>
+            <a:r>
+              <a:rPr kumimoji="1" lang="en-US" altLang="zh-TW" dirty="0"/>
+              <a:t>BC-Learning</a:t>
+            </a:r>
+            <a:r>
+              <a:rPr kumimoji="1" lang="zh-TW" altLang="en-US" dirty="0"/>
+              <a:t>產生的訓練集如何</a:t>
+            </a:r>
+            <a:r>
+              <a:rPr kumimoji="1" lang="en-US" altLang="zh-TW" dirty="0"/>
+              <a:t>…</a:t>
+            </a:r>
+          </a:p>
+          <a:p>
+            <a:pPr lvl="1">
+              <a:lnSpc>
+                <a:spcPct val="150000"/>
+              </a:lnSpc>
+            </a:pPr>
+            <a:r>
+              <a:rPr kumimoji="1" lang="en-US" altLang="zh-TW" dirty="0"/>
+              <a:t>Loss-Function</a:t>
+            </a:r>
+            <a:r>
+              <a:rPr kumimoji="1" lang="zh-TW" altLang="en-US" dirty="0"/>
+              <a:t>的定義。</a:t>
+            </a:r>
+            <a:endParaRPr kumimoji="1" lang="en-US" altLang="zh-TW" dirty="0"/>
+          </a:p>
+        </p:txBody>
+      </p:sp>
+    </p:spTree>
+    <p:extLst>
+      <p:ext uri="{BB962C8B-B14F-4D97-AF65-F5344CB8AC3E}">
+        <p14:creationId xmlns:p14="http://schemas.microsoft.com/office/powerpoint/2010/main" val="2727185304"/>
+      </p:ext>
+    </p:extLst>
+  </p:cSld>
+  <p:clrMapOvr>
+    <a:masterClrMapping/>
+  </p:clrMapOvr>
+</p:sld>
+</file>
+
+<file path=ppt/slides/slide7.xml><?xml version="1.0" encoding="utf-8"?>
+<p:sld xmlns:a="http://schemas.openxmlformats.org/drawingml/2006/main" xmlns:r="http://schemas.openxmlformats.org/officeDocument/2006/relationships" xmlns:p="http://schemas.openxmlformats.org/presentationml/2006/main">
+  <p:cSld>
+    <p:spTree>
+      <p:nvGrpSpPr>
+        <p:cNvPr id="1" name=""/>
+        <p:cNvGrpSpPr/>
+        <p:nvPr/>
+      </p:nvGrpSpPr>
+      <p:grpSpPr>
+        <a:xfrm>
+          <a:off x="0" y="0"/>
+          <a:ext cx="0" cy="0"/>
+          <a:chOff x="0" y="0"/>
+          <a:chExt cx="0" cy="0"/>
+        </a:xfrm>
+      </p:grpSpPr>
+      <p:pic>
+        <p:nvPicPr>
+          <p:cNvPr id="7" name="圖片 6">
+            <a:extLst>
+              <a:ext uri="{FF2B5EF4-FFF2-40B4-BE49-F238E27FC236}">
+                <a16:creationId xmlns:a16="http://schemas.microsoft.com/office/drawing/2014/main" id="{D78CEBE7-90D4-94B8-7683-134059B9279D}"/>
+              </a:ext>
+            </a:extLst>
+          </p:cNvPr>
+          <p:cNvPicPr>
+            <a:picLocks noChangeAspect="1"/>
+          </p:cNvPicPr>
+          <p:nvPr/>
+        </p:nvPicPr>
+        <p:blipFill>
+          <a:blip r:embed="rId2"/>
+          <a:stretch>
+            <a:fillRect/>
+          </a:stretch>
+        </p:blipFill>
+        <p:spPr>
+          <a:xfrm>
+            <a:off x="2463113" y="3198341"/>
+            <a:ext cx="7317754" cy="3601864"/>
+          </a:xfrm>
+          <a:prstGeom prst="rect">
+            <a:avLst/>
+          </a:prstGeom>
+        </p:spPr>
+      </p:pic>
+      <p:pic>
+        <p:nvPicPr>
+          <p:cNvPr id="5" name="內容版面配置區 4">
+            <a:extLst>
+              <a:ext uri="{FF2B5EF4-FFF2-40B4-BE49-F238E27FC236}">
+                <a16:creationId xmlns:a16="http://schemas.microsoft.com/office/drawing/2014/main" id="{7C8C4246-3A7F-DEA8-F9E2-18D510030890}"/>
+              </a:ext>
+            </a:extLst>
+          </p:cNvPr>
+          <p:cNvPicPr>
+            <a:picLocks noGrp="1" noChangeAspect="1"/>
+          </p:cNvPicPr>
+          <p:nvPr>
+            <p:ph idx="1"/>
+          </p:nvPr>
+        </p:nvPicPr>
+        <p:blipFill>
+          <a:blip r:embed="rId3"/>
+          <a:stretch>
+            <a:fillRect/>
+          </a:stretch>
+        </p:blipFill>
+        <p:spPr>
+          <a:xfrm>
+            <a:off x="2205308" y="57795"/>
+            <a:ext cx="7408249" cy="3374268"/>
+          </a:xfrm>
+        </p:spPr>
+      </p:pic>
+    </p:spTree>
+    <p:extLst>
+      <p:ext uri="{BB962C8B-B14F-4D97-AF65-F5344CB8AC3E}">
+        <p14:creationId xmlns:p14="http://schemas.microsoft.com/office/powerpoint/2010/main" val="3787056973"/>
+      </p:ext>
+    </p:extLst>
+  </p:cSld>
+  <p:clrMapOvr>
+    <a:masterClrMapping/>
+  </p:clrMapOvr>
+</p:sld>
+</file>
+
+<file path=ppt/slides/slide8.xml><?xml version="1.0" encoding="utf-8"?>
+<p:sld xmlns:a="http://schemas.openxmlformats.org/drawingml/2006/main" xmlns:r="http://schemas.openxmlformats.org/officeDocument/2006/relationships" xmlns:p="http://schemas.openxmlformats.org/presentationml/2006/main">
+  <p:cSld>
+    <p:spTree>
+      <p:nvGrpSpPr>
+        <p:cNvPr id="1" name=""/>
+        <p:cNvGrpSpPr/>
+        <p:nvPr/>
+      </p:nvGrpSpPr>
+      <p:grpSpPr>
+        <a:xfrm>
+          <a:off x="0" y="0"/>
+          <a:ext cx="0" cy="0"/>
+          <a:chOff x="0" y="0"/>
+          <a:chExt cx="0" cy="0"/>
+        </a:xfrm>
+      </p:grpSpPr>
+      <p:sp>
+        <p:nvSpPr>
+          <p:cNvPr id="2" name="標題 1">
+            <a:extLst>
+              <a:ext uri="{FF2B5EF4-FFF2-40B4-BE49-F238E27FC236}">
+                <a16:creationId xmlns:a16="http://schemas.microsoft.com/office/drawing/2014/main" id="{E1636E7A-1007-B54E-9218-BFCE144DD1B4}"/>
+              </a:ext>
+            </a:extLst>
+          </p:cNvPr>
+          <p:cNvSpPr>
+            <a:spLocks noGrp="1"/>
+          </p:cNvSpPr>
+          <p:nvPr>
+            <p:ph type="title"/>
+          </p:nvPr>
+        </p:nvSpPr>
+        <p:spPr/>
+        <p:txBody>
+          <a:bodyPr/>
+          <a:lstStyle/>
+          <a:p>
+            <a:r>
               <a:rPr kumimoji="1" lang="en-US" altLang="zh-TW" dirty="0"/>
               <a:t>Fisher’s Criteria</a:t>
             </a:r>
@@ -4320,8 +6637,8 @@
           </a:p>
         </p:txBody>
       </p:sp>
-      <mc:AlternateContent xmlns:mc="http://schemas.openxmlformats.org/markup-compatibility/2006">
-        <mc:Choice xmlns:a14="http://schemas.microsoft.com/office/drawing/2010/main" Requires="a14">
+      <mc:AlternateContent xmlns:mc="http://schemas.openxmlformats.org/markup-compatibility/2006" xmlns:a14="http://schemas.microsoft.com/office/drawing/2010/main">
+        <mc:Choice Requires="a14">
           <p:sp>
             <p:nvSpPr>
               <p:cNvPr id="5" name="文字方塊 4">
@@ -4453,7 +6770,7 @@
             </p:txBody>
           </p:sp>
         </mc:Choice>
-        <mc:Fallback>
+        <mc:Fallback xmlns="">
           <p:sp>
             <p:nvSpPr>
               <p:cNvPr id="5" name="文字方塊 4">
@@ -5711,7 +8028,7 @@
         </p:nvSpPr>
         <p:spPr>
           <a:xfrm>
-            <a:off x="8398410" y="1343372"/>
+            <a:off x="5828502" y="3305975"/>
             <a:ext cx="2421925" cy="369332"/>
           </a:xfrm>
           <a:prstGeom prst="rect">
@@ -5747,7 +8064,7 @@
         </p:nvSpPr>
         <p:spPr>
           <a:xfrm>
-            <a:off x="6003833" y="3405519"/>
+            <a:off x="7687627" y="923462"/>
             <a:ext cx="1835348" cy="369332"/>
           </a:xfrm>
           <a:prstGeom prst="rect">
@@ -5779,14 +8096,14 @@
             </a:extLst>
           </p:cNvPr>
           <p:cNvCxnSpPr>
-            <a:stCxn id="58" idx="1"/>
+            <a:cxnSpLocks/>
           </p:cNvCxnSpPr>
           <p:nvPr/>
         </p:nvCxnSpPr>
         <p:spPr>
           <a:xfrm flipH="1">
-            <a:off x="7692449" y="1528038"/>
-            <a:ext cx="705961" cy="311784"/>
+            <a:off x="6861887" y="1126301"/>
+            <a:ext cx="850987" cy="216862"/>
           </a:xfrm>
           <a:prstGeom prst="straightConnector1">
             <a:avLst/>
@@ -5813,595 +8130,124 @@
           </a:fontRef>
         </p:style>
       </p:cxnSp>
-      <p:cxnSp>
-        <p:nvCxnSpPr>
-          <p:cNvPr id="62" name="直線箭頭接點 61">
-            <a:extLst>
-              <a:ext uri="{FF2B5EF4-FFF2-40B4-BE49-F238E27FC236}">
-                <a16:creationId xmlns:a16="http://schemas.microsoft.com/office/drawing/2014/main" id="{450C448F-650C-525F-DE7F-F3EE0C1DEF4D}"/>
-              </a:ext>
-            </a:extLst>
-          </p:cNvPr>
-          <p:cNvCxnSpPr>
-            <a:cxnSpLocks/>
-            <a:stCxn id="58" idx="2"/>
-          </p:cNvCxnSpPr>
+      <p:sp>
+        <p:nvSpPr>
+          <p:cNvPr id="13" name="文字方塊 12">
+            <a:extLst>
+              <a:ext uri="{FF2B5EF4-FFF2-40B4-BE49-F238E27FC236}">
+                <a16:creationId xmlns:a16="http://schemas.microsoft.com/office/drawing/2014/main" id="{8CCD03B6-8F44-45D6-50AF-D8028FAAF472}"/>
+              </a:ext>
+            </a:extLst>
+          </p:cNvPr>
+          <p:cNvSpPr txBox="1"/>
           <p:nvPr/>
-        </p:nvCxnSpPr>
+        </p:nvSpPr>
         <p:spPr>
           <a:xfrm>
-            <a:off x="9609373" y="1712704"/>
-            <a:ext cx="453209" cy="1556781"/>
-          </a:xfrm>
-          <a:prstGeom prst="straightConnector1">
+            <a:off x="173605" y="2479115"/>
+            <a:ext cx="4456092" cy="646331"/>
+          </a:xfrm>
+          <a:prstGeom prst="rect">
             <a:avLst/>
           </a:prstGeom>
-          <a:ln w="28575">
-            <a:solidFill>
-              <a:schemeClr val="tx1"/>
-            </a:solidFill>
-            <a:tailEnd type="triangle"/>
-          </a:ln>
-        </p:spPr>
-        <p:style>
-          <a:lnRef idx="3">
-            <a:schemeClr val="accent3"/>
-          </a:lnRef>
-          <a:fillRef idx="0">
-            <a:schemeClr val="accent3"/>
-          </a:fillRef>
-          <a:effectRef idx="2">
-            <a:schemeClr val="accent3"/>
-          </a:effectRef>
-          <a:fontRef idx="minor">
-            <a:schemeClr val="tx1"/>
-          </a:fontRef>
-        </p:style>
-      </p:cxnSp>
+          <a:noFill/>
+        </p:spPr>
+        <p:txBody>
+          <a:bodyPr wrap="square">
+            <a:spAutoFit/>
+          </a:bodyPr>
+          <a:lstStyle/>
+          <a:p>
+            <a:pPr/>
+            <a:r>
+              <a:rPr lang="en-US" altLang="zh-TW" dirty="0"/>
+              <a:t>Ratio</a:t>
+            </a:r>
+            <a:r>
+              <a:rPr lang="zh-TW" altLang="en-US" dirty="0">
+                <a:latin typeface="Kaiti SC" panose="02010600040101010101" pitchFamily="2" charset="-122"/>
+                <a:ea typeface="Kaiti SC" panose="02010600040101010101" pitchFamily="2" charset="-122"/>
+              </a:rPr>
+              <a:t>值小表示</a:t>
+            </a:r>
+            <a:r>
+              <a:rPr lang="en-US" altLang="zh-TW" dirty="0">
+                <a:latin typeface="Kaiti SC" panose="02010600040101010101" pitchFamily="2" charset="-122"/>
+                <a:ea typeface="Kaiti SC" panose="02010600040101010101" pitchFamily="2" charset="-122"/>
+              </a:rPr>
+              <a:t>in-class variance</a:t>
+            </a:r>
+            <a:r>
+              <a:rPr lang="zh-TW" altLang="en-US" dirty="0">
+                <a:latin typeface="Kaiti SC" panose="02010600040101010101" pitchFamily="2" charset="-122"/>
+                <a:ea typeface="Kaiti SC" panose="02010600040101010101" pitchFamily="2" charset="-122"/>
+              </a:rPr>
+              <a:t>值大，點較分散。</a:t>
+            </a:r>
+          </a:p>
+        </p:txBody>
+      </p:sp>
+      <p:sp>
+        <p:nvSpPr>
+          <p:cNvPr id="15" name="文字方塊 14">
+            <a:extLst>
+              <a:ext uri="{FF2B5EF4-FFF2-40B4-BE49-F238E27FC236}">
+                <a16:creationId xmlns:a16="http://schemas.microsoft.com/office/drawing/2014/main" id="{51819A54-2729-2318-EBD9-9769385A2264}"/>
+              </a:ext>
+            </a:extLst>
+          </p:cNvPr>
+          <p:cNvSpPr txBox="1"/>
+          <p:nvPr/>
+        </p:nvSpPr>
+        <p:spPr>
+          <a:xfrm>
+            <a:off x="161266" y="3226352"/>
+            <a:ext cx="4456092" cy="646331"/>
+          </a:xfrm>
+          <a:prstGeom prst="rect">
+            <a:avLst/>
+          </a:prstGeom>
+          <a:noFill/>
+        </p:spPr>
+        <p:txBody>
+          <a:bodyPr wrap="square">
+            <a:spAutoFit/>
+          </a:bodyPr>
+          <a:lstStyle/>
+          <a:p>
+            <a:pPr/>
+            <a:r>
+              <a:rPr lang="en-US" altLang="zh-TW" dirty="0"/>
+              <a:t>Ratio</a:t>
+            </a:r>
+            <a:r>
+              <a:rPr lang="zh-TW" altLang="en-US" dirty="0">
+                <a:latin typeface="Kaiti SC" panose="02010600040101010101" pitchFamily="2" charset="-122"/>
+                <a:ea typeface="Kaiti SC" panose="02010600040101010101" pitchFamily="2" charset="-122"/>
+              </a:rPr>
+              <a:t>值大表示</a:t>
+            </a:r>
+            <a:r>
+              <a:rPr lang="en-US" altLang="zh-TW" dirty="0">
+                <a:latin typeface="Kaiti SC" panose="02010600040101010101" pitchFamily="2" charset="-122"/>
+                <a:ea typeface="Kaiti SC" panose="02010600040101010101" pitchFamily="2" charset="-122"/>
+              </a:rPr>
+              <a:t>in-class variance</a:t>
+            </a:r>
+            <a:r>
+              <a:rPr lang="zh-TW" altLang="en-US" dirty="0">
+                <a:latin typeface="Kaiti SC" panose="02010600040101010101" pitchFamily="2" charset="-122"/>
+                <a:ea typeface="Kaiti SC" panose="02010600040101010101" pitchFamily="2" charset="-122"/>
+              </a:rPr>
+              <a:t>值小，點較集中。</a:t>
+            </a:r>
+          </a:p>
+        </p:txBody>
+      </p:sp>
     </p:spTree>
     <p:extLst>
       <p:ext uri="{BB962C8B-B14F-4D97-AF65-F5344CB8AC3E}">
         <p14:creationId xmlns:p14="http://schemas.microsoft.com/office/powerpoint/2010/main" val="3904200197"/>
-      </p:ext>
-    </p:extLst>
-  </p:cSld>
-  <p:clrMapOvr>
-    <a:masterClrMapping/>
-  </p:clrMapOvr>
-</p:sld>
-</file>
-
-<file path=ppt/slides/slide3.xml><?xml version="1.0" encoding="utf-8"?>
-<p:sld xmlns:a="http://schemas.openxmlformats.org/drawingml/2006/main" xmlns:r="http://schemas.openxmlformats.org/officeDocument/2006/relationships" xmlns:p="http://schemas.openxmlformats.org/presentationml/2006/main">
-  <p:cSld>
-    <p:spTree>
-      <p:nvGrpSpPr>
-        <p:cNvPr id="1" name=""/>
-        <p:cNvGrpSpPr/>
-        <p:nvPr/>
-      </p:nvGrpSpPr>
-      <p:grpSpPr>
-        <a:xfrm>
-          <a:off x="0" y="0"/>
-          <a:ext cx="0" cy="0"/>
-          <a:chOff x="0" y="0"/>
-          <a:chExt cx="0" cy="0"/>
-        </a:xfrm>
-      </p:grpSpPr>
-      <p:sp>
-        <p:nvSpPr>
-          <p:cNvPr id="2" name="標題 1">
-            <a:extLst>
-              <a:ext uri="{FF2B5EF4-FFF2-40B4-BE49-F238E27FC236}">
-                <a16:creationId xmlns:a16="http://schemas.microsoft.com/office/drawing/2014/main" id="{182B5A17-5DAE-8331-1912-FFB295FF65BF}"/>
-              </a:ext>
-            </a:extLst>
-          </p:cNvPr>
-          <p:cNvSpPr>
-            <a:spLocks noGrp="1"/>
-          </p:cNvSpPr>
-          <p:nvPr>
-            <p:ph type="title"/>
-          </p:nvPr>
-        </p:nvSpPr>
-        <p:spPr/>
-        <p:txBody>
-          <a:bodyPr/>
-          <a:lstStyle/>
-          <a:p>
-            <a:r>
-              <a:rPr kumimoji="1" lang="en-US" altLang="zh-TW" dirty="0"/>
-              <a:t>Draft Thoughts-step 1</a:t>
-            </a:r>
-            <a:endParaRPr kumimoji="1" lang="zh-TW" altLang="en-US" dirty="0"/>
-          </a:p>
-        </p:txBody>
-      </p:sp>
-      <p:pic>
-        <p:nvPicPr>
-          <p:cNvPr id="5" name="內容版面配置區 4">
-            <a:extLst>
-              <a:ext uri="{FF2B5EF4-FFF2-40B4-BE49-F238E27FC236}">
-                <a16:creationId xmlns:a16="http://schemas.microsoft.com/office/drawing/2014/main" id="{28076F60-B017-AA17-CCA4-A178BA6DF61C}"/>
-              </a:ext>
-            </a:extLst>
-          </p:cNvPr>
-          <p:cNvPicPr>
-            <a:picLocks noGrp="1" noChangeAspect="1"/>
-          </p:cNvPicPr>
-          <p:nvPr>
-            <p:ph idx="1"/>
-          </p:nvPr>
-        </p:nvPicPr>
-        <p:blipFill>
-          <a:blip r:embed="rId2"/>
-          <a:stretch>
-            <a:fillRect/>
-          </a:stretch>
-        </p:blipFill>
-        <p:spPr>
-          <a:xfrm>
-            <a:off x="4679093" y="222550"/>
-            <a:ext cx="4176583" cy="6629457"/>
-          </a:xfrm>
-        </p:spPr>
-      </p:pic>
-    </p:spTree>
-    <p:extLst>
-      <p:ext uri="{BB962C8B-B14F-4D97-AF65-F5344CB8AC3E}">
-        <p14:creationId xmlns:p14="http://schemas.microsoft.com/office/powerpoint/2010/main" val="3404869780"/>
-      </p:ext>
-    </p:extLst>
-  </p:cSld>
-  <p:clrMapOvr>
-    <a:masterClrMapping/>
-  </p:clrMapOvr>
-</p:sld>
-</file>
-
-<file path=ppt/slides/slide4.xml><?xml version="1.0" encoding="utf-8"?>
-<p:sld xmlns:a="http://schemas.openxmlformats.org/drawingml/2006/main" xmlns:r="http://schemas.openxmlformats.org/officeDocument/2006/relationships" xmlns:p="http://schemas.openxmlformats.org/presentationml/2006/main">
-  <p:cSld>
-    <p:spTree>
-      <p:nvGrpSpPr>
-        <p:cNvPr id="1" name=""/>
-        <p:cNvGrpSpPr/>
-        <p:nvPr/>
-      </p:nvGrpSpPr>
-      <p:grpSpPr>
-        <a:xfrm>
-          <a:off x="0" y="0"/>
-          <a:ext cx="0" cy="0"/>
-          <a:chOff x="0" y="0"/>
-          <a:chExt cx="0" cy="0"/>
-        </a:xfrm>
-      </p:grpSpPr>
-      <p:sp>
-        <p:nvSpPr>
-          <p:cNvPr id="2" name="標題 1">
-            <a:extLst>
-              <a:ext uri="{FF2B5EF4-FFF2-40B4-BE49-F238E27FC236}">
-                <a16:creationId xmlns:a16="http://schemas.microsoft.com/office/drawing/2014/main" id="{958E27BA-CB4C-DA26-19FA-F4BBC0C4A431}"/>
-              </a:ext>
-            </a:extLst>
-          </p:cNvPr>
-          <p:cNvSpPr>
-            <a:spLocks noGrp="1"/>
-          </p:cNvSpPr>
-          <p:nvPr>
-            <p:ph type="title"/>
-          </p:nvPr>
-        </p:nvSpPr>
-        <p:spPr/>
-        <p:txBody>
-          <a:bodyPr/>
-          <a:lstStyle/>
-          <a:p>
-            <a:r>
-              <a:rPr kumimoji="1" lang="en-US" altLang="zh-TW" dirty="0" err="1"/>
-              <a:t>ProtoNet</a:t>
-            </a:r>
-            <a:r>
-              <a:rPr kumimoji="1" lang="en-US" altLang="zh-TW" dirty="0"/>
-              <a:t>: Terminology</a:t>
-            </a:r>
-            <a:endParaRPr kumimoji="1" lang="zh-TW" altLang="en-US" dirty="0"/>
-          </a:p>
-        </p:txBody>
-      </p:sp>
-      <p:sp>
-        <p:nvSpPr>
-          <p:cNvPr id="3" name="內容版面配置區 2">
-            <a:extLst>
-              <a:ext uri="{FF2B5EF4-FFF2-40B4-BE49-F238E27FC236}">
-                <a16:creationId xmlns:a16="http://schemas.microsoft.com/office/drawing/2014/main" id="{90664981-4128-F757-D0FF-4D0315B6D804}"/>
-              </a:ext>
-            </a:extLst>
-          </p:cNvPr>
-          <p:cNvSpPr>
-            <a:spLocks noGrp="1"/>
-          </p:cNvSpPr>
-          <p:nvPr>
-            <p:ph idx="1"/>
-          </p:nvPr>
-        </p:nvSpPr>
-        <p:spPr/>
-        <p:txBody>
-          <a:bodyPr/>
-          <a:lstStyle/>
-          <a:p>
-            <a:r>
-              <a:rPr kumimoji="1" lang="en-US" altLang="zh-TW" dirty="0"/>
-              <a:t>N</a:t>
-            </a:r>
-          </a:p>
-          <a:p>
-            <a:r>
-              <a:rPr kumimoji="1" lang="en-US" altLang="zh-TW" dirty="0"/>
-              <a:t>N</a:t>
-            </a:r>
-            <a:r>
-              <a:rPr kumimoji="1" lang="en-US" altLang="zh-TW" baseline="-25000" dirty="0"/>
-              <a:t>C</a:t>
-            </a:r>
-            <a:r>
-              <a:rPr kumimoji="1" lang="en-US" altLang="zh-TW" dirty="0"/>
-              <a:t> :</a:t>
-            </a:r>
-          </a:p>
-          <a:p>
-            <a:endParaRPr kumimoji="1" lang="zh-TW" altLang="en-US" dirty="0"/>
-          </a:p>
-        </p:txBody>
-      </p:sp>
-    </p:spTree>
-    <p:extLst>
-      <p:ext uri="{BB962C8B-B14F-4D97-AF65-F5344CB8AC3E}">
-        <p14:creationId xmlns:p14="http://schemas.microsoft.com/office/powerpoint/2010/main" val="2753194151"/>
-      </p:ext>
-    </p:extLst>
-  </p:cSld>
-  <p:clrMapOvr>
-    <a:masterClrMapping/>
-  </p:clrMapOvr>
-</p:sld>
-</file>
-
-<file path=ppt/slides/slide5.xml><?xml version="1.0" encoding="utf-8"?>
-<p:sld xmlns:a="http://schemas.openxmlformats.org/drawingml/2006/main" xmlns:r="http://schemas.openxmlformats.org/officeDocument/2006/relationships" xmlns:p="http://schemas.openxmlformats.org/presentationml/2006/main">
-  <p:cSld>
-    <p:spTree>
-      <p:nvGrpSpPr>
-        <p:cNvPr id="1" name=""/>
-        <p:cNvGrpSpPr/>
-        <p:nvPr/>
-      </p:nvGrpSpPr>
-      <p:grpSpPr>
-        <a:xfrm>
-          <a:off x="0" y="0"/>
-          <a:ext cx="0" cy="0"/>
-          <a:chOff x="0" y="0"/>
-          <a:chExt cx="0" cy="0"/>
-        </a:xfrm>
-      </p:grpSpPr>
-      <p:sp>
-        <p:nvSpPr>
-          <p:cNvPr id="2" name="標題 1">
-            <a:extLst>
-              <a:ext uri="{FF2B5EF4-FFF2-40B4-BE49-F238E27FC236}">
-                <a16:creationId xmlns:a16="http://schemas.microsoft.com/office/drawing/2014/main" id="{182B5A17-5DAE-8331-1912-FFB295FF65BF}"/>
-              </a:ext>
-            </a:extLst>
-          </p:cNvPr>
-          <p:cNvSpPr>
-            <a:spLocks noGrp="1"/>
-          </p:cNvSpPr>
-          <p:nvPr>
-            <p:ph type="title"/>
-          </p:nvPr>
-        </p:nvSpPr>
-        <p:spPr/>
-        <p:txBody>
-          <a:bodyPr/>
-          <a:lstStyle/>
-          <a:p>
-            <a:r>
-              <a:rPr kumimoji="1" lang="en-US" altLang="zh-TW" dirty="0"/>
-              <a:t>Draft Thoughts-step 2</a:t>
-            </a:r>
-            <a:endParaRPr kumimoji="1" lang="zh-TW" altLang="en-US" dirty="0"/>
-          </a:p>
-        </p:txBody>
-      </p:sp>
-      <p:pic>
-        <p:nvPicPr>
-          <p:cNvPr id="23" name="內容版面配置區 22">
-            <a:extLst>
-              <a:ext uri="{FF2B5EF4-FFF2-40B4-BE49-F238E27FC236}">
-                <a16:creationId xmlns:a16="http://schemas.microsoft.com/office/drawing/2014/main" id="{498186E6-DD5D-32C3-D854-798756C5E10E}"/>
-              </a:ext>
-            </a:extLst>
-          </p:cNvPr>
-          <p:cNvPicPr>
-            <a:picLocks noGrp="1" noChangeAspect="1"/>
-          </p:cNvPicPr>
-          <p:nvPr>
-            <p:ph idx="1"/>
-          </p:nvPr>
-        </p:nvPicPr>
-        <p:blipFill>
-          <a:blip r:embed="rId2"/>
-          <a:stretch>
-            <a:fillRect/>
-          </a:stretch>
-        </p:blipFill>
-        <p:spPr>
-          <a:xfrm>
-            <a:off x="4892988" y="501832"/>
-            <a:ext cx="3847357" cy="6032450"/>
-          </a:xfrm>
-        </p:spPr>
-      </p:pic>
-    </p:spTree>
-    <p:extLst>
-      <p:ext uri="{BB962C8B-B14F-4D97-AF65-F5344CB8AC3E}">
-        <p14:creationId xmlns:p14="http://schemas.microsoft.com/office/powerpoint/2010/main" val="2108926186"/>
-      </p:ext>
-    </p:extLst>
-  </p:cSld>
-  <p:clrMapOvr>
-    <a:masterClrMapping/>
-  </p:clrMapOvr>
-</p:sld>
-</file>
-
-<file path=ppt/slides/slide6.xml><?xml version="1.0" encoding="utf-8"?>
-<p:sld xmlns:a="http://schemas.openxmlformats.org/drawingml/2006/main" xmlns:r="http://schemas.openxmlformats.org/officeDocument/2006/relationships" xmlns:p="http://schemas.openxmlformats.org/presentationml/2006/main">
-  <p:cSld>
-    <p:spTree>
-      <p:nvGrpSpPr>
-        <p:cNvPr id="1" name=""/>
-        <p:cNvGrpSpPr/>
-        <p:nvPr/>
-      </p:nvGrpSpPr>
-      <p:grpSpPr>
-        <a:xfrm>
-          <a:off x="0" y="0"/>
-          <a:ext cx="0" cy="0"/>
-          <a:chOff x="0" y="0"/>
-          <a:chExt cx="0" cy="0"/>
-        </a:xfrm>
-      </p:grpSpPr>
-      <p:sp>
-        <p:nvSpPr>
-          <p:cNvPr id="2" name="標題 1">
-            <a:extLst>
-              <a:ext uri="{FF2B5EF4-FFF2-40B4-BE49-F238E27FC236}">
-                <a16:creationId xmlns:a16="http://schemas.microsoft.com/office/drawing/2014/main" id="{958E27BA-CB4C-DA26-19FA-F4BBC0C4A431}"/>
-              </a:ext>
-            </a:extLst>
-          </p:cNvPr>
-          <p:cNvSpPr>
-            <a:spLocks noGrp="1"/>
-          </p:cNvSpPr>
-          <p:nvPr>
-            <p:ph type="title"/>
-          </p:nvPr>
-        </p:nvSpPr>
-        <p:spPr/>
-        <p:txBody>
-          <a:bodyPr/>
-          <a:lstStyle/>
-          <a:p>
-            <a:r>
-              <a:rPr kumimoji="1" lang="en-US" altLang="zh-TW" dirty="0"/>
-              <a:t>Draft Thoughts-step 2</a:t>
-            </a:r>
-            <a:endParaRPr kumimoji="1" lang="zh-TW" altLang="en-US" dirty="0"/>
-          </a:p>
-        </p:txBody>
-      </p:sp>
-      <p:sp>
-        <p:nvSpPr>
-          <p:cNvPr id="3" name="內容版面配置區 2">
-            <a:extLst>
-              <a:ext uri="{FF2B5EF4-FFF2-40B4-BE49-F238E27FC236}">
-                <a16:creationId xmlns:a16="http://schemas.microsoft.com/office/drawing/2014/main" id="{90664981-4128-F757-D0FF-4D0315B6D804}"/>
-              </a:ext>
-            </a:extLst>
-          </p:cNvPr>
-          <p:cNvSpPr>
-            <a:spLocks noGrp="1"/>
-          </p:cNvSpPr>
-          <p:nvPr>
-            <p:ph idx="1"/>
-          </p:nvPr>
-        </p:nvSpPr>
-        <p:spPr/>
-        <p:txBody>
-          <a:bodyPr/>
-          <a:lstStyle/>
-          <a:p>
-            <a:endParaRPr kumimoji="1" lang="zh-TW" altLang="en-US"/>
-          </a:p>
-        </p:txBody>
-      </p:sp>
-    </p:spTree>
-    <p:extLst>
-      <p:ext uri="{BB962C8B-B14F-4D97-AF65-F5344CB8AC3E}">
-        <p14:creationId xmlns:p14="http://schemas.microsoft.com/office/powerpoint/2010/main" val="3607832713"/>
-      </p:ext>
-    </p:extLst>
-  </p:cSld>
-  <p:clrMapOvr>
-    <a:masterClrMapping/>
-  </p:clrMapOvr>
-</p:sld>
-</file>
-
-<file path=ppt/slides/slide7.xml><?xml version="1.0" encoding="utf-8"?>
-<p:sld xmlns:a="http://schemas.openxmlformats.org/drawingml/2006/main" xmlns:r="http://schemas.openxmlformats.org/officeDocument/2006/relationships" xmlns:p="http://schemas.openxmlformats.org/presentationml/2006/main">
-  <p:cSld>
-    <p:spTree>
-      <p:nvGrpSpPr>
-        <p:cNvPr id="1" name=""/>
-        <p:cNvGrpSpPr/>
-        <p:nvPr/>
-      </p:nvGrpSpPr>
-      <p:grpSpPr>
-        <a:xfrm>
-          <a:off x="0" y="0"/>
-          <a:ext cx="0" cy="0"/>
-          <a:chOff x="0" y="0"/>
-          <a:chExt cx="0" cy="0"/>
-        </a:xfrm>
-      </p:grpSpPr>
-      <p:sp>
-        <p:nvSpPr>
-          <p:cNvPr id="2" name="標題 1">
-            <a:extLst>
-              <a:ext uri="{FF2B5EF4-FFF2-40B4-BE49-F238E27FC236}">
-                <a16:creationId xmlns:a16="http://schemas.microsoft.com/office/drawing/2014/main" id="{182B5A17-5DAE-8331-1912-FFB295FF65BF}"/>
-              </a:ext>
-            </a:extLst>
-          </p:cNvPr>
-          <p:cNvSpPr>
-            <a:spLocks noGrp="1"/>
-          </p:cNvSpPr>
-          <p:nvPr>
-            <p:ph type="title"/>
-          </p:nvPr>
-        </p:nvSpPr>
-        <p:spPr/>
-        <p:txBody>
-          <a:bodyPr/>
-          <a:lstStyle/>
-          <a:p>
-            <a:r>
-              <a:rPr kumimoji="1" lang="en-US" altLang="zh-TW" dirty="0"/>
-              <a:t>Draft Thoughts-step  3</a:t>
-            </a:r>
-            <a:endParaRPr kumimoji="1" lang="zh-TW" altLang="en-US" dirty="0"/>
-          </a:p>
-        </p:txBody>
-      </p:sp>
-      <p:pic>
-        <p:nvPicPr>
-          <p:cNvPr id="7" name="內容版面配置區 6">
-            <a:extLst>
-              <a:ext uri="{FF2B5EF4-FFF2-40B4-BE49-F238E27FC236}">
-                <a16:creationId xmlns:a16="http://schemas.microsoft.com/office/drawing/2014/main" id="{3F4F1EFF-FD00-2320-7BEB-AD19D26E5841}"/>
-              </a:ext>
-            </a:extLst>
-          </p:cNvPr>
-          <p:cNvPicPr>
-            <a:picLocks noGrp="1" noChangeAspect="1"/>
-          </p:cNvPicPr>
-          <p:nvPr>
-            <p:ph idx="1"/>
-          </p:nvPr>
-        </p:nvPicPr>
-        <p:blipFill>
-          <a:blip r:embed="rId2"/>
-          <a:stretch>
-            <a:fillRect/>
-          </a:stretch>
-        </p:blipFill>
-        <p:spPr>
-          <a:xfrm>
-            <a:off x="4896149" y="346118"/>
-            <a:ext cx="4000716" cy="6253855"/>
-          </a:xfrm>
-        </p:spPr>
-      </p:pic>
-    </p:spTree>
-    <p:extLst>
-      <p:ext uri="{BB962C8B-B14F-4D97-AF65-F5344CB8AC3E}">
-        <p14:creationId xmlns:p14="http://schemas.microsoft.com/office/powerpoint/2010/main" val="2329246771"/>
-      </p:ext>
-    </p:extLst>
-  </p:cSld>
-  <p:clrMapOvr>
-    <a:masterClrMapping/>
-  </p:clrMapOvr>
-</p:sld>
-</file>
-
-<file path=ppt/slides/slide8.xml><?xml version="1.0" encoding="utf-8"?>
-<p:sld xmlns:a="http://schemas.openxmlformats.org/drawingml/2006/main" xmlns:r="http://schemas.openxmlformats.org/officeDocument/2006/relationships" xmlns:p="http://schemas.openxmlformats.org/presentationml/2006/main">
-  <p:cSld>
-    <p:spTree>
-      <p:nvGrpSpPr>
-        <p:cNvPr id="1" name=""/>
-        <p:cNvGrpSpPr/>
-        <p:nvPr/>
-      </p:nvGrpSpPr>
-      <p:grpSpPr>
-        <a:xfrm>
-          <a:off x="0" y="0"/>
-          <a:ext cx="0" cy="0"/>
-          <a:chOff x="0" y="0"/>
-          <a:chExt cx="0" cy="0"/>
-        </a:xfrm>
-      </p:grpSpPr>
-      <p:sp>
-        <p:nvSpPr>
-          <p:cNvPr id="2" name="標題 1">
-            <a:extLst>
-              <a:ext uri="{FF2B5EF4-FFF2-40B4-BE49-F238E27FC236}">
-                <a16:creationId xmlns:a16="http://schemas.microsoft.com/office/drawing/2014/main" id="{958E27BA-CB4C-DA26-19FA-F4BBC0C4A431}"/>
-              </a:ext>
-            </a:extLst>
-          </p:cNvPr>
-          <p:cNvSpPr>
-            <a:spLocks noGrp="1"/>
-          </p:cNvSpPr>
-          <p:nvPr>
-            <p:ph type="title"/>
-          </p:nvPr>
-        </p:nvSpPr>
-        <p:spPr/>
-        <p:txBody>
-          <a:bodyPr/>
-          <a:lstStyle/>
-          <a:p>
-            <a:r>
-              <a:rPr kumimoji="1" lang="en-US" altLang="zh-TW" dirty="0"/>
-              <a:t>Draft Thoughts-step 3</a:t>
-            </a:r>
-            <a:endParaRPr kumimoji="1" lang="zh-TW" altLang="en-US" dirty="0"/>
-          </a:p>
-        </p:txBody>
-      </p:sp>
-      <p:sp>
-        <p:nvSpPr>
-          <p:cNvPr id="3" name="內容版面配置區 2">
-            <a:extLst>
-              <a:ext uri="{FF2B5EF4-FFF2-40B4-BE49-F238E27FC236}">
-                <a16:creationId xmlns:a16="http://schemas.microsoft.com/office/drawing/2014/main" id="{90664981-4128-F757-D0FF-4D0315B6D804}"/>
-              </a:ext>
-            </a:extLst>
-          </p:cNvPr>
-          <p:cNvSpPr>
-            <a:spLocks noGrp="1"/>
-          </p:cNvSpPr>
-          <p:nvPr>
-            <p:ph idx="1"/>
-          </p:nvPr>
-        </p:nvSpPr>
-        <p:spPr/>
-        <p:txBody>
-          <a:bodyPr/>
-          <a:lstStyle/>
-          <a:p>
-            <a:endParaRPr kumimoji="1" lang="zh-TW" altLang="en-US" dirty="0"/>
-          </a:p>
-        </p:txBody>
-      </p:sp>
-    </p:spTree>
-    <p:extLst>
-      <p:ext uri="{BB962C8B-B14F-4D97-AF65-F5344CB8AC3E}">
-        <p14:creationId xmlns:p14="http://schemas.microsoft.com/office/powerpoint/2010/main" val="1886921172"/>
       </p:ext>
     </p:extLst>
   </p:cSld>
@@ -6433,7 +8279,7 @@
           <p:cNvPr id="2" name="標題 1">
             <a:extLst>
               <a:ext uri="{FF2B5EF4-FFF2-40B4-BE49-F238E27FC236}">
-                <a16:creationId xmlns:a16="http://schemas.microsoft.com/office/drawing/2014/main" id="{182B5A17-5DAE-8331-1912-FFB295FF65BF}"/>
+                <a16:creationId xmlns:a16="http://schemas.microsoft.com/office/drawing/2014/main" id="{02382A41-044E-F1A3-A2EE-55411893335F}"/>
               </a:ext>
             </a:extLst>
           </p:cNvPr>
@@ -6451,7 +8297,7 @@
           <a:p>
             <a:r>
               <a:rPr kumimoji="1" lang="en-US" altLang="zh-TW" dirty="0"/>
-              <a:t>Draft Thoughts-step 4</a:t>
+              <a:t>Pipe-Line of BC-Learning</a:t>
             </a:r>
             <a:endParaRPr kumimoji="1" lang="zh-TW" altLang="en-US" dirty="0"/>
           </a:p>
@@ -6459,10 +8305,10 @@
       </p:sp>
       <p:pic>
         <p:nvPicPr>
-          <p:cNvPr id="7" name="內容版面配置區 6">
-            <a:extLst>
-              <a:ext uri="{FF2B5EF4-FFF2-40B4-BE49-F238E27FC236}">
-                <a16:creationId xmlns:a16="http://schemas.microsoft.com/office/drawing/2014/main" id="{250A9EE1-2341-6875-7D5C-28F1C18F1BB2}"/>
+          <p:cNvPr id="5" name="內容版面配置區 4">
+            <a:extLst>
+              <a:ext uri="{FF2B5EF4-FFF2-40B4-BE49-F238E27FC236}">
+                <a16:creationId xmlns:a16="http://schemas.microsoft.com/office/drawing/2014/main" id="{9E57ED15-55BF-929B-DA8D-6136C9A98BBD}"/>
               </a:ext>
             </a:extLst>
           </p:cNvPr>
@@ -6481,15 +8327,15 @@
         </p:blipFill>
         <p:spPr>
           <a:xfrm>
-            <a:off x="4218357" y="1128713"/>
-            <a:ext cx="3612412" cy="5227637"/>
+            <a:off x="185738" y="1425281"/>
+            <a:ext cx="11677650" cy="4634500"/>
           </a:xfrm>
         </p:spPr>
       </p:pic>
     </p:spTree>
     <p:extLst>
       <p:ext uri="{BB962C8B-B14F-4D97-AF65-F5344CB8AC3E}">
-        <p14:creationId xmlns:p14="http://schemas.microsoft.com/office/powerpoint/2010/main" val="3393869822"/>
+        <p14:creationId xmlns:p14="http://schemas.microsoft.com/office/powerpoint/2010/main" val="2460641865"/>
       </p:ext>
     </p:extLst>
   </p:cSld>
